--- a/tosca_2_0/sources/core_concepts.pptx
+++ b/tosca_2_0/sources/core_concepts.pptx
@@ -5,10 +5,10 @@
     <p:sldMasterId id="2147483648" r:id="rId1"/>
   </p:sldMasterIdLst>
   <p:sldIdLst>
-    <p:sldId id="262" r:id="rId2"/>
-    <p:sldId id="263" r:id="rId3"/>
-    <p:sldId id="264" r:id="rId4"/>
-    <p:sldId id="265" r:id="rId5"/>
+    <p:sldId id="268" r:id="rId2"/>
+    <p:sldId id="270" r:id="rId3"/>
+    <p:sldId id="267" r:id="rId4"/>
+    <p:sldId id="266" r:id="rId5"/>
     <p:sldId id="261" r:id="rId6"/>
   </p:sldIdLst>
   <p:sldSz cx="12192000" cy="6858000"/>
@@ -263,7 +263,7 @@
           <a:p>
             <a:fld id="{845E1506-8DF9-46D9-8B6D-DFB7F493A8FC}" type="datetimeFigureOut">
               <a:rPr lang="en-US" smtClean="0"/>
-              <a:t>3/23/2024</a:t>
+              <a:t>4/9/2024</a:t>
             </a:fld>
             <a:endParaRPr lang="en-US"/>
           </a:p>
@@ -461,7 +461,7 @@
           <a:p>
             <a:fld id="{845E1506-8DF9-46D9-8B6D-DFB7F493A8FC}" type="datetimeFigureOut">
               <a:rPr lang="en-US" smtClean="0"/>
-              <a:t>3/23/2024</a:t>
+              <a:t>4/9/2024</a:t>
             </a:fld>
             <a:endParaRPr lang="en-US"/>
           </a:p>
@@ -669,7 +669,7 @@
           <a:p>
             <a:fld id="{845E1506-8DF9-46D9-8B6D-DFB7F493A8FC}" type="datetimeFigureOut">
               <a:rPr lang="en-US" smtClean="0"/>
-              <a:t>3/23/2024</a:t>
+              <a:t>4/9/2024</a:t>
             </a:fld>
             <a:endParaRPr lang="en-US"/>
           </a:p>
@@ -867,7 +867,7 @@
           <a:p>
             <a:fld id="{845E1506-8DF9-46D9-8B6D-DFB7F493A8FC}" type="datetimeFigureOut">
               <a:rPr lang="en-US" smtClean="0"/>
-              <a:t>3/23/2024</a:t>
+              <a:t>4/9/2024</a:t>
             </a:fld>
             <a:endParaRPr lang="en-US"/>
           </a:p>
@@ -1142,7 +1142,7 @@
           <a:p>
             <a:fld id="{845E1506-8DF9-46D9-8B6D-DFB7F493A8FC}" type="datetimeFigureOut">
               <a:rPr lang="en-US" smtClean="0"/>
-              <a:t>3/23/2024</a:t>
+              <a:t>4/9/2024</a:t>
             </a:fld>
             <a:endParaRPr lang="en-US"/>
           </a:p>
@@ -1407,7 +1407,7 @@
           <a:p>
             <a:fld id="{845E1506-8DF9-46D9-8B6D-DFB7F493A8FC}" type="datetimeFigureOut">
               <a:rPr lang="en-US" smtClean="0"/>
-              <a:t>3/23/2024</a:t>
+              <a:t>4/9/2024</a:t>
             </a:fld>
             <a:endParaRPr lang="en-US"/>
           </a:p>
@@ -1819,7 +1819,7 @@
           <a:p>
             <a:fld id="{845E1506-8DF9-46D9-8B6D-DFB7F493A8FC}" type="datetimeFigureOut">
               <a:rPr lang="en-US" smtClean="0"/>
-              <a:t>3/23/2024</a:t>
+              <a:t>4/9/2024</a:t>
             </a:fld>
             <a:endParaRPr lang="en-US"/>
           </a:p>
@@ -1960,7 +1960,7 @@
           <a:p>
             <a:fld id="{845E1506-8DF9-46D9-8B6D-DFB7F493A8FC}" type="datetimeFigureOut">
               <a:rPr lang="en-US" smtClean="0"/>
-              <a:t>3/23/2024</a:t>
+              <a:t>4/9/2024</a:t>
             </a:fld>
             <a:endParaRPr lang="en-US"/>
           </a:p>
@@ -2073,7 +2073,7 @@
           <a:p>
             <a:fld id="{845E1506-8DF9-46D9-8B6D-DFB7F493A8FC}" type="datetimeFigureOut">
               <a:rPr lang="en-US" smtClean="0"/>
-              <a:t>3/23/2024</a:t>
+              <a:t>4/9/2024</a:t>
             </a:fld>
             <a:endParaRPr lang="en-US"/>
           </a:p>
@@ -2384,7 +2384,7 @@
           <a:p>
             <a:fld id="{845E1506-8DF9-46D9-8B6D-DFB7F493A8FC}" type="datetimeFigureOut">
               <a:rPr lang="en-US" smtClean="0"/>
-              <a:t>3/23/2024</a:t>
+              <a:t>4/9/2024</a:t>
             </a:fld>
             <a:endParaRPr lang="en-US"/>
           </a:p>
@@ -2672,7 +2672,7 @@
           <a:p>
             <a:fld id="{845E1506-8DF9-46D9-8B6D-DFB7F493A8FC}" type="datetimeFigureOut">
               <a:rPr lang="en-US" smtClean="0"/>
-              <a:t>3/23/2024</a:t>
+              <a:t>4/9/2024</a:t>
             </a:fld>
             <a:endParaRPr lang="en-US"/>
           </a:p>
@@ -2913,7 +2913,7 @@
           <a:p>
             <a:fld id="{845E1506-8DF9-46D9-8B6D-DFB7F493A8FC}" type="datetimeFigureOut">
               <a:rPr lang="en-US" smtClean="0"/>
-              <a:t>3/23/2024</a:t>
+              <a:t>4/9/2024</a:t>
             </a:fld>
             <a:endParaRPr lang="en-US"/>
           </a:p>
@@ -3332,10 +3332,10 @@
       </p:grpSpPr>
       <p:grpSp>
         <p:nvGrpSpPr>
-          <p:cNvPr id="4" name="Group 3">
+          <p:cNvPr id="14" name="Group 13">
             <a:extLst>
               <a:ext uri="{FF2B5EF4-FFF2-40B4-BE49-F238E27FC236}">
-                <a16:creationId xmlns:a16="http://schemas.microsoft.com/office/drawing/2014/main" id="{76B16512-219B-7AD6-7FB6-3665B0CB6A7B}"/>
+                <a16:creationId xmlns:a16="http://schemas.microsoft.com/office/drawing/2014/main" id="{091ED14D-253A-E780-F0CE-AE9BDB930C39}"/>
               </a:ext>
             </a:extLst>
           </p:cNvPr>
@@ -3344,10 +3344,10 @@
         </p:nvGrpSpPr>
         <p:grpSpPr>
           <a:xfrm>
-            <a:off x="4319319" y="2604600"/>
-            <a:ext cx="3553362" cy="1648800"/>
-            <a:chOff x="6448943" y="2558814"/>
-            <a:chExt cx="3553362" cy="1648800"/>
+            <a:off x="4241684" y="2791800"/>
+            <a:ext cx="3708632" cy="1274400"/>
+            <a:chOff x="6224383" y="2207235"/>
+            <a:chExt cx="3708632" cy="1274400"/>
           </a:xfrm>
         </p:grpSpPr>
         <p:sp>
@@ -3364,7 +3364,7 @@
           </p:nvSpPr>
           <p:spPr>
             <a:xfrm>
-              <a:off x="6448943" y="2933214"/>
+              <a:off x="6224383" y="2394435"/>
               <a:ext cx="1150886" cy="900000"/>
             </a:xfrm>
             <a:prstGeom prst="flowChartDocument">
@@ -3539,7 +3539,7 @@
           </p:nvSpPr>
           <p:spPr>
             <a:xfrm>
-              <a:off x="8851419" y="2933214"/>
+              <a:off x="8782129" y="2394435"/>
               <a:ext cx="1150886" cy="900000"/>
             </a:xfrm>
             <a:prstGeom prst="flowChartDocument">
@@ -3717,290 +3717,12 @@
             </a:p>
           </p:txBody>
         </p:sp>
-        <p:grpSp>
-          <p:nvGrpSpPr>
-            <p:cNvPr id="36" name="Group 35">
+        <p:sp>
+          <p:nvSpPr>
+            <p:cNvPr id="2" name="CustomShape 1">
               <a:extLst>
                 <a:ext uri="{FF2B5EF4-FFF2-40B4-BE49-F238E27FC236}">
-                  <a16:creationId xmlns:a16="http://schemas.microsoft.com/office/drawing/2014/main" id="{F085E4D7-AA45-7DB8-B7A2-6B6A32876E87}"/>
-                </a:ext>
-              </a:extLst>
-            </p:cNvPr>
-            <p:cNvGrpSpPr/>
-            <p:nvPr/>
-          </p:nvGrpSpPr>
-          <p:grpSpPr>
-            <a:xfrm>
-              <a:off x="7591035" y="2558814"/>
-              <a:ext cx="1269176" cy="1648800"/>
-              <a:chOff x="7425927" y="2575311"/>
-              <a:chExt cx="1269176" cy="1648800"/>
-            </a:xfrm>
-          </p:grpSpPr>
-          <p:sp>
-            <p:nvSpPr>
-              <p:cNvPr id="33" name="Line 15">
-                <a:extLst>
-                  <a:ext uri="{FF2B5EF4-FFF2-40B4-BE49-F238E27FC236}">
-                    <a16:creationId xmlns:a16="http://schemas.microsoft.com/office/drawing/2014/main" id="{244AC52C-D4F8-BACE-AB1A-555C91BC1304}"/>
-                  </a:ext>
-                </a:extLst>
-              </p:cNvPr>
-              <p:cNvSpPr/>
-              <p:nvPr/>
-            </p:nvSpPr>
-            <p:spPr>
-              <a:xfrm flipH="1" flipV="1">
-                <a:off x="7425927" y="3396954"/>
-                <a:ext cx="1269176" cy="5515"/>
-              </a:xfrm>
-              <a:prstGeom prst="line">
-                <a:avLst/>
-              </a:prstGeom>
-              <a:ln w="28575">
-                <a:solidFill>
-                  <a:schemeClr val="tx1"/>
-                </a:solidFill>
-                <a:round/>
-                <a:headEnd type="triangle" w="med" len="med"/>
-                <a:tailEnd type="triangle" w="med" len="med"/>
-              </a:ln>
-            </p:spPr>
-            <p:style>
-              <a:lnRef idx="1">
-                <a:schemeClr val="dk1"/>
-              </a:lnRef>
-              <a:fillRef idx="0">
-                <a:schemeClr val="dk1"/>
-              </a:fillRef>
-              <a:effectRef idx="0">
-                <a:schemeClr val="dk1"/>
-              </a:effectRef>
-              <a:fontRef idx="minor"/>
-            </p:style>
-            <p:txBody>
-              <a:bodyPr/>
-              <a:lstStyle/>
-              <a:p>
-                <a:endParaRPr lang="en-US" sz="1200" dirty="0"/>
-              </a:p>
-            </p:txBody>
-          </p:sp>
-          <p:sp>
-            <p:nvSpPr>
-              <p:cNvPr id="2" name="CustomShape 1">
-                <a:extLst>
-                  <a:ext uri="{FF2B5EF4-FFF2-40B4-BE49-F238E27FC236}">
-                    <a16:creationId xmlns:a16="http://schemas.microsoft.com/office/drawing/2014/main" id="{818F12E8-A30F-41CC-B652-64C7D3A284D3}"/>
-                  </a:ext>
-                </a:extLst>
-              </p:cNvPr>
-              <p:cNvSpPr/>
-              <p:nvPr/>
-            </p:nvSpPr>
-            <p:spPr>
-              <a:xfrm>
-                <a:off x="7633961" y="2575311"/>
-                <a:ext cx="853109" cy="1648800"/>
-              </a:xfrm>
-              <a:prstGeom prst="rect">
-                <a:avLst/>
-              </a:prstGeom>
-              <a:solidFill>
-                <a:schemeClr val="bg1"/>
-              </a:solidFill>
-              <a:ln>
-                <a:solidFill>
-                  <a:schemeClr val="tx1"/>
-                </a:solidFill>
-                <a:prstDash val="sysDash"/>
-                <a:round/>
-              </a:ln>
-            </p:spPr>
-            <p:style>
-              <a:lnRef idx="2">
-                <a:schemeClr val="accent1">
-                  <a:shade val="50000"/>
-                </a:schemeClr>
-              </a:lnRef>
-              <a:fillRef idx="1">
-                <a:schemeClr val="accent1"/>
-              </a:fillRef>
-              <a:effectRef idx="0">
-                <a:schemeClr val="accent1"/>
-              </a:effectRef>
-              <a:fontRef idx="minor"/>
-            </p:style>
-            <p:txBody>
-              <a:bodyPr lIns="0" tIns="45720" rIns="0" bIns="45720">
-                <a:noAutofit/>
-              </a:bodyPr>
-              <a:lstStyle>
-                <a:defPPr>
-                  <a:defRPr lang="en-US"/>
-                </a:defPPr>
-                <a:lvl1pPr marL="0" algn="l" defTabSz="914400" rtl="0" eaLnBrk="1" latinLnBrk="0" hangingPunct="1">
-                  <a:defRPr sz="1800" kern="1200">
-                    <a:solidFill>
-                      <a:schemeClr val="tx1"/>
-                    </a:solidFill>
-                    <a:latin typeface="+mn-lt"/>
-                    <a:ea typeface="+mn-ea"/>
-                    <a:cs typeface="+mn-cs"/>
-                  </a:defRPr>
-                </a:lvl1pPr>
-                <a:lvl2pPr marL="457200" algn="l" defTabSz="914400" rtl="0" eaLnBrk="1" latinLnBrk="0" hangingPunct="1">
-                  <a:defRPr sz="1800" kern="1200">
-                    <a:solidFill>
-                      <a:schemeClr val="tx1"/>
-                    </a:solidFill>
-                    <a:latin typeface="+mn-lt"/>
-                    <a:ea typeface="+mn-ea"/>
-                    <a:cs typeface="+mn-cs"/>
-                  </a:defRPr>
-                </a:lvl2pPr>
-                <a:lvl3pPr marL="914400" algn="l" defTabSz="914400" rtl="0" eaLnBrk="1" latinLnBrk="0" hangingPunct="1">
-                  <a:defRPr sz="1800" kern="1200">
-                    <a:solidFill>
-                      <a:schemeClr val="tx1"/>
-                    </a:solidFill>
-                    <a:latin typeface="+mn-lt"/>
-                    <a:ea typeface="+mn-ea"/>
-                    <a:cs typeface="+mn-cs"/>
-                  </a:defRPr>
-                </a:lvl3pPr>
-                <a:lvl4pPr marL="1371600" algn="l" defTabSz="914400" rtl="0" eaLnBrk="1" latinLnBrk="0" hangingPunct="1">
-                  <a:defRPr sz="1800" kern="1200">
-                    <a:solidFill>
-                      <a:schemeClr val="tx1"/>
-                    </a:solidFill>
-                    <a:latin typeface="+mn-lt"/>
-                    <a:ea typeface="+mn-ea"/>
-                    <a:cs typeface="+mn-cs"/>
-                  </a:defRPr>
-                </a:lvl4pPr>
-                <a:lvl5pPr marL="1828800" algn="l" defTabSz="914400" rtl="0" eaLnBrk="1" latinLnBrk="0" hangingPunct="1">
-                  <a:defRPr sz="1800" kern="1200">
-                    <a:solidFill>
-                      <a:schemeClr val="tx1"/>
-                    </a:solidFill>
-                    <a:latin typeface="+mn-lt"/>
-                    <a:ea typeface="+mn-ea"/>
-                    <a:cs typeface="+mn-cs"/>
-                  </a:defRPr>
-                </a:lvl5pPr>
-                <a:lvl6pPr marL="2286000" algn="l" defTabSz="914400" rtl="0" eaLnBrk="1" latinLnBrk="0" hangingPunct="1">
-                  <a:defRPr sz="1800" kern="1200">
-                    <a:solidFill>
-                      <a:schemeClr val="tx1"/>
-                    </a:solidFill>
-                    <a:latin typeface="+mn-lt"/>
-                    <a:ea typeface="+mn-ea"/>
-                    <a:cs typeface="+mn-cs"/>
-                  </a:defRPr>
-                </a:lvl6pPr>
-                <a:lvl7pPr marL="2743200" algn="l" defTabSz="914400" rtl="0" eaLnBrk="1" latinLnBrk="0" hangingPunct="1">
-                  <a:defRPr sz="1800" kern="1200">
-                    <a:solidFill>
-                      <a:schemeClr val="tx1"/>
-                    </a:solidFill>
-                    <a:latin typeface="+mn-lt"/>
-                    <a:ea typeface="+mn-ea"/>
-                    <a:cs typeface="+mn-cs"/>
-                  </a:defRPr>
-                </a:lvl7pPr>
-                <a:lvl8pPr marL="3200400" algn="l" defTabSz="914400" rtl="0" eaLnBrk="1" latinLnBrk="0" hangingPunct="1">
-                  <a:defRPr sz="1800" kern="1200">
-                    <a:solidFill>
-                      <a:schemeClr val="tx1"/>
-                    </a:solidFill>
-                    <a:latin typeface="+mn-lt"/>
-                    <a:ea typeface="+mn-ea"/>
-                    <a:cs typeface="+mn-cs"/>
-                  </a:defRPr>
-                </a:lvl8pPr>
-                <a:lvl9pPr marL="3657600" algn="l" defTabSz="914400" rtl="0" eaLnBrk="1" latinLnBrk="0" hangingPunct="1">
-                  <a:defRPr sz="1800" kern="1200">
-                    <a:solidFill>
-                      <a:schemeClr val="tx1"/>
-                    </a:solidFill>
-                    <a:latin typeface="+mn-lt"/>
-                    <a:ea typeface="+mn-ea"/>
-                    <a:cs typeface="+mn-cs"/>
-                  </a:defRPr>
-                </a:lvl9pPr>
-              </a:lstStyle>
-              <a:p>
-                <a:pPr algn="ctr"/>
-                <a:r>
-                  <a:rPr lang="en-US" sz="1200" spc="-1" dirty="0">
-                    <a:solidFill>
-                      <a:srgbClr val="000000"/>
-                    </a:solidFill>
-                  </a:rPr>
-                  <a:t>Orchestrator</a:t>
-                </a:r>
-              </a:p>
-            </p:txBody>
-          </p:sp>
-        </p:grpSp>
-      </p:grpSp>
-    </p:spTree>
-    <p:extLst>
-      <p:ext uri="{BB962C8B-B14F-4D97-AF65-F5344CB8AC3E}">
-        <p14:creationId xmlns:p14="http://schemas.microsoft.com/office/powerpoint/2010/main" val="3377983652"/>
-      </p:ext>
-    </p:extLst>
-  </p:cSld>
-  <p:clrMapOvr>
-    <a:masterClrMapping/>
-  </p:clrMapOvr>
-</p:sld>
-</file>
-
-<file path=ppt/slides/slide2.xml><?xml version="1.0" encoding="utf-8"?>
-<p:sld xmlns:a="http://schemas.openxmlformats.org/drawingml/2006/main" xmlns:r="http://schemas.openxmlformats.org/officeDocument/2006/relationships" xmlns:p="http://schemas.openxmlformats.org/presentationml/2006/main">
-  <p:cSld>
-    <p:spTree>
-      <p:nvGrpSpPr>
-        <p:cNvPr id="1" name=""/>
-        <p:cNvGrpSpPr/>
-        <p:nvPr/>
-      </p:nvGrpSpPr>
-      <p:grpSpPr>
-        <a:xfrm>
-          <a:off x="0" y="0"/>
-          <a:ext cx="0" cy="0"/>
-          <a:chOff x="0" y="0"/>
-          <a:chExt cx="0" cy="0"/>
-        </a:xfrm>
-      </p:grpSpPr>
-      <p:grpSp>
-        <p:nvGrpSpPr>
-          <p:cNvPr id="4" name="Group 3">
-            <a:extLst>
-              <a:ext uri="{FF2B5EF4-FFF2-40B4-BE49-F238E27FC236}">
-                <a16:creationId xmlns:a16="http://schemas.microsoft.com/office/drawing/2014/main" id="{C10EC586-BDAE-305E-8B8A-73A68B31C305}"/>
-              </a:ext>
-            </a:extLst>
-          </p:cNvPr>
-          <p:cNvGrpSpPr/>
-          <p:nvPr/>
-        </p:nvGrpSpPr>
-        <p:grpSpPr>
-          <a:xfrm>
-            <a:off x="4319320" y="2604600"/>
-            <a:ext cx="3553360" cy="1648800"/>
-            <a:chOff x="4046469" y="2558814"/>
-            <a:chExt cx="3553360" cy="1648800"/>
-          </a:xfrm>
-        </p:grpSpPr>
-        <p:sp>
-          <p:nvSpPr>
-            <p:cNvPr id="10" name="CustomShape 11">
-              <a:extLst>
-                <a:ext uri="{FF2B5EF4-FFF2-40B4-BE49-F238E27FC236}">
-                  <a16:creationId xmlns:a16="http://schemas.microsoft.com/office/drawing/2014/main" id="{DD26562F-EFEA-4CF0-88EC-A28513A0933F}"/>
+                  <a16:creationId xmlns:a16="http://schemas.microsoft.com/office/drawing/2014/main" id="{818F12E8-A30F-41CC-B652-64C7D3A284D3}"/>
                 </a:ext>
               </a:extLst>
             </p:cNvPr>
@@ -4009,423 +3731,8 @@
           </p:nvSpPr>
           <p:spPr>
             <a:xfrm>
-              <a:off x="6448943" y="2933214"/>
-              <a:ext cx="1150886" cy="900000"/>
-            </a:xfrm>
-            <a:prstGeom prst="flowChartDocument">
-              <a:avLst/>
-            </a:prstGeom>
-            <a:gradFill rotWithShape="0">
-              <a:gsLst>
-                <a:gs pos="0">
-                  <a:srgbClr val="D0D0D0"/>
-                </a:gs>
-                <a:gs pos="100000">
-                  <a:srgbClr val="EDEDED"/>
-                </a:gs>
-              </a:gsLst>
-              <a:lin ang="16200000"/>
-            </a:gradFill>
-            <a:ln>
-              <a:solidFill>
-                <a:srgbClr val="000000"/>
-              </a:solidFill>
-              <a:round/>
-            </a:ln>
-            <a:effectLst>
-              <a:outerShdw blurRad="40000" dist="20160" dir="5400000" rotWithShape="0">
-                <a:srgbClr val="000000">
-                  <a:alpha val="38000"/>
-                </a:srgbClr>
-              </a:outerShdw>
-            </a:effectLst>
-          </p:spPr>
-          <p:style>
-            <a:lnRef idx="1">
-              <a:schemeClr val="dk1"/>
-            </a:lnRef>
-            <a:fillRef idx="2">
-              <a:schemeClr val="dk1"/>
-            </a:fillRef>
-            <a:effectRef idx="1">
-              <a:schemeClr val="dk1"/>
-            </a:effectRef>
-            <a:fontRef idx="minor"/>
-          </p:style>
-          <p:txBody>
-            <a:bodyPr lIns="0" tIns="0" rIns="0" bIns="0" anchor="ctr">
-              <a:noAutofit/>
-            </a:bodyPr>
-            <a:lstStyle>
-              <a:defPPr>
-                <a:defRPr lang="en-US"/>
-              </a:defPPr>
-              <a:lvl1pPr marL="0" algn="l" defTabSz="914400" rtl="0" eaLnBrk="1" latinLnBrk="0" hangingPunct="1">
-                <a:defRPr sz="1800" kern="1200">
-                  <a:solidFill>
-                    <a:schemeClr val="tx1"/>
-                  </a:solidFill>
-                  <a:latin typeface="+mn-lt"/>
-                  <a:ea typeface="+mn-ea"/>
-                  <a:cs typeface="+mn-cs"/>
-                </a:defRPr>
-              </a:lvl1pPr>
-              <a:lvl2pPr marL="457200" algn="l" defTabSz="914400" rtl="0" eaLnBrk="1" latinLnBrk="0" hangingPunct="1">
-                <a:defRPr sz="1800" kern="1200">
-                  <a:solidFill>
-                    <a:schemeClr val="tx1"/>
-                  </a:solidFill>
-                  <a:latin typeface="+mn-lt"/>
-                  <a:ea typeface="+mn-ea"/>
-                  <a:cs typeface="+mn-cs"/>
-                </a:defRPr>
-              </a:lvl2pPr>
-              <a:lvl3pPr marL="914400" algn="l" defTabSz="914400" rtl="0" eaLnBrk="1" latinLnBrk="0" hangingPunct="1">
-                <a:defRPr sz="1800" kern="1200">
-                  <a:solidFill>
-                    <a:schemeClr val="tx1"/>
-                  </a:solidFill>
-                  <a:latin typeface="+mn-lt"/>
-                  <a:ea typeface="+mn-ea"/>
-                  <a:cs typeface="+mn-cs"/>
-                </a:defRPr>
-              </a:lvl3pPr>
-              <a:lvl4pPr marL="1371600" algn="l" defTabSz="914400" rtl="0" eaLnBrk="1" latinLnBrk="0" hangingPunct="1">
-                <a:defRPr sz="1800" kern="1200">
-                  <a:solidFill>
-                    <a:schemeClr val="tx1"/>
-                  </a:solidFill>
-                  <a:latin typeface="+mn-lt"/>
-                  <a:ea typeface="+mn-ea"/>
-                  <a:cs typeface="+mn-cs"/>
-                </a:defRPr>
-              </a:lvl4pPr>
-              <a:lvl5pPr marL="1828800" algn="l" defTabSz="914400" rtl="0" eaLnBrk="1" latinLnBrk="0" hangingPunct="1">
-                <a:defRPr sz="1800" kern="1200">
-                  <a:solidFill>
-                    <a:schemeClr val="tx1"/>
-                  </a:solidFill>
-                  <a:latin typeface="+mn-lt"/>
-                  <a:ea typeface="+mn-ea"/>
-                  <a:cs typeface="+mn-cs"/>
-                </a:defRPr>
-              </a:lvl5pPr>
-              <a:lvl6pPr marL="2286000" algn="l" defTabSz="914400" rtl="0" eaLnBrk="1" latinLnBrk="0" hangingPunct="1">
-                <a:defRPr sz="1800" kern="1200">
-                  <a:solidFill>
-                    <a:schemeClr val="tx1"/>
-                  </a:solidFill>
-                  <a:latin typeface="+mn-lt"/>
-                  <a:ea typeface="+mn-ea"/>
-                  <a:cs typeface="+mn-cs"/>
-                </a:defRPr>
-              </a:lvl6pPr>
-              <a:lvl7pPr marL="2743200" algn="l" defTabSz="914400" rtl="0" eaLnBrk="1" latinLnBrk="0" hangingPunct="1">
-                <a:defRPr sz="1800" kern="1200">
-                  <a:solidFill>
-                    <a:schemeClr val="tx1"/>
-                  </a:solidFill>
-                  <a:latin typeface="+mn-lt"/>
-                  <a:ea typeface="+mn-ea"/>
-                  <a:cs typeface="+mn-cs"/>
-                </a:defRPr>
-              </a:lvl7pPr>
-              <a:lvl8pPr marL="3200400" algn="l" defTabSz="914400" rtl="0" eaLnBrk="1" latinLnBrk="0" hangingPunct="1">
-                <a:defRPr sz="1800" kern="1200">
-                  <a:solidFill>
-                    <a:schemeClr val="tx1"/>
-                  </a:solidFill>
-                  <a:latin typeface="+mn-lt"/>
-                  <a:ea typeface="+mn-ea"/>
-                  <a:cs typeface="+mn-cs"/>
-                </a:defRPr>
-              </a:lvl8pPr>
-              <a:lvl9pPr marL="3657600" algn="l" defTabSz="914400" rtl="0" eaLnBrk="1" latinLnBrk="0" hangingPunct="1">
-                <a:defRPr sz="1800" kern="1200">
-                  <a:solidFill>
-                    <a:schemeClr val="tx1"/>
-                  </a:solidFill>
-                  <a:latin typeface="+mn-lt"/>
-                  <a:ea typeface="+mn-ea"/>
-                  <a:cs typeface="+mn-cs"/>
-                </a:defRPr>
-              </a:lvl9pPr>
-            </a:lstStyle>
-            <a:p>
-              <a:pPr algn="ctr">
-                <a:lnSpc>
-                  <a:spcPct val="100000"/>
-                </a:lnSpc>
-              </a:pPr>
-              <a:r>
-                <a:rPr lang="en-US" sz="1200" b="0" strike="noStrike" spc="-1" dirty="0">
-                  <a:solidFill>
-                    <a:srgbClr val="000000"/>
-                  </a:solidFill>
-                  <a:ea typeface="DejaVu Sans"/>
-                </a:rPr>
-                <a:t>Representations</a:t>
-              </a:r>
-              <a:endParaRPr lang="en-US" sz="1200" b="0" strike="noStrike" spc="-1" dirty="0"/>
-            </a:p>
-          </p:txBody>
-        </p:sp>
-        <p:sp>
-          <p:nvSpPr>
-            <p:cNvPr id="7" name="CustomShape 11">
-              <a:extLst>
-                <a:ext uri="{FF2B5EF4-FFF2-40B4-BE49-F238E27FC236}">
-                  <a16:creationId xmlns:a16="http://schemas.microsoft.com/office/drawing/2014/main" id="{8E87E5F8-3B0F-93DE-850A-A345C5FF6798}"/>
-                </a:ext>
-              </a:extLst>
-            </p:cNvPr>
-            <p:cNvSpPr/>
-            <p:nvPr/>
-          </p:nvSpPr>
-          <p:spPr>
-            <a:xfrm>
-              <a:off x="4046469" y="2933214"/>
-              <a:ext cx="1150886" cy="900000"/>
-            </a:xfrm>
-            <a:prstGeom prst="flowChartDocument">
-              <a:avLst/>
-            </a:prstGeom>
-            <a:gradFill rotWithShape="0">
-              <a:gsLst>
-                <a:gs pos="0">
-                  <a:srgbClr val="D0D0D0"/>
-                </a:gs>
-                <a:gs pos="100000">
-                  <a:srgbClr val="EDEDED"/>
-                </a:gs>
-              </a:gsLst>
-              <a:lin ang="16200000"/>
-            </a:gradFill>
-            <a:ln>
-              <a:solidFill>
-                <a:srgbClr val="000000"/>
-              </a:solidFill>
-              <a:round/>
-            </a:ln>
-            <a:effectLst>
-              <a:outerShdw blurRad="40000" dist="20160" dir="5400000" rotWithShape="0">
-                <a:srgbClr val="000000">
-                  <a:alpha val="38000"/>
-                </a:srgbClr>
-              </a:outerShdw>
-            </a:effectLst>
-          </p:spPr>
-          <p:style>
-            <a:lnRef idx="1">
-              <a:schemeClr val="dk1"/>
-            </a:lnRef>
-            <a:fillRef idx="2">
-              <a:schemeClr val="dk1"/>
-            </a:fillRef>
-            <a:effectRef idx="1">
-              <a:schemeClr val="dk1"/>
-            </a:effectRef>
-            <a:fontRef idx="minor"/>
-          </p:style>
-          <p:txBody>
-            <a:bodyPr lIns="0" tIns="0" rIns="0" bIns="0" anchor="ctr">
-              <a:noAutofit/>
-            </a:bodyPr>
-            <a:lstStyle>
-              <a:defPPr>
-                <a:defRPr lang="en-US"/>
-              </a:defPPr>
-              <a:lvl1pPr marL="0" algn="l" defTabSz="914400" rtl="0" eaLnBrk="1" latinLnBrk="0" hangingPunct="1">
-                <a:defRPr sz="1800" kern="1200">
-                  <a:solidFill>
-                    <a:schemeClr val="tx1"/>
-                  </a:solidFill>
-                  <a:latin typeface="+mn-lt"/>
-                  <a:ea typeface="+mn-ea"/>
-                  <a:cs typeface="+mn-cs"/>
-                </a:defRPr>
-              </a:lvl1pPr>
-              <a:lvl2pPr marL="457200" algn="l" defTabSz="914400" rtl="0" eaLnBrk="1" latinLnBrk="0" hangingPunct="1">
-                <a:defRPr sz="1800" kern="1200">
-                  <a:solidFill>
-                    <a:schemeClr val="tx1"/>
-                  </a:solidFill>
-                  <a:latin typeface="+mn-lt"/>
-                  <a:ea typeface="+mn-ea"/>
-                  <a:cs typeface="+mn-cs"/>
-                </a:defRPr>
-              </a:lvl2pPr>
-              <a:lvl3pPr marL="914400" algn="l" defTabSz="914400" rtl="0" eaLnBrk="1" latinLnBrk="0" hangingPunct="1">
-                <a:defRPr sz="1800" kern="1200">
-                  <a:solidFill>
-                    <a:schemeClr val="tx1"/>
-                  </a:solidFill>
-                  <a:latin typeface="+mn-lt"/>
-                  <a:ea typeface="+mn-ea"/>
-                  <a:cs typeface="+mn-cs"/>
-                </a:defRPr>
-              </a:lvl3pPr>
-              <a:lvl4pPr marL="1371600" algn="l" defTabSz="914400" rtl="0" eaLnBrk="1" latinLnBrk="0" hangingPunct="1">
-                <a:defRPr sz="1800" kern="1200">
-                  <a:solidFill>
-                    <a:schemeClr val="tx1"/>
-                  </a:solidFill>
-                  <a:latin typeface="+mn-lt"/>
-                  <a:ea typeface="+mn-ea"/>
-                  <a:cs typeface="+mn-cs"/>
-                </a:defRPr>
-              </a:lvl4pPr>
-              <a:lvl5pPr marL="1828800" algn="l" defTabSz="914400" rtl="0" eaLnBrk="1" latinLnBrk="0" hangingPunct="1">
-                <a:defRPr sz="1800" kern="1200">
-                  <a:solidFill>
-                    <a:schemeClr val="tx1"/>
-                  </a:solidFill>
-                  <a:latin typeface="+mn-lt"/>
-                  <a:ea typeface="+mn-ea"/>
-                  <a:cs typeface="+mn-cs"/>
-                </a:defRPr>
-              </a:lvl5pPr>
-              <a:lvl6pPr marL="2286000" algn="l" defTabSz="914400" rtl="0" eaLnBrk="1" latinLnBrk="0" hangingPunct="1">
-                <a:defRPr sz="1800" kern="1200">
-                  <a:solidFill>
-                    <a:schemeClr val="tx1"/>
-                  </a:solidFill>
-                  <a:latin typeface="+mn-lt"/>
-                  <a:ea typeface="+mn-ea"/>
-                  <a:cs typeface="+mn-cs"/>
-                </a:defRPr>
-              </a:lvl6pPr>
-              <a:lvl7pPr marL="2743200" algn="l" defTabSz="914400" rtl="0" eaLnBrk="1" latinLnBrk="0" hangingPunct="1">
-                <a:defRPr sz="1800" kern="1200">
-                  <a:solidFill>
-                    <a:schemeClr val="tx1"/>
-                  </a:solidFill>
-                  <a:latin typeface="+mn-lt"/>
-                  <a:ea typeface="+mn-ea"/>
-                  <a:cs typeface="+mn-cs"/>
-                </a:defRPr>
-              </a:lvl7pPr>
-              <a:lvl8pPr marL="3200400" algn="l" defTabSz="914400" rtl="0" eaLnBrk="1" latinLnBrk="0" hangingPunct="1">
-                <a:defRPr sz="1800" kern="1200">
-                  <a:solidFill>
-                    <a:schemeClr val="tx1"/>
-                  </a:solidFill>
-                  <a:latin typeface="+mn-lt"/>
-                  <a:ea typeface="+mn-ea"/>
-                  <a:cs typeface="+mn-cs"/>
-                </a:defRPr>
-              </a:lvl8pPr>
-              <a:lvl9pPr marL="3657600" algn="l" defTabSz="914400" rtl="0" eaLnBrk="1" latinLnBrk="0" hangingPunct="1">
-                <a:defRPr sz="1800" kern="1200">
-                  <a:solidFill>
-                    <a:schemeClr val="tx1"/>
-                  </a:solidFill>
-                  <a:latin typeface="+mn-lt"/>
-                  <a:ea typeface="+mn-ea"/>
-                  <a:cs typeface="+mn-cs"/>
-                </a:defRPr>
-              </a:lvl9pPr>
-            </a:lstStyle>
-            <a:p>
-              <a:pPr algn="ctr">
-                <a:lnSpc>
-                  <a:spcPct val="100000"/>
-                </a:lnSpc>
-              </a:pPr>
-              <a:r>
-                <a:rPr lang="en-US" sz="1200" b="0" strike="noStrike" spc="-1" dirty="0">
-                  <a:solidFill>
-                    <a:srgbClr val="000000"/>
-                  </a:solidFill>
-                  <a:ea typeface="DejaVu Sans"/>
-                </a:rPr>
-                <a:t>TOSCA</a:t>
-              </a:r>
-            </a:p>
-            <a:p>
-              <a:pPr algn="ctr">
-                <a:lnSpc>
-                  <a:spcPct val="100000"/>
-                </a:lnSpc>
-              </a:pPr>
-              <a:r>
-                <a:rPr lang="en-US" sz="1200" b="0" strike="noStrike" spc="-1" dirty="0">
-                  <a:solidFill>
-                    <a:srgbClr val="000000"/>
-                  </a:solidFill>
-                  <a:ea typeface="DejaVu Sans"/>
-                </a:rPr>
-                <a:t>Templates</a:t>
-              </a:r>
-              <a:endParaRPr lang="en-US" sz="1200" b="0" strike="noStrike" spc="-1" dirty="0"/>
-            </a:p>
-          </p:txBody>
-        </p:sp>
-        <p:sp>
-          <p:nvSpPr>
-            <p:cNvPr id="32" name="Line 15">
-              <a:extLst>
-                <a:ext uri="{FF2B5EF4-FFF2-40B4-BE49-F238E27FC236}">
-                  <a16:creationId xmlns:a16="http://schemas.microsoft.com/office/drawing/2014/main" id="{B65CCC74-0AA7-3761-6199-AD188B92E2CE}"/>
-                </a:ext>
-              </a:extLst>
-            </p:cNvPr>
-            <p:cNvSpPr/>
-            <p:nvPr/>
-          </p:nvSpPr>
-          <p:spPr>
-            <a:xfrm flipH="1" flipV="1">
-              <a:off x="5188561" y="3380457"/>
-              <a:ext cx="1269176" cy="5515"/>
-            </a:xfrm>
-            <a:prstGeom prst="line">
-              <a:avLst/>
-            </a:prstGeom>
-            <a:ln w="28575">
-              <a:solidFill>
-                <a:schemeClr val="tx1"/>
-              </a:solidFill>
-              <a:round/>
-              <a:headEnd type="triangle" w="med" len="med"/>
-              <a:tailEnd type="none" w="med" len="med"/>
-            </a:ln>
-          </p:spPr>
-          <p:style>
-            <a:lnRef idx="1">
-              <a:schemeClr val="dk1"/>
-            </a:lnRef>
-            <a:fillRef idx="0">
-              <a:schemeClr val="dk1"/>
-            </a:fillRef>
-            <a:effectRef idx="0">
-              <a:schemeClr val="dk1"/>
-            </a:effectRef>
-            <a:fontRef idx="minor"/>
-          </p:style>
-          <p:txBody>
-            <a:bodyPr/>
-            <a:lstStyle/>
-            <a:p>
-              <a:endParaRPr lang="en-US" sz="1200" dirty="0"/>
-            </a:p>
-          </p:txBody>
-        </p:sp>
-        <p:sp>
-          <p:nvSpPr>
-            <p:cNvPr id="17" name="CustomShape 1">
-              <a:extLst>
-                <a:ext uri="{FF2B5EF4-FFF2-40B4-BE49-F238E27FC236}">
-                  <a16:creationId xmlns:a16="http://schemas.microsoft.com/office/drawing/2014/main" id="{CED8B2F9-986B-BB84-0822-B4BC00B489A2}"/>
-                </a:ext>
-              </a:extLst>
-            </p:cNvPr>
-            <p:cNvSpPr/>
-            <p:nvPr/>
-          </p:nvSpPr>
-          <p:spPr>
-            <a:xfrm>
-              <a:off x="5396595" y="2558814"/>
-              <a:ext cx="853109" cy="1648800"/>
+              <a:off x="7652145" y="2207235"/>
+              <a:ext cx="853109" cy="1274400"/>
             </a:xfrm>
             <a:prstGeom prst="rect">
               <a:avLst/>
@@ -4562,8 +3869,106 @@
                     <a:srgbClr val="000000"/>
                   </a:solidFill>
                 </a:rPr>
-                <a:t>Resolver</a:t>
+                <a:t>Orchestrator</a:t>
               </a:r>
+            </a:p>
+          </p:txBody>
+        </p:sp>
+        <p:sp>
+          <p:nvSpPr>
+            <p:cNvPr id="9" name="Line 15">
+              <a:extLst>
+                <a:ext uri="{FF2B5EF4-FFF2-40B4-BE49-F238E27FC236}">
+                  <a16:creationId xmlns:a16="http://schemas.microsoft.com/office/drawing/2014/main" id="{987D7DF3-FA66-4EC3-3E87-EC2A63CDC71C}"/>
+                </a:ext>
+              </a:extLst>
+            </p:cNvPr>
+            <p:cNvSpPr/>
+            <p:nvPr/>
+          </p:nvSpPr>
+          <p:spPr>
+            <a:xfrm flipH="1" flipV="1">
+              <a:off x="7375270" y="2844435"/>
+              <a:ext cx="276875" cy="0"/>
+            </a:xfrm>
+            <a:prstGeom prst="line">
+              <a:avLst/>
+            </a:prstGeom>
+            <a:ln w="28575">
+              <a:solidFill>
+                <a:schemeClr val="tx1"/>
+              </a:solidFill>
+              <a:round/>
+              <a:headEnd type="triangle" w="med" len="med"/>
+              <a:tailEnd type="triangle" w="med" len="med"/>
+            </a:ln>
+          </p:spPr>
+          <p:style>
+            <a:lnRef idx="1">
+              <a:schemeClr val="dk1"/>
+            </a:lnRef>
+            <a:fillRef idx="0">
+              <a:schemeClr val="dk1"/>
+            </a:fillRef>
+            <a:effectRef idx="0">
+              <a:schemeClr val="dk1"/>
+            </a:effectRef>
+            <a:fontRef idx="minor"/>
+          </p:style>
+          <p:txBody>
+            <a:bodyPr/>
+            <a:lstStyle/>
+            <a:p>
+              <a:endParaRPr lang="en-US" sz="1200" dirty="0"/>
+            </a:p>
+          </p:txBody>
+        </p:sp>
+        <p:sp>
+          <p:nvSpPr>
+            <p:cNvPr id="12" name="Line 15">
+              <a:extLst>
+                <a:ext uri="{FF2B5EF4-FFF2-40B4-BE49-F238E27FC236}">
+                  <a16:creationId xmlns:a16="http://schemas.microsoft.com/office/drawing/2014/main" id="{BE811C2C-0578-BD94-32BC-74FBAA4C3932}"/>
+                </a:ext>
+              </a:extLst>
+            </p:cNvPr>
+            <p:cNvSpPr/>
+            <p:nvPr/>
+          </p:nvSpPr>
+          <p:spPr>
+            <a:xfrm flipH="1" flipV="1">
+              <a:off x="8505254" y="2844435"/>
+              <a:ext cx="276875" cy="0"/>
+            </a:xfrm>
+            <a:prstGeom prst="line">
+              <a:avLst/>
+            </a:prstGeom>
+            <a:ln w="28575">
+              <a:solidFill>
+                <a:schemeClr val="tx1"/>
+              </a:solidFill>
+              <a:round/>
+              <a:headEnd type="triangle" w="med" len="med"/>
+              <a:tailEnd type="triangle" w="med" len="med"/>
+            </a:ln>
+          </p:spPr>
+          <p:style>
+            <a:lnRef idx="1">
+              <a:schemeClr val="dk1"/>
+            </a:lnRef>
+            <a:fillRef idx="0">
+              <a:schemeClr val="dk1"/>
+            </a:fillRef>
+            <a:effectRef idx="0">
+              <a:schemeClr val="dk1"/>
+            </a:effectRef>
+            <a:fontRef idx="minor"/>
+          </p:style>
+          <p:txBody>
+            <a:bodyPr/>
+            <a:lstStyle/>
+            <a:p>
+              <a:endParaRPr lang="en-US" sz="1200" dirty="0"/>
             </a:p>
           </p:txBody>
         </p:sp>
@@ -4571,7 +3976,7 @@
     </p:spTree>
     <p:extLst>
       <p:ext uri="{BB962C8B-B14F-4D97-AF65-F5344CB8AC3E}">
-        <p14:creationId xmlns:p14="http://schemas.microsoft.com/office/powerpoint/2010/main" val="1583921242"/>
+        <p14:creationId xmlns:p14="http://schemas.microsoft.com/office/powerpoint/2010/main" val="37195493"/>
       </p:ext>
     </p:extLst>
   </p:cSld>
@@ -4581,7 +3986,7 @@
 </p:sld>
 </file>
 
-<file path=ppt/slides/slide3.xml><?xml version="1.0" encoding="utf-8"?>
+<file path=ppt/slides/slide2.xml><?xml version="1.0" encoding="utf-8"?>
 <p:sld xmlns:a="http://schemas.openxmlformats.org/drawingml/2006/main" xmlns:r="http://schemas.openxmlformats.org/officeDocument/2006/relationships" xmlns:p="http://schemas.openxmlformats.org/presentationml/2006/main">
   <p:cSld>
     <p:spTree>
@@ -4600,10 +4005,10 @@
       </p:grpSpPr>
       <p:grpSp>
         <p:nvGrpSpPr>
-          <p:cNvPr id="4" name="Group 3">
+          <p:cNvPr id="14" name="Group 13">
             <a:extLst>
               <a:ext uri="{FF2B5EF4-FFF2-40B4-BE49-F238E27FC236}">
-                <a16:creationId xmlns:a16="http://schemas.microsoft.com/office/drawing/2014/main" id="{FA080CA1-3AC9-0B12-C9FA-99CBA819E1EE}"/>
+                <a16:creationId xmlns:a16="http://schemas.microsoft.com/office/drawing/2014/main" id="{792A1601-47B9-0259-791A-9E2B756F061E}"/>
               </a:ext>
             </a:extLst>
           </p:cNvPr>
@@ -4612,18 +4017,18 @@
         </p:nvGrpSpPr>
         <p:grpSpPr>
           <a:xfrm>
-            <a:off x="4319320" y="2604600"/>
-            <a:ext cx="3553360" cy="1648800"/>
-            <a:chOff x="1643995" y="2558814"/>
-            <a:chExt cx="3553360" cy="1648800"/>
+            <a:off x="4241684" y="2791800"/>
+            <a:ext cx="3708633" cy="1274400"/>
+            <a:chOff x="3666636" y="2207235"/>
+            <a:chExt cx="3708633" cy="1274400"/>
           </a:xfrm>
         </p:grpSpPr>
         <p:sp>
           <p:nvSpPr>
-            <p:cNvPr id="7" name="CustomShape 11">
+            <p:cNvPr id="10" name="CustomShape 11">
               <a:extLst>
                 <a:ext uri="{FF2B5EF4-FFF2-40B4-BE49-F238E27FC236}">
-                  <a16:creationId xmlns:a16="http://schemas.microsoft.com/office/drawing/2014/main" id="{8E87E5F8-3B0F-93DE-850A-A345C5FF6798}"/>
+                  <a16:creationId xmlns:a16="http://schemas.microsoft.com/office/drawing/2014/main" id="{DD26562F-EFEA-4CF0-88EC-A28513A0933F}"/>
                 </a:ext>
               </a:extLst>
             </p:cNvPr>
@@ -4632,7 +4037,7 @@
           </p:nvSpPr>
           <p:spPr>
             <a:xfrm>
-              <a:off x="4046469" y="2933214"/>
+              <a:off x="6224383" y="2394435"/>
               <a:ext cx="1150886" cy="900000"/>
             </a:xfrm>
             <a:prstGeom prst="flowChartDocument">
@@ -4787,23 +4192,7 @@
                   </a:solidFill>
                   <a:ea typeface="DejaVu Sans"/>
                 </a:rPr>
-                <a:t>TOSCA</a:t>
-              </a:r>
-            </a:p>
-            <a:p>
-              <a:pPr algn="ctr">
-                <a:lnSpc>
-                  <a:spcPct val="100000"/>
-                </a:lnSpc>
-              </a:pPr>
-              <a:r>
-                <a:rPr lang="en-US" sz="1200" b="0" strike="noStrike" spc="-1" dirty="0">
-                  <a:solidFill>
-                    <a:srgbClr val="000000"/>
-                  </a:solidFill>
-                  <a:ea typeface="DejaVu Sans"/>
-                </a:rPr>
-                <a:t>Templates</a:t>
+                <a:t>Representations</a:t>
               </a:r>
               <a:endParaRPr lang="en-US" sz="1200" b="0" strike="noStrike" spc="-1" dirty="0"/>
             </a:p>
@@ -4811,10 +4200,10 @@
         </p:sp>
         <p:sp>
           <p:nvSpPr>
-            <p:cNvPr id="11" name="CustomShape 11">
+            <p:cNvPr id="7" name="CustomShape 11">
               <a:extLst>
                 <a:ext uri="{FF2B5EF4-FFF2-40B4-BE49-F238E27FC236}">
-                  <a16:creationId xmlns:a16="http://schemas.microsoft.com/office/drawing/2014/main" id="{7EE4D578-672D-851A-AA83-8AD3B4CC418F}"/>
+                  <a16:creationId xmlns:a16="http://schemas.microsoft.com/office/drawing/2014/main" id="{8E87E5F8-3B0F-93DE-850A-A345C5FF6798}"/>
                 </a:ext>
               </a:extLst>
             </p:cNvPr>
@@ -4823,7 +4212,7 @@
           </p:nvSpPr>
           <p:spPr>
             <a:xfrm>
-              <a:off x="1643995" y="2933214"/>
+              <a:off x="3666636" y="2394435"/>
               <a:ext cx="1150886" cy="900000"/>
             </a:xfrm>
             <a:prstGeom prst="flowChartDocument">
@@ -4972,12 +4361,29 @@
                 </a:lnSpc>
               </a:pPr>
               <a:r>
-                <a:rPr lang="en-US" sz="1200" spc="-1" dirty="0">
+                <a:rPr lang="en-US" sz="1200" b="0" strike="noStrike" spc="-1" dirty="0">
                   <a:solidFill>
                     <a:srgbClr val="000000"/>
                   </a:solidFill>
+                  <a:ea typeface="DejaVu Sans"/>
                 </a:rPr>
-                <a:t>TOSCA Types</a:t>
+                <a:t>TOSCA</a:t>
+              </a:r>
+            </a:p>
+            <a:p>
+              <a:pPr algn="ctr">
+                <a:lnSpc>
+                  <a:spcPct val="100000"/>
+                </a:lnSpc>
+              </a:pPr>
+              <a:r>
+                <a:rPr lang="en-US" sz="1200" b="0" strike="noStrike" spc="-1" dirty="0">
+                  <a:solidFill>
+                    <a:srgbClr val="000000"/>
+                  </a:solidFill>
+                  <a:ea typeface="DejaVu Sans"/>
+                </a:rPr>
+                <a:t>Templates</a:t>
               </a:r>
               <a:endParaRPr lang="en-US" sz="1200" b="0" strike="noStrike" spc="-1" dirty="0"/>
             </a:p>
@@ -4985,59 +4391,10 @@
         </p:sp>
         <p:sp>
           <p:nvSpPr>
-            <p:cNvPr id="15" name="Line 15">
+            <p:cNvPr id="17" name="CustomShape 1">
               <a:extLst>
                 <a:ext uri="{FF2B5EF4-FFF2-40B4-BE49-F238E27FC236}">
-                  <a16:creationId xmlns:a16="http://schemas.microsoft.com/office/drawing/2014/main" id="{FA91B83D-BED9-E84A-7776-CFD80B42845E}"/>
-                </a:ext>
-              </a:extLst>
-            </p:cNvPr>
-            <p:cNvSpPr/>
-            <p:nvPr/>
-          </p:nvSpPr>
-          <p:spPr>
-            <a:xfrm flipH="1" flipV="1">
-              <a:off x="2786087" y="3380457"/>
-              <a:ext cx="1269176" cy="5515"/>
-            </a:xfrm>
-            <a:prstGeom prst="line">
-              <a:avLst/>
-            </a:prstGeom>
-            <a:ln w="28575">
-              <a:solidFill>
-                <a:schemeClr val="tx1"/>
-              </a:solidFill>
-              <a:round/>
-              <a:headEnd type="triangle" w="med" len="med"/>
-              <a:tailEnd type="none" w="med" len="med"/>
-            </a:ln>
-          </p:spPr>
-          <p:style>
-            <a:lnRef idx="1">
-              <a:schemeClr val="dk1"/>
-            </a:lnRef>
-            <a:fillRef idx="0">
-              <a:schemeClr val="dk1"/>
-            </a:fillRef>
-            <a:effectRef idx="0">
-              <a:schemeClr val="dk1"/>
-            </a:effectRef>
-            <a:fontRef idx="minor"/>
-          </p:style>
-          <p:txBody>
-            <a:bodyPr/>
-            <a:lstStyle/>
-            <a:p>
-              <a:endParaRPr lang="en-US" sz="1200" dirty="0"/>
-            </a:p>
-          </p:txBody>
-        </p:sp>
-        <p:sp>
-          <p:nvSpPr>
-            <p:cNvPr id="26" name="CustomShape 1">
-              <a:extLst>
-                <a:ext uri="{FF2B5EF4-FFF2-40B4-BE49-F238E27FC236}">
-                  <a16:creationId xmlns:a16="http://schemas.microsoft.com/office/drawing/2014/main" id="{C5D1BDEB-0109-B916-2AB8-2F09D5F85127}"/>
+                  <a16:creationId xmlns:a16="http://schemas.microsoft.com/office/drawing/2014/main" id="{CED8B2F9-986B-BB84-0822-B4BC00B489A2}"/>
                 </a:ext>
               </a:extLst>
             </p:cNvPr>
@@ -5046,8 +4403,8 @@
           </p:nvSpPr>
           <p:spPr>
             <a:xfrm>
-              <a:off x="2994121" y="2558814"/>
-              <a:ext cx="853109" cy="1648800"/>
+              <a:off x="5094398" y="2207235"/>
+              <a:ext cx="853109" cy="1274400"/>
             </a:xfrm>
             <a:prstGeom prst="rect">
               <a:avLst/>
@@ -5184,8 +4541,106 @@
                     <a:srgbClr val="000000"/>
                   </a:solidFill>
                 </a:rPr>
-                <a:t>Parser / Validator</a:t>
+                <a:t>Resolver</a:t>
               </a:r>
+            </a:p>
+          </p:txBody>
+        </p:sp>
+        <p:sp>
+          <p:nvSpPr>
+            <p:cNvPr id="6" name="Line 15">
+              <a:extLst>
+                <a:ext uri="{FF2B5EF4-FFF2-40B4-BE49-F238E27FC236}">
+                  <a16:creationId xmlns:a16="http://schemas.microsoft.com/office/drawing/2014/main" id="{DFF7597E-4A5C-2D07-BB1F-446292419C3B}"/>
+                </a:ext>
+              </a:extLst>
+            </p:cNvPr>
+            <p:cNvSpPr/>
+            <p:nvPr/>
+          </p:nvSpPr>
+          <p:spPr>
+            <a:xfrm flipH="1" flipV="1">
+              <a:off x="4817523" y="2844435"/>
+              <a:ext cx="276875" cy="0"/>
+            </a:xfrm>
+            <a:prstGeom prst="line">
+              <a:avLst/>
+            </a:prstGeom>
+            <a:ln w="28575">
+              <a:solidFill>
+                <a:schemeClr val="tx1"/>
+              </a:solidFill>
+              <a:round/>
+              <a:headEnd type="triangle" w="med" len="med"/>
+              <a:tailEnd type="triangle" w="med" len="med"/>
+            </a:ln>
+          </p:spPr>
+          <p:style>
+            <a:lnRef idx="1">
+              <a:schemeClr val="dk1"/>
+            </a:lnRef>
+            <a:fillRef idx="0">
+              <a:schemeClr val="dk1"/>
+            </a:fillRef>
+            <a:effectRef idx="0">
+              <a:schemeClr val="dk1"/>
+            </a:effectRef>
+            <a:fontRef idx="minor"/>
+          </p:style>
+          <p:txBody>
+            <a:bodyPr/>
+            <a:lstStyle/>
+            <a:p>
+              <a:endParaRPr lang="en-US" sz="1200" dirty="0"/>
+            </a:p>
+          </p:txBody>
+        </p:sp>
+        <p:sp>
+          <p:nvSpPr>
+            <p:cNvPr id="8" name="Line 15">
+              <a:extLst>
+                <a:ext uri="{FF2B5EF4-FFF2-40B4-BE49-F238E27FC236}">
+                  <a16:creationId xmlns:a16="http://schemas.microsoft.com/office/drawing/2014/main" id="{8D3C4809-48CE-FF49-9EDD-77EC63BF7C88}"/>
+                </a:ext>
+              </a:extLst>
+            </p:cNvPr>
+            <p:cNvSpPr/>
+            <p:nvPr/>
+          </p:nvSpPr>
+          <p:spPr>
+            <a:xfrm flipH="1" flipV="1">
+              <a:off x="5947507" y="2844435"/>
+              <a:ext cx="276875" cy="0"/>
+            </a:xfrm>
+            <a:prstGeom prst="line">
+              <a:avLst/>
+            </a:prstGeom>
+            <a:ln w="28575">
+              <a:solidFill>
+                <a:schemeClr val="tx1"/>
+              </a:solidFill>
+              <a:round/>
+              <a:headEnd type="triangle" w="med" len="med"/>
+              <a:tailEnd type="triangle" w="med" len="med"/>
+            </a:ln>
+          </p:spPr>
+          <p:style>
+            <a:lnRef idx="1">
+              <a:schemeClr val="dk1"/>
+            </a:lnRef>
+            <a:fillRef idx="0">
+              <a:schemeClr val="dk1"/>
+            </a:fillRef>
+            <a:effectRef idx="0">
+              <a:schemeClr val="dk1"/>
+            </a:effectRef>
+            <a:fontRef idx="minor"/>
+          </p:style>
+          <p:txBody>
+            <a:bodyPr/>
+            <a:lstStyle/>
+            <a:p>
+              <a:endParaRPr lang="en-US" sz="1200" dirty="0"/>
             </a:p>
           </p:txBody>
         </p:sp>
@@ -5193,7 +4648,7 @@
     </p:spTree>
     <p:extLst>
       <p:ext uri="{BB962C8B-B14F-4D97-AF65-F5344CB8AC3E}">
-        <p14:creationId xmlns:p14="http://schemas.microsoft.com/office/powerpoint/2010/main" val="852461360"/>
+        <p14:creationId xmlns:p14="http://schemas.microsoft.com/office/powerpoint/2010/main" val="1849095377"/>
       </p:ext>
     </p:extLst>
   </p:cSld>
@@ -5203,7 +4658,7 @@
 </p:sld>
 </file>
 
-<file path=ppt/slides/slide4.xml><?xml version="1.0" encoding="utf-8"?>
+<file path=ppt/slides/slide3.xml><?xml version="1.0" encoding="utf-8"?>
 <p:sld xmlns:a="http://schemas.openxmlformats.org/drawingml/2006/main" xmlns:r="http://schemas.openxmlformats.org/officeDocument/2006/relationships" xmlns:p="http://schemas.openxmlformats.org/presentationml/2006/main">
   <p:cSld>
     <p:spTree>
@@ -5222,10 +4677,10 @@
       </p:grpSpPr>
       <p:grpSp>
         <p:nvGrpSpPr>
-          <p:cNvPr id="4" name="Group 3">
+          <p:cNvPr id="2" name="Group 1">
             <a:extLst>
               <a:ext uri="{FF2B5EF4-FFF2-40B4-BE49-F238E27FC236}">
-                <a16:creationId xmlns:a16="http://schemas.microsoft.com/office/drawing/2014/main" id="{05107CC1-3326-8235-7861-43C4C07BF48A}"/>
+                <a16:creationId xmlns:a16="http://schemas.microsoft.com/office/drawing/2014/main" id="{0CB1E568-23ED-7565-9AD2-A11CFBDF37F0}"/>
               </a:ext>
             </a:extLst>
           </p:cNvPr>
@@ -5234,18 +4689,18 @@
         </p:nvGrpSpPr>
         <p:grpSpPr>
           <a:xfrm>
-            <a:off x="2836049" y="2362272"/>
-            <a:ext cx="6519902" cy="2133457"/>
-            <a:chOff x="1079927" y="2316486"/>
-            <a:chExt cx="6519902" cy="2133457"/>
+            <a:off x="4955565" y="2203761"/>
+            <a:ext cx="2280871" cy="2450478"/>
+            <a:chOff x="3815524" y="2207235"/>
+            <a:chExt cx="2280871" cy="2450478"/>
           </a:xfrm>
         </p:grpSpPr>
         <p:sp>
           <p:nvSpPr>
-            <p:cNvPr id="3" name="CustomShape 4">
+            <p:cNvPr id="7" name="CustomShape 11">
               <a:extLst>
                 <a:ext uri="{FF2B5EF4-FFF2-40B4-BE49-F238E27FC236}">
-                  <a16:creationId xmlns:a16="http://schemas.microsoft.com/office/drawing/2014/main" id="{96BB9AF7-83D1-40F6-814A-71671D1091C2}"/>
+                  <a16:creationId xmlns:a16="http://schemas.microsoft.com/office/drawing/2014/main" id="{8E87E5F8-3B0F-93DE-850A-A345C5FF6798}"/>
                 </a:ext>
               </a:extLst>
             </p:cNvPr>
@@ -5254,168 +4709,7 @@
           </p:nvSpPr>
           <p:spPr>
             <a:xfrm>
-              <a:off x="1079927" y="2316486"/>
-              <a:ext cx="5909958" cy="2133457"/>
-            </a:xfrm>
-            <a:prstGeom prst="rect">
-              <a:avLst/>
-            </a:prstGeom>
-            <a:noFill/>
-            <a:ln>
-              <a:solidFill>
-                <a:schemeClr val="tx1"/>
-              </a:solidFill>
-              <a:prstDash val="sysDash"/>
-              <a:round/>
-            </a:ln>
-          </p:spPr>
-          <p:style>
-            <a:lnRef idx="2">
-              <a:schemeClr val="accent1">
-                <a:shade val="50000"/>
-              </a:schemeClr>
-            </a:lnRef>
-            <a:fillRef idx="1">
-              <a:schemeClr val="accent1"/>
-            </a:fillRef>
-            <a:effectRef idx="0">
-              <a:schemeClr val="accent1"/>
-            </a:effectRef>
-            <a:fontRef idx="minor"/>
-          </p:style>
-          <p:txBody>
-            <a:bodyPr lIns="90000" tIns="45000" rIns="90000" bIns="45000">
-              <a:noAutofit/>
-            </a:bodyPr>
-            <a:lstStyle>
-              <a:defPPr>
-                <a:defRPr lang="en-US"/>
-              </a:defPPr>
-              <a:lvl1pPr marL="0" algn="l" defTabSz="914400" rtl="0" eaLnBrk="1" latinLnBrk="0" hangingPunct="1">
-                <a:defRPr sz="1800" kern="1200">
-                  <a:solidFill>
-                    <a:schemeClr val="tx1"/>
-                  </a:solidFill>
-                  <a:latin typeface="+mn-lt"/>
-                  <a:ea typeface="+mn-ea"/>
-                  <a:cs typeface="+mn-cs"/>
-                </a:defRPr>
-              </a:lvl1pPr>
-              <a:lvl2pPr marL="457200" algn="l" defTabSz="914400" rtl="0" eaLnBrk="1" latinLnBrk="0" hangingPunct="1">
-                <a:defRPr sz="1800" kern="1200">
-                  <a:solidFill>
-                    <a:schemeClr val="tx1"/>
-                  </a:solidFill>
-                  <a:latin typeface="+mn-lt"/>
-                  <a:ea typeface="+mn-ea"/>
-                  <a:cs typeface="+mn-cs"/>
-                </a:defRPr>
-              </a:lvl2pPr>
-              <a:lvl3pPr marL="914400" algn="l" defTabSz="914400" rtl="0" eaLnBrk="1" latinLnBrk="0" hangingPunct="1">
-                <a:defRPr sz="1800" kern="1200">
-                  <a:solidFill>
-                    <a:schemeClr val="tx1"/>
-                  </a:solidFill>
-                  <a:latin typeface="+mn-lt"/>
-                  <a:ea typeface="+mn-ea"/>
-                  <a:cs typeface="+mn-cs"/>
-                </a:defRPr>
-              </a:lvl3pPr>
-              <a:lvl4pPr marL="1371600" algn="l" defTabSz="914400" rtl="0" eaLnBrk="1" latinLnBrk="0" hangingPunct="1">
-                <a:defRPr sz="1800" kern="1200">
-                  <a:solidFill>
-                    <a:schemeClr val="tx1"/>
-                  </a:solidFill>
-                  <a:latin typeface="+mn-lt"/>
-                  <a:ea typeface="+mn-ea"/>
-                  <a:cs typeface="+mn-cs"/>
-                </a:defRPr>
-              </a:lvl4pPr>
-              <a:lvl5pPr marL="1828800" algn="l" defTabSz="914400" rtl="0" eaLnBrk="1" latinLnBrk="0" hangingPunct="1">
-                <a:defRPr sz="1800" kern="1200">
-                  <a:solidFill>
-                    <a:schemeClr val="tx1"/>
-                  </a:solidFill>
-                  <a:latin typeface="+mn-lt"/>
-                  <a:ea typeface="+mn-ea"/>
-                  <a:cs typeface="+mn-cs"/>
-                </a:defRPr>
-              </a:lvl5pPr>
-              <a:lvl6pPr marL="2286000" algn="l" defTabSz="914400" rtl="0" eaLnBrk="1" latinLnBrk="0" hangingPunct="1">
-                <a:defRPr sz="1800" kern="1200">
-                  <a:solidFill>
-                    <a:schemeClr val="tx1"/>
-                  </a:solidFill>
-                  <a:latin typeface="+mn-lt"/>
-                  <a:ea typeface="+mn-ea"/>
-                  <a:cs typeface="+mn-cs"/>
-                </a:defRPr>
-              </a:lvl6pPr>
-              <a:lvl7pPr marL="2743200" algn="l" defTabSz="914400" rtl="0" eaLnBrk="1" latinLnBrk="0" hangingPunct="1">
-                <a:defRPr sz="1800" kern="1200">
-                  <a:solidFill>
-                    <a:schemeClr val="tx1"/>
-                  </a:solidFill>
-                  <a:latin typeface="+mn-lt"/>
-                  <a:ea typeface="+mn-ea"/>
-                  <a:cs typeface="+mn-cs"/>
-                </a:defRPr>
-              </a:lvl7pPr>
-              <a:lvl8pPr marL="3200400" algn="l" defTabSz="914400" rtl="0" eaLnBrk="1" latinLnBrk="0" hangingPunct="1">
-                <a:defRPr sz="1800" kern="1200">
-                  <a:solidFill>
-                    <a:schemeClr val="tx1"/>
-                  </a:solidFill>
-                  <a:latin typeface="+mn-lt"/>
-                  <a:ea typeface="+mn-ea"/>
-                  <a:cs typeface="+mn-cs"/>
-                </a:defRPr>
-              </a:lvl8pPr>
-              <a:lvl9pPr marL="3657600" algn="l" defTabSz="914400" rtl="0" eaLnBrk="1" latinLnBrk="0" hangingPunct="1">
-                <a:defRPr sz="1800" kern="1200">
-                  <a:solidFill>
-                    <a:schemeClr val="tx1"/>
-                  </a:solidFill>
-                  <a:latin typeface="+mn-lt"/>
-                  <a:ea typeface="+mn-ea"/>
-                  <a:cs typeface="+mn-cs"/>
-                </a:defRPr>
-              </a:lvl9pPr>
-            </a:lstStyle>
-            <a:p>
-              <a:pPr>
-                <a:lnSpc>
-                  <a:spcPct val="100000"/>
-                </a:lnSpc>
-              </a:pPr>
-              <a:r>
-                <a:rPr lang="en-US" sz="1400" b="0" strike="noStrike" spc="-1" dirty="0">
-                  <a:solidFill>
-                    <a:srgbClr val="000000"/>
-                  </a:solidFill>
-                  <a:ea typeface="DejaVu Sans"/>
-                </a:rPr>
-                <a:t>TOSCA Processor</a:t>
-              </a:r>
-              <a:endParaRPr lang="en-US" sz="1400" b="0" strike="noStrike" spc="-1" dirty="0"/>
-            </a:p>
-          </p:txBody>
-        </p:sp>
-        <p:sp>
-          <p:nvSpPr>
-            <p:cNvPr id="10" name="CustomShape 11">
-              <a:extLst>
-                <a:ext uri="{FF2B5EF4-FFF2-40B4-BE49-F238E27FC236}">
-                  <a16:creationId xmlns:a16="http://schemas.microsoft.com/office/drawing/2014/main" id="{DD26562F-EFEA-4CF0-88EC-A28513A0933F}"/>
-                </a:ext>
-              </a:extLst>
-            </p:cNvPr>
-            <p:cNvSpPr/>
-            <p:nvPr/>
-          </p:nvSpPr>
-          <p:spPr>
-            <a:xfrm>
-              <a:off x="6448943" y="2933214"/>
+              <a:off x="4945509" y="2394435"/>
               <a:ext cx="1150886" cy="900000"/>
             </a:xfrm>
             <a:prstGeom prst="flowChartDocument">
@@ -5570,7 +4864,23 @@
                   </a:solidFill>
                   <a:ea typeface="DejaVu Sans"/>
                 </a:rPr>
-                <a:t>Representations</a:t>
+                <a:t>TOSCA</a:t>
+              </a:r>
+            </a:p>
+            <a:p>
+              <a:pPr algn="ctr">
+                <a:lnSpc>
+                  <a:spcPct val="100000"/>
+                </a:lnSpc>
+              </a:pPr>
+              <a:r>
+                <a:rPr lang="en-US" sz="1200" b="0" strike="noStrike" spc="-1" dirty="0">
+                  <a:solidFill>
+                    <a:srgbClr val="000000"/>
+                  </a:solidFill>
+                  <a:ea typeface="DejaVu Sans"/>
+                </a:rPr>
+                <a:t>Templates</a:t>
               </a:r>
               <a:endParaRPr lang="en-US" sz="1200" b="0" strike="noStrike" spc="-1" dirty="0"/>
             </a:p>
@@ -5578,10 +4888,10 @@
         </p:sp>
         <p:sp>
           <p:nvSpPr>
-            <p:cNvPr id="7" name="CustomShape 11">
+            <p:cNvPr id="11" name="CustomShape 11">
               <a:extLst>
                 <a:ext uri="{FF2B5EF4-FFF2-40B4-BE49-F238E27FC236}">
-                  <a16:creationId xmlns:a16="http://schemas.microsoft.com/office/drawing/2014/main" id="{8E87E5F8-3B0F-93DE-850A-A345C5FF6798}"/>
+                  <a16:creationId xmlns:a16="http://schemas.microsoft.com/office/drawing/2014/main" id="{7EE4D578-672D-851A-AA83-8AD3B4CC418F}"/>
                 </a:ext>
               </a:extLst>
             </p:cNvPr>
@@ -5590,7 +4900,7 @@
           </p:nvSpPr>
           <p:spPr>
             <a:xfrm>
-              <a:off x="4046469" y="2933214"/>
+              <a:off x="4945507" y="3655173"/>
               <a:ext cx="1150886" cy="900000"/>
             </a:xfrm>
             <a:prstGeom prst="flowChartDocument">
@@ -5739,197 +5049,6 @@
                 </a:lnSpc>
               </a:pPr>
               <a:r>
-                <a:rPr lang="en-US" sz="1200" b="0" strike="noStrike" spc="-1" dirty="0">
-                  <a:solidFill>
-                    <a:srgbClr val="000000"/>
-                  </a:solidFill>
-                  <a:ea typeface="DejaVu Sans"/>
-                </a:rPr>
-                <a:t>TOSCA</a:t>
-              </a:r>
-            </a:p>
-            <a:p>
-              <a:pPr algn="ctr">
-                <a:lnSpc>
-                  <a:spcPct val="100000"/>
-                </a:lnSpc>
-              </a:pPr>
-              <a:r>
-                <a:rPr lang="en-US" sz="1200" b="0" strike="noStrike" spc="-1" dirty="0">
-                  <a:solidFill>
-                    <a:srgbClr val="000000"/>
-                  </a:solidFill>
-                  <a:ea typeface="DejaVu Sans"/>
-                </a:rPr>
-                <a:t>Templates</a:t>
-              </a:r>
-              <a:endParaRPr lang="en-US" sz="1200" b="0" strike="noStrike" spc="-1" dirty="0"/>
-            </a:p>
-          </p:txBody>
-        </p:sp>
-        <p:sp>
-          <p:nvSpPr>
-            <p:cNvPr id="11" name="CustomShape 11">
-              <a:extLst>
-                <a:ext uri="{FF2B5EF4-FFF2-40B4-BE49-F238E27FC236}">
-                  <a16:creationId xmlns:a16="http://schemas.microsoft.com/office/drawing/2014/main" id="{7EE4D578-672D-851A-AA83-8AD3B4CC418F}"/>
-                </a:ext>
-              </a:extLst>
-            </p:cNvPr>
-            <p:cNvSpPr/>
-            <p:nvPr/>
-          </p:nvSpPr>
-          <p:spPr>
-            <a:xfrm>
-              <a:off x="1643995" y="2933214"/>
-              <a:ext cx="1150886" cy="900000"/>
-            </a:xfrm>
-            <a:prstGeom prst="flowChartDocument">
-              <a:avLst/>
-            </a:prstGeom>
-            <a:gradFill rotWithShape="0">
-              <a:gsLst>
-                <a:gs pos="0">
-                  <a:srgbClr val="D0D0D0"/>
-                </a:gs>
-                <a:gs pos="100000">
-                  <a:srgbClr val="EDEDED"/>
-                </a:gs>
-              </a:gsLst>
-              <a:lin ang="16200000"/>
-            </a:gradFill>
-            <a:ln>
-              <a:solidFill>
-                <a:srgbClr val="000000"/>
-              </a:solidFill>
-              <a:round/>
-            </a:ln>
-            <a:effectLst>
-              <a:outerShdw blurRad="40000" dist="20160" dir="5400000" rotWithShape="0">
-                <a:srgbClr val="000000">
-                  <a:alpha val="38000"/>
-                </a:srgbClr>
-              </a:outerShdw>
-            </a:effectLst>
-          </p:spPr>
-          <p:style>
-            <a:lnRef idx="1">
-              <a:schemeClr val="dk1"/>
-            </a:lnRef>
-            <a:fillRef idx="2">
-              <a:schemeClr val="dk1"/>
-            </a:fillRef>
-            <a:effectRef idx="1">
-              <a:schemeClr val="dk1"/>
-            </a:effectRef>
-            <a:fontRef idx="minor"/>
-          </p:style>
-          <p:txBody>
-            <a:bodyPr lIns="0" tIns="0" rIns="0" bIns="0" anchor="ctr">
-              <a:noAutofit/>
-            </a:bodyPr>
-            <a:lstStyle>
-              <a:defPPr>
-                <a:defRPr lang="en-US"/>
-              </a:defPPr>
-              <a:lvl1pPr marL="0" algn="l" defTabSz="914400" rtl="0" eaLnBrk="1" latinLnBrk="0" hangingPunct="1">
-                <a:defRPr sz="1800" kern="1200">
-                  <a:solidFill>
-                    <a:schemeClr val="tx1"/>
-                  </a:solidFill>
-                  <a:latin typeface="+mn-lt"/>
-                  <a:ea typeface="+mn-ea"/>
-                  <a:cs typeface="+mn-cs"/>
-                </a:defRPr>
-              </a:lvl1pPr>
-              <a:lvl2pPr marL="457200" algn="l" defTabSz="914400" rtl="0" eaLnBrk="1" latinLnBrk="0" hangingPunct="1">
-                <a:defRPr sz="1800" kern="1200">
-                  <a:solidFill>
-                    <a:schemeClr val="tx1"/>
-                  </a:solidFill>
-                  <a:latin typeface="+mn-lt"/>
-                  <a:ea typeface="+mn-ea"/>
-                  <a:cs typeface="+mn-cs"/>
-                </a:defRPr>
-              </a:lvl2pPr>
-              <a:lvl3pPr marL="914400" algn="l" defTabSz="914400" rtl="0" eaLnBrk="1" latinLnBrk="0" hangingPunct="1">
-                <a:defRPr sz="1800" kern="1200">
-                  <a:solidFill>
-                    <a:schemeClr val="tx1"/>
-                  </a:solidFill>
-                  <a:latin typeface="+mn-lt"/>
-                  <a:ea typeface="+mn-ea"/>
-                  <a:cs typeface="+mn-cs"/>
-                </a:defRPr>
-              </a:lvl3pPr>
-              <a:lvl4pPr marL="1371600" algn="l" defTabSz="914400" rtl="0" eaLnBrk="1" latinLnBrk="0" hangingPunct="1">
-                <a:defRPr sz="1800" kern="1200">
-                  <a:solidFill>
-                    <a:schemeClr val="tx1"/>
-                  </a:solidFill>
-                  <a:latin typeface="+mn-lt"/>
-                  <a:ea typeface="+mn-ea"/>
-                  <a:cs typeface="+mn-cs"/>
-                </a:defRPr>
-              </a:lvl4pPr>
-              <a:lvl5pPr marL="1828800" algn="l" defTabSz="914400" rtl="0" eaLnBrk="1" latinLnBrk="0" hangingPunct="1">
-                <a:defRPr sz="1800" kern="1200">
-                  <a:solidFill>
-                    <a:schemeClr val="tx1"/>
-                  </a:solidFill>
-                  <a:latin typeface="+mn-lt"/>
-                  <a:ea typeface="+mn-ea"/>
-                  <a:cs typeface="+mn-cs"/>
-                </a:defRPr>
-              </a:lvl5pPr>
-              <a:lvl6pPr marL="2286000" algn="l" defTabSz="914400" rtl="0" eaLnBrk="1" latinLnBrk="0" hangingPunct="1">
-                <a:defRPr sz="1800" kern="1200">
-                  <a:solidFill>
-                    <a:schemeClr val="tx1"/>
-                  </a:solidFill>
-                  <a:latin typeface="+mn-lt"/>
-                  <a:ea typeface="+mn-ea"/>
-                  <a:cs typeface="+mn-cs"/>
-                </a:defRPr>
-              </a:lvl6pPr>
-              <a:lvl7pPr marL="2743200" algn="l" defTabSz="914400" rtl="0" eaLnBrk="1" latinLnBrk="0" hangingPunct="1">
-                <a:defRPr sz="1800" kern="1200">
-                  <a:solidFill>
-                    <a:schemeClr val="tx1"/>
-                  </a:solidFill>
-                  <a:latin typeface="+mn-lt"/>
-                  <a:ea typeface="+mn-ea"/>
-                  <a:cs typeface="+mn-cs"/>
-                </a:defRPr>
-              </a:lvl7pPr>
-              <a:lvl8pPr marL="3200400" algn="l" defTabSz="914400" rtl="0" eaLnBrk="1" latinLnBrk="0" hangingPunct="1">
-                <a:defRPr sz="1800" kern="1200">
-                  <a:solidFill>
-                    <a:schemeClr val="tx1"/>
-                  </a:solidFill>
-                  <a:latin typeface="+mn-lt"/>
-                  <a:ea typeface="+mn-ea"/>
-                  <a:cs typeface="+mn-cs"/>
-                </a:defRPr>
-              </a:lvl8pPr>
-              <a:lvl9pPr marL="3657600" algn="l" defTabSz="914400" rtl="0" eaLnBrk="1" latinLnBrk="0" hangingPunct="1">
-                <a:defRPr sz="1800" kern="1200">
-                  <a:solidFill>
-                    <a:schemeClr val="tx1"/>
-                  </a:solidFill>
-                  <a:latin typeface="+mn-lt"/>
-                  <a:ea typeface="+mn-ea"/>
-                  <a:cs typeface="+mn-cs"/>
-                </a:defRPr>
-              </a:lvl9pPr>
-            </a:lstStyle>
-            <a:p>
-              <a:pPr algn="ctr">
-                <a:lnSpc>
-                  <a:spcPct val="100000"/>
-                </a:lnSpc>
-              </a:pPr>
-              <a:r>
                 <a:rPr lang="en-US" sz="1200" spc="-1" dirty="0">
                   <a:solidFill>
                     <a:srgbClr val="000000"/>
@@ -5938,55 +5057,6 @@
                 <a:t>TOSCA Types</a:t>
               </a:r>
               <a:endParaRPr lang="en-US" sz="1200" b="0" strike="noStrike" spc="-1" dirty="0"/>
-            </a:p>
-          </p:txBody>
-        </p:sp>
-        <p:sp>
-          <p:nvSpPr>
-            <p:cNvPr id="15" name="Line 15">
-              <a:extLst>
-                <a:ext uri="{FF2B5EF4-FFF2-40B4-BE49-F238E27FC236}">
-                  <a16:creationId xmlns:a16="http://schemas.microsoft.com/office/drawing/2014/main" id="{FA91B83D-BED9-E84A-7776-CFD80B42845E}"/>
-                </a:ext>
-              </a:extLst>
-            </p:cNvPr>
-            <p:cNvSpPr/>
-            <p:nvPr/>
-          </p:nvSpPr>
-          <p:spPr>
-            <a:xfrm flipH="1" flipV="1">
-              <a:off x="2786087" y="3380457"/>
-              <a:ext cx="1269176" cy="5515"/>
-            </a:xfrm>
-            <a:prstGeom prst="line">
-              <a:avLst/>
-            </a:prstGeom>
-            <a:ln w="28575">
-              <a:solidFill>
-                <a:schemeClr val="tx1"/>
-              </a:solidFill>
-              <a:round/>
-              <a:headEnd type="triangle" w="med" len="med"/>
-              <a:tailEnd type="none" w="med" len="med"/>
-            </a:ln>
-          </p:spPr>
-          <p:style>
-            <a:lnRef idx="1">
-              <a:schemeClr val="dk1"/>
-            </a:lnRef>
-            <a:fillRef idx="0">
-              <a:schemeClr val="dk1"/>
-            </a:fillRef>
-            <a:effectRef idx="0">
-              <a:schemeClr val="dk1"/>
-            </a:effectRef>
-            <a:fontRef idx="minor"/>
-          </p:style>
-          <p:txBody>
-            <a:bodyPr/>
-            <a:lstStyle/>
-            <a:p>
-              <a:endParaRPr lang="en-US" sz="1200" dirty="0"/>
             </a:p>
           </p:txBody>
         </p:sp>
@@ -6004,8 +5074,8 @@
           </p:nvSpPr>
           <p:spPr>
             <a:xfrm>
-              <a:off x="2994121" y="2558814"/>
-              <a:ext cx="853109" cy="1648800"/>
+              <a:off x="3815524" y="2207235"/>
+              <a:ext cx="853109" cy="2450478"/>
             </a:xfrm>
             <a:prstGeom prst="rect">
               <a:avLst/>
@@ -6149,10 +5219,10 @@
         </p:sp>
         <p:sp>
           <p:nvSpPr>
-            <p:cNvPr id="32" name="Line 15">
+            <p:cNvPr id="33" name="Line 15">
               <a:extLst>
                 <a:ext uri="{FF2B5EF4-FFF2-40B4-BE49-F238E27FC236}">
-                  <a16:creationId xmlns:a16="http://schemas.microsoft.com/office/drawing/2014/main" id="{B65CCC74-0AA7-3761-6199-AD188B92E2CE}"/>
+                  <a16:creationId xmlns:a16="http://schemas.microsoft.com/office/drawing/2014/main" id="{244AC52C-D4F8-BACE-AB1A-555C91BC1304}"/>
                 </a:ext>
               </a:extLst>
             </p:cNvPr>
@@ -6161,8 +5231,57 @@
           </p:nvSpPr>
           <p:spPr>
             <a:xfrm flipH="1" flipV="1">
-              <a:off x="5188561" y="3380457"/>
-              <a:ext cx="1269176" cy="5515"/>
+              <a:off x="4668632" y="2844435"/>
+              <a:ext cx="276875" cy="0"/>
+            </a:xfrm>
+            <a:prstGeom prst="line">
+              <a:avLst/>
+            </a:prstGeom>
+            <a:ln w="28575">
+              <a:solidFill>
+                <a:schemeClr val="tx1"/>
+              </a:solidFill>
+              <a:round/>
+              <a:headEnd type="triangle" w="med" len="med"/>
+              <a:tailEnd type="triangle" w="med" len="med"/>
+            </a:ln>
+          </p:spPr>
+          <p:style>
+            <a:lnRef idx="1">
+              <a:schemeClr val="dk1"/>
+            </a:lnRef>
+            <a:fillRef idx="0">
+              <a:schemeClr val="dk1"/>
+            </a:fillRef>
+            <a:effectRef idx="0">
+              <a:schemeClr val="dk1"/>
+            </a:effectRef>
+            <a:fontRef idx="minor"/>
+          </p:style>
+          <p:txBody>
+            <a:bodyPr/>
+            <a:lstStyle/>
+            <a:p>
+              <a:endParaRPr lang="en-US" sz="1200" dirty="0"/>
+            </a:p>
+          </p:txBody>
+        </p:sp>
+        <p:sp>
+          <p:nvSpPr>
+            <p:cNvPr id="4" name="Line 15">
+              <a:extLst>
+                <a:ext uri="{FF2B5EF4-FFF2-40B4-BE49-F238E27FC236}">
+                  <a16:creationId xmlns:a16="http://schemas.microsoft.com/office/drawing/2014/main" id="{3C6FE04C-D3E7-4078-F4A9-8F6D7875909A}"/>
+                </a:ext>
+              </a:extLst>
+            </p:cNvPr>
+            <p:cNvSpPr/>
+            <p:nvPr/>
+          </p:nvSpPr>
+          <p:spPr>
+            <a:xfrm flipH="1">
+              <a:off x="5513533" y="3263840"/>
+              <a:ext cx="0" cy="391332"/>
             </a:xfrm>
             <a:prstGeom prst="line">
               <a:avLst/>
@@ -6198,10 +5317,110 @@
         </p:sp>
         <p:sp>
           <p:nvSpPr>
-            <p:cNvPr id="17" name="CustomShape 1">
+            <p:cNvPr id="5" name="Line 15">
               <a:extLst>
                 <a:ext uri="{FF2B5EF4-FFF2-40B4-BE49-F238E27FC236}">
-                  <a16:creationId xmlns:a16="http://schemas.microsoft.com/office/drawing/2014/main" id="{CED8B2F9-986B-BB84-0822-B4BC00B489A2}"/>
+                  <a16:creationId xmlns:a16="http://schemas.microsoft.com/office/drawing/2014/main" id="{51068BD1-0894-8D82-7117-E303FCADFC48}"/>
+                </a:ext>
+              </a:extLst>
+            </p:cNvPr>
+            <p:cNvSpPr/>
+            <p:nvPr/>
+          </p:nvSpPr>
+          <p:spPr>
+            <a:xfrm flipH="1" flipV="1">
+              <a:off x="4668632" y="4095265"/>
+              <a:ext cx="276875" cy="0"/>
+            </a:xfrm>
+            <a:prstGeom prst="line">
+              <a:avLst/>
+            </a:prstGeom>
+            <a:ln w="28575">
+              <a:solidFill>
+                <a:schemeClr val="tx1"/>
+              </a:solidFill>
+              <a:round/>
+              <a:headEnd type="triangle" w="med" len="med"/>
+              <a:tailEnd type="triangle" w="med" len="med"/>
+            </a:ln>
+          </p:spPr>
+          <p:style>
+            <a:lnRef idx="1">
+              <a:schemeClr val="dk1"/>
+            </a:lnRef>
+            <a:fillRef idx="0">
+              <a:schemeClr val="dk1"/>
+            </a:fillRef>
+            <a:effectRef idx="0">
+              <a:schemeClr val="dk1"/>
+            </a:effectRef>
+            <a:fontRef idx="minor"/>
+          </p:style>
+          <p:txBody>
+            <a:bodyPr/>
+            <a:lstStyle/>
+            <a:p>
+              <a:endParaRPr lang="en-US" sz="1200" dirty="0"/>
+            </a:p>
+          </p:txBody>
+        </p:sp>
+      </p:grpSp>
+    </p:spTree>
+    <p:extLst>
+      <p:ext uri="{BB962C8B-B14F-4D97-AF65-F5344CB8AC3E}">
+        <p14:creationId xmlns:p14="http://schemas.microsoft.com/office/powerpoint/2010/main" val="3365522525"/>
+      </p:ext>
+    </p:extLst>
+  </p:cSld>
+  <p:clrMapOvr>
+    <a:masterClrMapping/>
+  </p:clrMapOvr>
+</p:sld>
+</file>
+
+<file path=ppt/slides/slide4.xml><?xml version="1.0" encoding="utf-8"?>
+<p:sld xmlns:a="http://schemas.openxmlformats.org/drawingml/2006/main" xmlns:r="http://schemas.openxmlformats.org/officeDocument/2006/relationships" xmlns:p="http://schemas.openxmlformats.org/presentationml/2006/main">
+  <p:cSld>
+    <p:spTree>
+      <p:nvGrpSpPr>
+        <p:cNvPr id="1" name=""/>
+        <p:cNvGrpSpPr/>
+        <p:nvPr/>
+      </p:nvGrpSpPr>
+      <p:grpSpPr>
+        <a:xfrm>
+          <a:off x="0" y="0"/>
+          <a:ext cx="0" cy="0"/>
+          <a:chOff x="0" y="0"/>
+          <a:chExt cx="0" cy="0"/>
+        </a:xfrm>
+      </p:grpSpPr>
+      <p:grpSp>
+        <p:nvGrpSpPr>
+          <p:cNvPr id="14" name="Group 13">
+            <a:extLst>
+              <a:ext uri="{FF2B5EF4-FFF2-40B4-BE49-F238E27FC236}">
+                <a16:creationId xmlns:a16="http://schemas.microsoft.com/office/drawing/2014/main" id="{36F064D1-F1BF-545A-CA0C-F620511D0490}"/>
+              </a:ext>
+            </a:extLst>
+          </p:cNvPr>
+          <p:cNvGrpSpPr/>
+          <p:nvPr/>
+        </p:nvGrpSpPr>
+        <p:grpSpPr>
+          <a:xfrm>
+            <a:off x="3537858" y="1964908"/>
+            <a:ext cx="5116284" cy="2928184"/>
+            <a:chOff x="2258985" y="1964908"/>
+            <a:chExt cx="5116284" cy="2928184"/>
+          </a:xfrm>
+        </p:grpSpPr>
+        <p:sp>
+          <p:nvSpPr>
+            <p:cNvPr id="3" name="CustomShape 4">
+              <a:extLst>
+                <a:ext uri="{FF2B5EF4-FFF2-40B4-BE49-F238E27FC236}">
+                  <a16:creationId xmlns:a16="http://schemas.microsoft.com/office/drawing/2014/main" id="{96BB9AF7-83D1-40F6-814A-71671D1091C2}"/>
                 </a:ext>
               </a:extLst>
             </p:cNvPr>
@@ -6210,8 +5429,725 @@
           </p:nvSpPr>
           <p:spPr>
             <a:xfrm>
-              <a:off x="5396595" y="2558814"/>
-              <a:ext cx="853109" cy="1648800"/>
+              <a:off x="2258985" y="1964908"/>
+              <a:ext cx="4661609" cy="2928184"/>
+            </a:xfrm>
+            <a:prstGeom prst="rect">
+              <a:avLst/>
+            </a:prstGeom>
+            <a:noFill/>
+            <a:ln>
+              <a:solidFill>
+                <a:schemeClr val="tx1"/>
+              </a:solidFill>
+              <a:prstDash val="sysDash"/>
+              <a:round/>
+            </a:ln>
+          </p:spPr>
+          <p:style>
+            <a:lnRef idx="2">
+              <a:schemeClr val="accent1">
+                <a:shade val="50000"/>
+              </a:schemeClr>
+            </a:lnRef>
+            <a:fillRef idx="1">
+              <a:schemeClr val="accent1"/>
+            </a:fillRef>
+            <a:effectRef idx="0">
+              <a:schemeClr val="accent1"/>
+            </a:effectRef>
+            <a:fontRef idx="minor"/>
+          </p:style>
+          <p:txBody>
+            <a:bodyPr lIns="90000" tIns="45000" rIns="90000" bIns="45000" anchor="b" anchorCtr="0">
+              <a:noAutofit/>
+            </a:bodyPr>
+            <a:lstStyle>
+              <a:defPPr>
+                <a:defRPr lang="en-US"/>
+              </a:defPPr>
+              <a:lvl1pPr marL="0" algn="l" defTabSz="914400" rtl="0" eaLnBrk="1" latinLnBrk="0" hangingPunct="1">
+                <a:defRPr sz="1800" kern="1200">
+                  <a:solidFill>
+                    <a:schemeClr val="tx1"/>
+                  </a:solidFill>
+                  <a:latin typeface="+mn-lt"/>
+                  <a:ea typeface="+mn-ea"/>
+                  <a:cs typeface="+mn-cs"/>
+                </a:defRPr>
+              </a:lvl1pPr>
+              <a:lvl2pPr marL="457200" algn="l" defTabSz="914400" rtl="0" eaLnBrk="1" latinLnBrk="0" hangingPunct="1">
+                <a:defRPr sz="1800" kern="1200">
+                  <a:solidFill>
+                    <a:schemeClr val="tx1"/>
+                  </a:solidFill>
+                  <a:latin typeface="+mn-lt"/>
+                  <a:ea typeface="+mn-ea"/>
+                  <a:cs typeface="+mn-cs"/>
+                </a:defRPr>
+              </a:lvl2pPr>
+              <a:lvl3pPr marL="914400" algn="l" defTabSz="914400" rtl="0" eaLnBrk="1" latinLnBrk="0" hangingPunct="1">
+                <a:defRPr sz="1800" kern="1200">
+                  <a:solidFill>
+                    <a:schemeClr val="tx1"/>
+                  </a:solidFill>
+                  <a:latin typeface="+mn-lt"/>
+                  <a:ea typeface="+mn-ea"/>
+                  <a:cs typeface="+mn-cs"/>
+                </a:defRPr>
+              </a:lvl3pPr>
+              <a:lvl4pPr marL="1371600" algn="l" defTabSz="914400" rtl="0" eaLnBrk="1" latinLnBrk="0" hangingPunct="1">
+                <a:defRPr sz="1800" kern="1200">
+                  <a:solidFill>
+                    <a:schemeClr val="tx1"/>
+                  </a:solidFill>
+                  <a:latin typeface="+mn-lt"/>
+                  <a:ea typeface="+mn-ea"/>
+                  <a:cs typeface="+mn-cs"/>
+                </a:defRPr>
+              </a:lvl4pPr>
+              <a:lvl5pPr marL="1828800" algn="l" defTabSz="914400" rtl="0" eaLnBrk="1" latinLnBrk="0" hangingPunct="1">
+                <a:defRPr sz="1800" kern="1200">
+                  <a:solidFill>
+                    <a:schemeClr val="tx1"/>
+                  </a:solidFill>
+                  <a:latin typeface="+mn-lt"/>
+                  <a:ea typeface="+mn-ea"/>
+                  <a:cs typeface="+mn-cs"/>
+                </a:defRPr>
+              </a:lvl5pPr>
+              <a:lvl6pPr marL="2286000" algn="l" defTabSz="914400" rtl="0" eaLnBrk="1" latinLnBrk="0" hangingPunct="1">
+                <a:defRPr sz="1800" kern="1200">
+                  <a:solidFill>
+                    <a:schemeClr val="tx1"/>
+                  </a:solidFill>
+                  <a:latin typeface="+mn-lt"/>
+                  <a:ea typeface="+mn-ea"/>
+                  <a:cs typeface="+mn-cs"/>
+                </a:defRPr>
+              </a:lvl6pPr>
+              <a:lvl7pPr marL="2743200" algn="l" defTabSz="914400" rtl="0" eaLnBrk="1" latinLnBrk="0" hangingPunct="1">
+                <a:defRPr sz="1800" kern="1200">
+                  <a:solidFill>
+                    <a:schemeClr val="tx1"/>
+                  </a:solidFill>
+                  <a:latin typeface="+mn-lt"/>
+                  <a:ea typeface="+mn-ea"/>
+                  <a:cs typeface="+mn-cs"/>
+                </a:defRPr>
+              </a:lvl7pPr>
+              <a:lvl8pPr marL="3200400" algn="l" defTabSz="914400" rtl="0" eaLnBrk="1" latinLnBrk="0" hangingPunct="1">
+                <a:defRPr sz="1800" kern="1200">
+                  <a:solidFill>
+                    <a:schemeClr val="tx1"/>
+                  </a:solidFill>
+                  <a:latin typeface="+mn-lt"/>
+                  <a:ea typeface="+mn-ea"/>
+                  <a:cs typeface="+mn-cs"/>
+                </a:defRPr>
+              </a:lvl8pPr>
+              <a:lvl9pPr marL="3657600" algn="l" defTabSz="914400" rtl="0" eaLnBrk="1" latinLnBrk="0" hangingPunct="1">
+                <a:defRPr sz="1800" kern="1200">
+                  <a:solidFill>
+                    <a:schemeClr val="tx1"/>
+                  </a:solidFill>
+                  <a:latin typeface="+mn-lt"/>
+                  <a:ea typeface="+mn-ea"/>
+                  <a:cs typeface="+mn-cs"/>
+                </a:defRPr>
+              </a:lvl9pPr>
+            </a:lstStyle>
+            <a:p>
+              <a:pPr algn="r">
+                <a:lnSpc>
+                  <a:spcPct val="100000"/>
+                </a:lnSpc>
+              </a:pPr>
+              <a:r>
+                <a:rPr lang="en-US" sz="1400" b="0" strike="noStrike" spc="-1" dirty="0">
+                  <a:solidFill>
+                    <a:srgbClr val="000000"/>
+                  </a:solidFill>
+                  <a:ea typeface="DejaVu Sans"/>
+                </a:rPr>
+                <a:t>TOSCA</a:t>
+              </a:r>
+            </a:p>
+            <a:p>
+              <a:pPr algn="r">
+                <a:lnSpc>
+                  <a:spcPct val="100000"/>
+                </a:lnSpc>
+              </a:pPr>
+              <a:r>
+                <a:rPr lang="en-US" sz="1400" b="0" strike="noStrike" spc="-1" dirty="0">
+                  <a:solidFill>
+                    <a:srgbClr val="000000"/>
+                  </a:solidFill>
+                  <a:ea typeface="DejaVu Sans"/>
+                </a:rPr>
+                <a:t>Processor</a:t>
+              </a:r>
+              <a:endParaRPr lang="en-US" sz="1400" b="0" strike="noStrike" spc="-1" dirty="0"/>
+            </a:p>
+          </p:txBody>
+        </p:sp>
+        <p:sp>
+          <p:nvSpPr>
+            <p:cNvPr id="10" name="CustomShape 11">
+              <a:extLst>
+                <a:ext uri="{FF2B5EF4-FFF2-40B4-BE49-F238E27FC236}">
+                  <a16:creationId xmlns:a16="http://schemas.microsoft.com/office/drawing/2014/main" id="{DD26562F-EFEA-4CF0-88EC-A28513A0933F}"/>
+                </a:ext>
+              </a:extLst>
+            </p:cNvPr>
+            <p:cNvSpPr/>
+            <p:nvPr/>
+          </p:nvSpPr>
+          <p:spPr>
+            <a:xfrm>
+              <a:off x="6224383" y="2394435"/>
+              <a:ext cx="1150886" cy="900000"/>
+            </a:xfrm>
+            <a:prstGeom prst="flowChartDocument">
+              <a:avLst/>
+            </a:prstGeom>
+            <a:gradFill rotWithShape="0">
+              <a:gsLst>
+                <a:gs pos="0">
+                  <a:srgbClr val="D0D0D0"/>
+                </a:gs>
+                <a:gs pos="100000">
+                  <a:srgbClr val="EDEDED"/>
+                </a:gs>
+              </a:gsLst>
+              <a:lin ang="16200000"/>
+            </a:gradFill>
+            <a:ln>
+              <a:solidFill>
+                <a:srgbClr val="000000"/>
+              </a:solidFill>
+              <a:round/>
+            </a:ln>
+            <a:effectLst>
+              <a:outerShdw blurRad="40000" dist="20160" dir="5400000" rotWithShape="0">
+                <a:srgbClr val="000000">
+                  <a:alpha val="38000"/>
+                </a:srgbClr>
+              </a:outerShdw>
+            </a:effectLst>
+          </p:spPr>
+          <p:style>
+            <a:lnRef idx="1">
+              <a:schemeClr val="dk1"/>
+            </a:lnRef>
+            <a:fillRef idx="2">
+              <a:schemeClr val="dk1"/>
+            </a:fillRef>
+            <a:effectRef idx="1">
+              <a:schemeClr val="dk1"/>
+            </a:effectRef>
+            <a:fontRef idx="minor"/>
+          </p:style>
+          <p:txBody>
+            <a:bodyPr lIns="0" tIns="0" rIns="0" bIns="0" anchor="ctr">
+              <a:noAutofit/>
+            </a:bodyPr>
+            <a:lstStyle>
+              <a:defPPr>
+                <a:defRPr lang="en-US"/>
+              </a:defPPr>
+              <a:lvl1pPr marL="0" algn="l" defTabSz="914400" rtl="0" eaLnBrk="1" latinLnBrk="0" hangingPunct="1">
+                <a:defRPr sz="1800" kern="1200">
+                  <a:solidFill>
+                    <a:schemeClr val="tx1"/>
+                  </a:solidFill>
+                  <a:latin typeface="+mn-lt"/>
+                  <a:ea typeface="+mn-ea"/>
+                  <a:cs typeface="+mn-cs"/>
+                </a:defRPr>
+              </a:lvl1pPr>
+              <a:lvl2pPr marL="457200" algn="l" defTabSz="914400" rtl="0" eaLnBrk="1" latinLnBrk="0" hangingPunct="1">
+                <a:defRPr sz="1800" kern="1200">
+                  <a:solidFill>
+                    <a:schemeClr val="tx1"/>
+                  </a:solidFill>
+                  <a:latin typeface="+mn-lt"/>
+                  <a:ea typeface="+mn-ea"/>
+                  <a:cs typeface="+mn-cs"/>
+                </a:defRPr>
+              </a:lvl2pPr>
+              <a:lvl3pPr marL="914400" algn="l" defTabSz="914400" rtl="0" eaLnBrk="1" latinLnBrk="0" hangingPunct="1">
+                <a:defRPr sz="1800" kern="1200">
+                  <a:solidFill>
+                    <a:schemeClr val="tx1"/>
+                  </a:solidFill>
+                  <a:latin typeface="+mn-lt"/>
+                  <a:ea typeface="+mn-ea"/>
+                  <a:cs typeface="+mn-cs"/>
+                </a:defRPr>
+              </a:lvl3pPr>
+              <a:lvl4pPr marL="1371600" algn="l" defTabSz="914400" rtl="0" eaLnBrk="1" latinLnBrk="0" hangingPunct="1">
+                <a:defRPr sz="1800" kern="1200">
+                  <a:solidFill>
+                    <a:schemeClr val="tx1"/>
+                  </a:solidFill>
+                  <a:latin typeface="+mn-lt"/>
+                  <a:ea typeface="+mn-ea"/>
+                  <a:cs typeface="+mn-cs"/>
+                </a:defRPr>
+              </a:lvl4pPr>
+              <a:lvl5pPr marL="1828800" algn="l" defTabSz="914400" rtl="0" eaLnBrk="1" latinLnBrk="0" hangingPunct="1">
+                <a:defRPr sz="1800" kern="1200">
+                  <a:solidFill>
+                    <a:schemeClr val="tx1"/>
+                  </a:solidFill>
+                  <a:latin typeface="+mn-lt"/>
+                  <a:ea typeface="+mn-ea"/>
+                  <a:cs typeface="+mn-cs"/>
+                </a:defRPr>
+              </a:lvl5pPr>
+              <a:lvl6pPr marL="2286000" algn="l" defTabSz="914400" rtl="0" eaLnBrk="1" latinLnBrk="0" hangingPunct="1">
+                <a:defRPr sz="1800" kern="1200">
+                  <a:solidFill>
+                    <a:schemeClr val="tx1"/>
+                  </a:solidFill>
+                  <a:latin typeface="+mn-lt"/>
+                  <a:ea typeface="+mn-ea"/>
+                  <a:cs typeface="+mn-cs"/>
+                </a:defRPr>
+              </a:lvl6pPr>
+              <a:lvl7pPr marL="2743200" algn="l" defTabSz="914400" rtl="0" eaLnBrk="1" latinLnBrk="0" hangingPunct="1">
+                <a:defRPr sz="1800" kern="1200">
+                  <a:solidFill>
+                    <a:schemeClr val="tx1"/>
+                  </a:solidFill>
+                  <a:latin typeface="+mn-lt"/>
+                  <a:ea typeface="+mn-ea"/>
+                  <a:cs typeface="+mn-cs"/>
+                </a:defRPr>
+              </a:lvl7pPr>
+              <a:lvl8pPr marL="3200400" algn="l" defTabSz="914400" rtl="0" eaLnBrk="1" latinLnBrk="0" hangingPunct="1">
+                <a:defRPr sz="1800" kern="1200">
+                  <a:solidFill>
+                    <a:schemeClr val="tx1"/>
+                  </a:solidFill>
+                  <a:latin typeface="+mn-lt"/>
+                  <a:ea typeface="+mn-ea"/>
+                  <a:cs typeface="+mn-cs"/>
+                </a:defRPr>
+              </a:lvl8pPr>
+              <a:lvl9pPr marL="3657600" algn="l" defTabSz="914400" rtl="0" eaLnBrk="1" latinLnBrk="0" hangingPunct="1">
+                <a:defRPr sz="1800" kern="1200">
+                  <a:solidFill>
+                    <a:schemeClr val="tx1"/>
+                  </a:solidFill>
+                  <a:latin typeface="+mn-lt"/>
+                  <a:ea typeface="+mn-ea"/>
+                  <a:cs typeface="+mn-cs"/>
+                </a:defRPr>
+              </a:lvl9pPr>
+            </a:lstStyle>
+            <a:p>
+              <a:pPr algn="ctr">
+                <a:lnSpc>
+                  <a:spcPct val="100000"/>
+                </a:lnSpc>
+              </a:pPr>
+              <a:r>
+                <a:rPr lang="en-US" sz="1200" b="0" strike="noStrike" spc="-1" dirty="0">
+                  <a:solidFill>
+                    <a:srgbClr val="000000"/>
+                  </a:solidFill>
+                  <a:ea typeface="DejaVu Sans"/>
+                </a:rPr>
+                <a:t>Representations</a:t>
+              </a:r>
+              <a:endParaRPr lang="en-US" sz="1200" b="0" strike="noStrike" spc="-1" dirty="0"/>
+            </a:p>
+          </p:txBody>
+        </p:sp>
+        <p:sp>
+          <p:nvSpPr>
+            <p:cNvPr id="7" name="CustomShape 11">
+              <a:extLst>
+                <a:ext uri="{FF2B5EF4-FFF2-40B4-BE49-F238E27FC236}">
+                  <a16:creationId xmlns:a16="http://schemas.microsoft.com/office/drawing/2014/main" id="{8E87E5F8-3B0F-93DE-850A-A345C5FF6798}"/>
+                </a:ext>
+              </a:extLst>
+            </p:cNvPr>
+            <p:cNvSpPr/>
+            <p:nvPr/>
+          </p:nvSpPr>
+          <p:spPr>
+            <a:xfrm>
+              <a:off x="3666636" y="2394435"/>
+              <a:ext cx="1150886" cy="900000"/>
+            </a:xfrm>
+            <a:prstGeom prst="flowChartDocument">
+              <a:avLst/>
+            </a:prstGeom>
+            <a:gradFill rotWithShape="0">
+              <a:gsLst>
+                <a:gs pos="0">
+                  <a:srgbClr val="D0D0D0"/>
+                </a:gs>
+                <a:gs pos="100000">
+                  <a:srgbClr val="EDEDED"/>
+                </a:gs>
+              </a:gsLst>
+              <a:lin ang="16200000"/>
+            </a:gradFill>
+            <a:ln>
+              <a:solidFill>
+                <a:srgbClr val="000000"/>
+              </a:solidFill>
+              <a:round/>
+            </a:ln>
+            <a:effectLst>
+              <a:outerShdw blurRad="40000" dist="20160" dir="5400000" rotWithShape="0">
+                <a:srgbClr val="000000">
+                  <a:alpha val="38000"/>
+                </a:srgbClr>
+              </a:outerShdw>
+            </a:effectLst>
+          </p:spPr>
+          <p:style>
+            <a:lnRef idx="1">
+              <a:schemeClr val="dk1"/>
+            </a:lnRef>
+            <a:fillRef idx="2">
+              <a:schemeClr val="dk1"/>
+            </a:fillRef>
+            <a:effectRef idx="1">
+              <a:schemeClr val="dk1"/>
+            </a:effectRef>
+            <a:fontRef idx="minor"/>
+          </p:style>
+          <p:txBody>
+            <a:bodyPr lIns="0" tIns="0" rIns="0" bIns="0" anchor="ctr">
+              <a:noAutofit/>
+            </a:bodyPr>
+            <a:lstStyle>
+              <a:defPPr>
+                <a:defRPr lang="en-US"/>
+              </a:defPPr>
+              <a:lvl1pPr marL="0" algn="l" defTabSz="914400" rtl="0" eaLnBrk="1" latinLnBrk="0" hangingPunct="1">
+                <a:defRPr sz="1800" kern="1200">
+                  <a:solidFill>
+                    <a:schemeClr val="tx1"/>
+                  </a:solidFill>
+                  <a:latin typeface="+mn-lt"/>
+                  <a:ea typeface="+mn-ea"/>
+                  <a:cs typeface="+mn-cs"/>
+                </a:defRPr>
+              </a:lvl1pPr>
+              <a:lvl2pPr marL="457200" algn="l" defTabSz="914400" rtl="0" eaLnBrk="1" latinLnBrk="0" hangingPunct="1">
+                <a:defRPr sz="1800" kern="1200">
+                  <a:solidFill>
+                    <a:schemeClr val="tx1"/>
+                  </a:solidFill>
+                  <a:latin typeface="+mn-lt"/>
+                  <a:ea typeface="+mn-ea"/>
+                  <a:cs typeface="+mn-cs"/>
+                </a:defRPr>
+              </a:lvl2pPr>
+              <a:lvl3pPr marL="914400" algn="l" defTabSz="914400" rtl="0" eaLnBrk="1" latinLnBrk="0" hangingPunct="1">
+                <a:defRPr sz="1800" kern="1200">
+                  <a:solidFill>
+                    <a:schemeClr val="tx1"/>
+                  </a:solidFill>
+                  <a:latin typeface="+mn-lt"/>
+                  <a:ea typeface="+mn-ea"/>
+                  <a:cs typeface="+mn-cs"/>
+                </a:defRPr>
+              </a:lvl3pPr>
+              <a:lvl4pPr marL="1371600" algn="l" defTabSz="914400" rtl="0" eaLnBrk="1" latinLnBrk="0" hangingPunct="1">
+                <a:defRPr sz="1800" kern="1200">
+                  <a:solidFill>
+                    <a:schemeClr val="tx1"/>
+                  </a:solidFill>
+                  <a:latin typeface="+mn-lt"/>
+                  <a:ea typeface="+mn-ea"/>
+                  <a:cs typeface="+mn-cs"/>
+                </a:defRPr>
+              </a:lvl4pPr>
+              <a:lvl5pPr marL="1828800" algn="l" defTabSz="914400" rtl="0" eaLnBrk="1" latinLnBrk="0" hangingPunct="1">
+                <a:defRPr sz="1800" kern="1200">
+                  <a:solidFill>
+                    <a:schemeClr val="tx1"/>
+                  </a:solidFill>
+                  <a:latin typeface="+mn-lt"/>
+                  <a:ea typeface="+mn-ea"/>
+                  <a:cs typeface="+mn-cs"/>
+                </a:defRPr>
+              </a:lvl5pPr>
+              <a:lvl6pPr marL="2286000" algn="l" defTabSz="914400" rtl="0" eaLnBrk="1" latinLnBrk="0" hangingPunct="1">
+                <a:defRPr sz="1800" kern="1200">
+                  <a:solidFill>
+                    <a:schemeClr val="tx1"/>
+                  </a:solidFill>
+                  <a:latin typeface="+mn-lt"/>
+                  <a:ea typeface="+mn-ea"/>
+                  <a:cs typeface="+mn-cs"/>
+                </a:defRPr>
+              </a:lvl6pPr>
+              <a:lvl7pPr marL="2743200" algn="l" defTabSz="914400" rtl="0" eaLnBrk="1" latinLnBrk="0" hangingPunct="1">
+                <a:defRPr sz="1800" kern="1200">
+                  <a:solidFill>
+                    <a:schemeClr val="tx1"/>
+                  </a:solidFill>
+                  <a:latin typeface="+mn-lt"/>
+                  <a:ea typeface="+mn-ea"/>
+                  <a:cs typeface="+mn-cs"/>
+                </a:defRPr>
+              </a:lvl7pPr>
+              <a:lvl8pPr marL="3200400" algn="l" defTabSz="914400" rtl="0" eaLnBrk="1" latinLnBrk="0" hangingPunct="1">
+                <a:defRPr sz="1800" kern="1200">
+                  <a:solidFill>
+                    <a:schemeClr val="tx1"/>
+                  </a:solidFill>
+                  <a:latin typeface="+mn-lt"/>
+                  <a:ea typeface="+mn-ea"/>
+                  <a:cs typeface="+mn-cs"/>
+                </a:defRPr>
+              </a:lvl8pPr>
+              <a:lvl9pPr marL="3657600" algn="l" defTabSz="914400" rtl="0" eaLnBrk="1" latinLnBrk="0" hangingPunct="1">
+                <a:defRPr sz="1800" kern="1200">
+                  <a:solidFill>
+                    <a:schemeClr val="tx1"/>
+                  </a:solidFill>
+                  <a:latin typeface="+mn-lt"/>
+                  <a:ea typeface="+mn-ea"/>
+                  <a:cs typeface="+mn-cs"/>
+                </a:defRPr>
+              </a:lvl9pPr>
+            </a:lstStyle>
+            <a:p>
+              <a:pPr algn="ctr">
+                <a:lnSpc>
+                  <a:spcPct val="100000"/>
+                </a:lnSpc>
+              </a:pPr>
+              <a:r>
+                <a:rPr lang="en-US" sz="1200" b="0" strike="noStrike" spc="-1" dirty="0">
+                  <a:solidFill>
+                    <a:srgbClr val="000000"/>
+                  </a:solidFill>
+                  <a:ea typeface="DejaVu Sans"/>
+                </a:rPr>
+                <a:t>TOSCA</a:t>
+              </a:r>
+            </a:p>
+            <a:p>
+              <a:pPr algn="ctr">
+                <a:lnSpc>
+                  <a:spcPct val="100000"/>
+                </a:lnSpc>
+              </a:pPr>
+              <a:r>
+                <a:rPr lang="en-US" sz="1200" b="0" strike="noStrike" spc="-1" dirty="0">
+                  <a:solidFill>
+                    <a:srgbClr val="000000"/>
+                  </a:solidFill>
+                  <a:ea typeface="DejaVu Sans"/>
+                </a:rPr>
+                <a:t>Templates</a:t>
+              </a:r>
+              <a:endParaRPr lang="en-US" sz="1200" b="0" strike="noStrike" spc="-1" dirty="0"/>
+            </a:p>
+          </p:txBody>
+        </p:sp>
+        <p:sp>
+          <p:nvSpPr>
+            <p:cNvPr id="11" name="CustomShape 11">
+              <a:extLst>
+                <a:ext uri="{FF2B5EF4-FFF2-40B4-BE49-F238E27FC236}">
+                  <a16:creationId xmlns:a16="http://schemas.microsoft.com/office/drawing/2014/main" id="{7EE4D578-672D-851A-AA83-8AD3B4CC418F}"/>
+                </a:ext>
+              </a:extLst>
+            </p:cNvPr>
+            <p:cNvSpPr/>
+            <p:nvPr/>
+          </p:nvSpPr>
+          <p:spPr>
+            <a:xfrm>
+              <a:off x="3666634" y="3655173"/>
+              <a:ext cx="1150886" cy="900000"/>
+            </a:xfrm>
+            <a:prstGeom prst="flowChartDocument">
+              <a:avLst/>
+            </a:prstGeom>
+            <a:gradFill rotWithShape="0">
+              <a:gsLst>
+                <a:gs pos="0">
+                  <a:srgbClr val="D0D0D0"/>
+                </a:gs>
+                <a:gs pos="100000">
+                  <a:srgbClr val="EDEDED"/>
+                </a:gs>
+              </a:gsLst>
+              <a:lin ang="16200000"/>
+            </a:gradFill>
+            <a:ln>
+              <a:solidFill>
+                <a:srgbClr val="000000"/>
+              </a:solidFill>
+              <a:round/>
+            </a:ln>
+            <a:effectLst>
+              <a:outerShdw blurRad="40000" dist="20160" dir="5400000" rotWithShape="0">
+                <a:srgbClr val="000000">
+                  <a:alpha val="38000"/>
+                </a:srgbClr>
+              </a:outerShdw>
+            </a:effectLst>
+          </p:spPr>
+          <p:style>
+            <a:lnRef idx="1">
+              <a:schemeClr val="dk1"/>
+            </a:lnRef>
+            <a:fillRef idx="2">
+              <a:schemeClr val="dk1"/>
+            </a:fillRef>
+            <a:effectRef idx="1">
+              <a:schemeClr val="dk1"/>
+            </a:effectRef>
+            <a:fontRef idx="minor"/>
+          </p:style>
+          <p:txBody>
+            <a:bodyPr lIns="0" tIns="0" rIns="0" bIns="0" anchor="ctr">
+              <a:noAutofit/>
+            </a:bodyPr>
+            <a:lstStyle>
+              <a:defPPr>
+                <a:defRPr lang="en-US"/>
+              </a:defPPr>
+              <a:lvl1pPr marL="0" algn="l" defTabSz="914400" rtl="0" eaLnBrk="1" latinLnBrk="0" hangingPunct="1">
+                <a:defRPr sz="1800" kern="1200">
+                  <a:solidFill>
+                    <a:schemeClr val="tx1"/>
+                  </a:solidFill>
+                  <a:latin typeface="+mn-lt"/>
+                  <a:ea typeface="+mn-ea"/>
+                  <a:cs typeface="+mn-cs"/>
+                </a:defRPr>
+              </a:lvl1pPr>
+              <a:lvl2pPr marL="457200" algn="l" defTabSz="914400" rtl="0" eaLnBrk="1" latinLnBrk="0" hangingPunct="1">
+                <a:defRPr sz="1800" kern="1200">
+                  <a:solidFill>
+                    <a:schemeClr val="tx1"/>
+                  </a:solidFill>
+                  <a:latin typeface="+mn-lt"/>
+                  <a:ea typeface="+mn-ea"/>
+                  <a:cs typeface="+mn-cs"/>
+                </a:defRPr>
+              </a:lvl2pPr>
+              <a:lvl3pPr marL="914400" algn="l" defTabSz="914400" rtl="0" eaLnBrk="1" latinLnBrk="0" hangingPunct="1">
+                <a:defRPr sz="1800" kern="1200">
+                  <a:solidFill>
+                    <a:schemeClr val="tx1"/>
+                  </a:solidFill>
+                  <a:latin typeface="+mn-lt"/>
+                  <a:ea typeface="+mn-ea"/>
+                  <a:cs typeface="+mn-cs"/>
+                </a:defRPr>
+              </a:lvl3pPr>
+              <a:lvl4pPr marL="1371600" algn="l" defTabSz="914400" rtl="0" eaLnBrk="1" latinLnBrk="0" hangingPunct="1">
+                <a:defRPr sz="1800" kern="1200">
+                  <a:solidFill>
+                    <a:schemeClr val="tx1"/>
+                  </a:solidFill>
+                  <a:latin typeface="+mn-lt"/>
+                  <a:ea typeface="+mn-ea"/>
+                  <a:cs typeface="+mn-cs"/>
+                </a:defRPr>
+              </a:lvl4pPr>
+              <a:lvl5pPr marL="1828800" algn="l" defTabSz="914400" rtl="0" eaLnBrk="1" latinLnBrk="0" hangingPunct="1">
+                <a:defRPr sz="1800" kern="1200">
+                  <a:solidFill>
+                    <a:schemeClr val="tx1"/>
+                  </a:solidFill>
+                  <a:latin typeface="+mn-lt"/>
+                  <a:ea typeface="+mn-ea"/>
+                  <a:cs typeface="+mn-cs"/>
+                </a:defRPr>
+              </a:lvl5pPr>
+              <a:lvl6pPr marL="2286000" algn="l" defTabSz="914400" rtl="0" eaLnBrk="1" latinLnBrk="0" hangingPunct="1">
+                <a:defRPr sz="1800" kern="1200">
+                  <a:solidFill>
+                    <a:schemeClr val="tx1"/>
+                  </a:solidFill>
+                  <a:latin typeface="+mn-lt"/>
+                  <a:ea typeface="+mn-ea"/>
+                  <a:cs typeface="+mn-cs"/>
+                </a:defRPr>
+              </a:lvl6pPr>
+              <a:lvl7pPr marL="2743200" algn="l" defTabSz="914400" rtl="0" eaLnBrk="1" latinLnBrk="0" hangingPunct="1">
+                <a:defRPr sz="1800" kern="1200">
+                  <a:solidFill>
+                    <a:schemeClr val="tx1"/>
+                  </a:solidFill>
+                  <a:latin typeface="+mn-lt"/>
+                  <a:ea typeface="+mn-ea"/>
+                  <a:cs typeface="+mn-cs"/>
+                </a:defRPr>
+              </a:lvl7pPr>
+              <a:lvl8pPr marL="3200400" algn="l" defTabSz="914400" rtl="0" eaLnBrk="1" latinLnBrk="0" hangingPunct="1">
+                <a:defRPr sz="1800" kern="1200">
+                  <a:solidFill>
+                    <a:schemeClr val="tx1"/>
+                  </a:solidFill>
+                  <a:latin typeface="+mn-lt"/>
+                  <a:ea typeface="+mn-ea"/>
+                  <a:cs typeface="+mn-cs"/>
+                </a:defRPr>
+              </a:lvl8pPr>
+              <a:lvl9pPr marL="3657600" algn="l" defTabSz="914400" rtl="0" eaLnBrk="1" latinLnBrk="0" hangingPunct="1">
+                <a:defRPr sz="1800" kern="1200">
+                  <a:solidFill>
+                    <a:schemeClr val="tx1"/>
+                  </a:solidFill>
+                  <a:latin typeface="+mn-lt"/>
+                  <a:ea typeface="+mn-ea"/>
+                  <a:cs typeface="+mn-cs"/>
+                </a:defRPr>
+              </a:lvl9pPr>
+            </a:lstStyle>
+            <a:p>
+              <a:pPr algn="ctr">
+                <a:lnSpc>
+                  <a:spcPct val="100000"/>
+                </a:lnSpc>
+              </a:pPr>
+              <a:r>
+                <a:rPr lang="en-US" sz="1200" spc="-1" dirty="0">
+                  <a:solidFill>
+                    <a:srgbClr val="000000"/>
+                  </a:solidFill>
+                </a:rPr>
+                <a:t>TOSCA Types</a:t>
+              </a:r>
+              <a:endParaRPr lang="en-US" sz="1200" b="0" strike="noStrike" spc="-1" dirty="0"/>
+            </a:p>
+          </p:txBody>
+        </p:sp>
+        <p:sp>
+          <p:nvSpPr>
+            <p:cNvPr id="26" name="CustomShape 1">
+              <a:extLst>
+                <a:ext uri="{FF2B5EF4-FFF2-40B4-BE49-F238E27FC236}">
+                  <a16:creationId xmlns:a16="http://schemas.microsoft.com/office/drawing/2014/main" id="{C5D1BDEB-0109-B916-2AB8-2F09D5F85127}"/>
+                </a:ext>
+              </a:extLst>
+            </p:cNvPr>
+            <p:cNvSpPr/>
+            <p:nvPr/>
+          </p:nvSpPr>
+          <p:spPr>
+            <a:xfrm>
+              <a:off x="2536651" y="2207235"/>
+              <a:ext cx="853109" cy="2450478"/>
             </a:xfrm>
             <a:prstGeom prst="rect">
               <a:avLst/>
@@ -6348,8 +6284,410 @@
                     <a:srgbClr val="000000"/>
                   </a:solidFill>
                 </a:rPr>
+                <a:t>Parser / Validator</a:t>
+              </a:r>
+            </a:p>
+          </p:txBody>
+        </p:sp>
+        <p:sp>
+          <p:nvSpPr>
+            <p:cNvPr id="33" name="Line 15">
+              <a:extLst>
+                <a:ext uri="{FF2B5EF4-FFF2-40B4-BE49-F238E27FC236}">
+                  <a16:creationId xmlns:a16="http://schemas.microsoft.com/office/drawing/2014/main" id="{244AC52C-D4F8-BACE-AB1A-555C91BC1304}"/>
+                </a:ext>
+              </a:extLst>
+            </p:cNvPr>
+            <p:cNvSpPr/>
+            <p:nvPr/>
+          </p:nvSpPr>
+          <p:spPr>
+            <a:xfrm flipH="1" flipV="1">
+              <a:off x="3389759" y="2844435"/>
+              <a:ext cx="276875" cy="0"/>
+            </a:xfrm>
+            <a:prstGeom prst="line">
+              <a:avLst/>
+            </a:prstGeom>
+            <a:ln w="28575">
+              <a:solidFill>
+                <a:schemeClr val="tx1"/>
+              </a:solidFill>
+              <a:round/>
+              <a:headEnd type="triangle" w="med" len="med"/>
+              <a:tailEnd type="triangle" w="med" len="med"/>
+            </a:ln>
+          </p:spPr>
+          <p:style>
+            <a:lnRef idx="1">
+              <a:schemeClr val="dk1"/>
+            </a:lnRef>
+            <a:fillRef idx="0">
+              <a:schemeClr val="dk1"/>
+            </a:fillRef>
+            <a:effectRef idx="0">
+              <a:schemeClr val="dk1"/>
+            </a:effectRef>
+            <a:fontRef idx="minor"/>
+          </p:style>
+          <p:txBody>
+            <a:bodyPr/>
+            <a:lstStyle/>
+            <a:p>
+              <a:endParaRPr lang="en-US" sz="1200" dirty="0"/>
+            </a:p>
+          </p:txBody>
+        </p:sp>
+        <p:sp>
+          <p:nvSpPr>
+            <p:cNvPr id="17" name="CustomShape 1">
+              <a:extLst>
+                <a:ext uri="{FF2B5EF4-FFF2-40B4-BE49-F238E27FC236}">
+                  <a16:creationId xmlns:a16="http://schemas.microsoft.com/office/drawing/2014/main" id="{CED8B2F9-986B-BB84-0822-B4BC00B489A2}"/>
+                </a:ext>
+              </a:extLst>
+            </p:cNvPr>
+            <p:cNvSpPr/>
+            <p:nvPr/>
+          </p:nvSpPr>
+          <p:spPr>
+            <a:xfrm>
+              <a:off x="5094398" y="2207235"/>
+              <a:ext cx="853109" cy="1274400"/>
+            </a:xfrm>
+            <a:prstGeom prst="rect">
+              <a:avLst/>
+            </a:prstGeom>
+            <a:solidFill>
+              <a:schemeClr val="bg1"/>
+            </a:solidFill>
+            <a:ln>
+              <a:solidFill>
+                <a:schemeClr val="tx1"/>
+              </a:solidFill>
+              <a:prstDash val="sysDash"/>
+              <a:round/>
+            </a:ln>
+          </p:spPr>
+          <p:style>
+            <a:lnRef idx="2">
+              <a:schemeClr val="accent1">
+                <a:shade val="50000"/>
+              </a:schemeClr>
+            </a:lnRef>
+            <a:fillRef idx="1">
+              <a:schemeClr val="accent1"/>
+            </a:fillRef>
+            <a:effectRef idx="0">
+              <a:schemeClr val="accent1"/>
+            </a:effectRef>
+            <a:fontRef idx="minor"/>
+          </p:style>
+          <p:txBody>
+            <a:bodyPr lIns="0" tIns="45720" rIns="0" bIns="45720">
+              <a:noAutofit/>
+            </a:bodyPr>
+            <a:lstStyle>
+              <a:defPPr>
+                <a:defRPr lang="en-US"/>
+              </a:defPPr>
+              <a:lvl1pPr marL="0" algn="l" defTabSz="914400" rtl="0" eaLnBrk="1" latinLnBrk="0" hangingPunct="1">
+                <a:defRPr sz="1800" kern="1200">
+                  <a:solidFill>
+                    <a:schemeClr val="tx1"/>
+                  </a:solidFill>
+                  <a:latin typeface="+mn-lt"/>
+                  <a:ea typeface="+mn-ea"/>
+                  <a:cs typeface="+mn-cs"/>
+                </a:defRPr>
+              </a:lvl1pPr>
+              <a:lvl2pPr marL="457200" algn="l" defTabSz="914400" rtl="0" eaLnBrk="1" latinLnBrk="0" hangingPunct="1">
+                <a:defRPr sz="1800" kern="1200">
+                  <a:solidFill>
+                    <a:schemeClr val="tx1"/>
+                  </a:solidFill>
+                  <a:latin typeface="+mn-lt"/>
+                  <a:ea typeface="+mn-ea"/>
+                  <a:cs typeface="+mn-cs"/>
+                </a:defRPr>
+              </a:lvl2pPr>
+              <a:lvl3pPr marL="914400" algn="l" defTabSz="914400" rtl="0" eaLnBrk="1" latinLnBrk="0" hangingPunct="1">
+                <a:defRPr sz="1800" kern="1200">
+                  <a:solidFill>
+                    <a:schemeClr val="tx1"/>
+                  </a:solidFill>
+                  <a:latin typeface="+mn-lt"/>
+                  <a:ea typeface="+mn-ea"/>
+                  <a:cs typeface="+mn-cs"/>
+                </a:defRPr>
+              </a:lvl3pPr>
+              <a:lvl4pPr marL="1371600" algn="l" defTabSz="914400" rtl="0" eaLnBrk="1" latinLnBrk="0" hangingPunct="1">
+                <a:defRPr sz="1800" kern="1200">
+                  <a:solidFill>
+                    <a:schemeClr val="tx1"/>
+                  </a:solidFill>
+                  <a:latin typeface="+mn-lt"/>
+                  <a:ea typeface="+mn-ea"/>
+                  <a:cs typeface="+mn-cs"/>
+                </a:defRPr>
+              </a:lvl4pPr>
+              <a:lvl5pPr marL="1828800" algn="l" defTabSz="914400" rtl="0" eaLnBrk="1" latinLnBrk="0" hangingPunct="1">
+                <a:defRPr sz="1800" kern="1200">
+                  <a:solidFill>
+                    <a:schemeClr val="tx1"/>
+                  </a:solidFill>
+                  <a:latin typeface="+mn-lt"/>
+                  <a:ea typeface="+mn-ea"/>
+                  <a:cs typeface="+mn-cs"/>
+                </a:defRPr>
+              </a:lvl5pPr>
+              <a:lvl6pPr marL="2286000" algn="l" defTabSz="914400" rtl="0" eaLnBrk="1" latinLnBrk="0" hangingPunct="1">
+                <a:defRPr sz="1800" kern="1200">
+                  <a:solidFill>
+                    <a:schemeClr val="tx1"/>
+                  </a:solidFill>
+                  <a:latin typeface="+mn-lt"/>
+                  <a:ea typeface="+mn-ea"/>
+                  <a:cs typeface="+mn-cs"/>
+                </a:defRPr>
+              </a:lvl6pPr>
+              <a:lvl7pPr marL="2743200" algn="l" defTabSz="914400" rtl="0" eaLnBrk="1" latinLnBrk="0" hangingPunct="1">
+                <a:defRPr sz="1800" kern="1200">
+                  <a:solidFill>
+                    <a:schemeClr val="tx1"/>
+                  </a:solidFill>
+                  <a:latin typeface="+mn-lt"/>
+                  <a:ea typeface="+mn-ea"/>
+                  <a:cs typeface="+mn-cs"/>
+                </a:defRPr>
+              </a:lvl7pPr>
+              <a:lvl8pPr marL="3200400" algn="l" defTabSz="914400" rtl="0" eaLnBrk="1" latinLnBrk="0" hangingPunct="1">
+                <a:defRPr sz="1800" kern="1200">
+                  <a:solidFill>
+                    <a:schemeClr val="tx1"/>
+                  </a:solidFill>
+                  <a:latin typeface="+mn-lt"/>
+                  <a:ea typeface="+mn-ea"/>
+                  <a:cs typeface="+mn-cs"/>
+                </a:defRPr>
+              </a:lvl8pPr>
+              <a:lvl9pPr marL="3657600" algn="l" defTabSz="914400" rtl="0" eaLnBrk="1" latinLnBrk="0" hangingPunct="1">
+                <a:defRPr sz="1800" kern="1200">
+                  <a:solidFill>
+                    <a:schemeClr val="tx1"/>
+                  </a:solidFill>
+                  <a:latin typeface="+mn-lt"/>
+                  <a:ea typeface="+mn-ea"/>
+                  <a:cs typeface="+mn-cs"/>
+                </a:defRPr>
+              </a:lvl9pPr>
+            </a:lstStyle>
+            <a:p>
+              <a:pPr algn="ctr"/>
+              <a:r>
+                <a:rPr lang="en-US" sz="1200" spc="-1" dirty="0">
+                  <a:solidFill>
+                    <a:srgbClr val="000000"/>
+                  </a:solidFill>
+                </a:rPr>
                 <a:t>Resolver</a:t>
               </a:r>
+            </a:p>
+          </p:txBody>
+        </p:sp>
+        <p:sp>
+          <p:nvSpPr>
+            <p:cNvPr id="4" name="Line 15">
+              <a:extLst>
+                <a:ext uri="{FF2B5EF4-FFF2-40B4-BE49-F238E27FC236}">
+                  <a16:creationId xmlns:a16="http://schemas.microsoft.com/office/drawing/2014/main" id="{3C6FE04C-D3E7-4078-F4A9-8F6D7875909A}"/>
+                </a:ext>
+              </a:extLst>
+            </p:cNvPr>
+            <p:cNvSpPr/>
+            <p:nvPr/>
+          </p:nvSpPr>
+          <p:spPr>
+            <a:xfrm flipH="1">
+              <a:off x="4234660" y="3263840"/>
+              <a:ext cx="0" cy="391332"/>
+            </a:xfrm>
+            <a:prstGeom prst="line">
+              <a:avLst/>
+            </a:prstGeom>
+            <a:ln w="28575">
+              <a:solidFill>
+                <a:schemeClr val="tx1"/>
+              </a:solidFill>
+              <a:round/>
+              <a:headEnd type="triangle" w="med" len="med"/>
+              <a:tailEnd type="none" w="med" len="med"/>
+            </a:ln>
+          </p:spPr>
+          <p:style>
+            <a:lnRef idx="1">
+              <a:schemeClr val="dk1"/>
+            </a:lnRef>
+            <a:fillRef idx="0">
+              <a:schemeClr val="dk1"/>
+            </a:fillRef>
+            <a:effectRef idx="0">
+              <a:schemeClr val="dk1"/>
+            </a:effectRef>
+            <a:fontRef idx="minor"/>
+          </p:style>
+          <p:txBody>
+            <a:bodyPr/>
+            <a:lstStyle/>
+            <a:p>
+              <a:endParaRPr lang="en-US" sz="1200" dirty="0"/>
+            </a:p>
+          </p:txBody>
+        </p:sp>
+        <p:sp>
+          <p:nvSpPr>
+            <p:cNvPr id="5" name="Line 15">
+              <a:extLst>
+                <a:ext uri="{FF2B5EF4-FFF2-40B4-BE49-F238E27FC236}">
+                  <a16:creationId xmlns:a16="http://schemas.microsoft.com/office/drawing/2014/main" id="{51068BD1-0894-8D82-7117-E303FCADFC48}"/>
+                </a:ext>
+              </a:extLst>
+            </p:cNvPr>
+            <p:cNvSpPr/>
+            <p:nvPr/>
+          </p:nvSpPr>
+          <p:spPr>
+            <a:xfrm flipH="1" flipV="1">
+              <a:off x="3389759" y="4095265"/>
+              <a:ext cx="276875" cy="0"/>
+            </a:xfrm>
+            <a:prstGeom prst="line">
+              <a:avLst/>
+            </a:prstGeom>
+            <a:ln w="28575">
+              <a:solidFill>
+                <a:schemeClr val="tx1"/>
+              </a:solidFill>
+              <a:round/>
+              <a:headEnd type="triangle" w="med" len="med"/>
+              <a:tailEnd type="triangle" w="med" len="med"/>
+            </a:ln>
+          </p:spPr>
+          <p:style>
+            <a:lnRef idx="1">
+              <a:schemeClr val="dk1"/>
+            </a:lnRef>
+            <a:fillRef idx="0">
+              <a:schemeClr val="dk1"/>
+            </a:fillRef>
+            <a:effectRef idx="0">
+              <a:schemeClr val="dk1"/>
+            </a:effectRef>
+            <a:fontRef idx="minor"/>
+          </p:style>
+          <p:txBody>
+            <a:bodyPr/>
+            <a:lstStyle/>
+            <a:p>
+              <a:endParaRPr lang="en-US" sz="1200" dirty="0"/>
+            </a:p>
+          </p:txBody>
+        </p:sp>
+        <p:sp>
+          <p:nvSpPr>
+            <p:cNvPr id="6" name="Line 15">
+              <a:extLst>
+                <a:ext uri="{FF2B5EF4-FFF2-40B4-BE49-F238E27FC236}">
+                  <a16:creationId xmlns:a16="http://schemas.microsoft.com/office/drawing/2014/main" id="{DFF7597E-4A5C-2D07-BB1F-446292419C3B}"/>
+                </a:ext>
+              </a:extLst>
+            </p:cNvPr>
+            <p:cNvSpPr/>
+            <p:nvPr/>
+          </p:nvSpPr>
+          <p:spPr>
+            <a:xfrm flipH="1" flipV="1">
+              <a:off x="4817523" y="2844435"/>
+              <a:ext cx="276875" cy="0"/>
+            </a:xfrm>
+            <a:prstGeom prst="line">
+              <a:avLst/>
+            </a:prstGeom>
+            <a:ln w="28575">
+              <a:solidFill>
+                <a:schemeClr val="tx1"/>
+              </a:solidFill>
+              <a:round/>
+              <a:headEnd type="triangle" w="med" len="med"/>
+              <a:tailEnd type="triangle" w="med" len="med"/>
+            </a:ln>
+          </p:spPr>
+          <p:style>
+            <a:lnRef idx="1">
+              <a:schemeClr val="dk1"/>
+            </a:lnRef>
+            <a:fillRef idx="0">
+              <a:schemeClr val="dk1"/>
+            </a:fillRef>
+            <a:effectRef idx="0">
+              <a:schemeClr val="dk1"/>
+            </a:effectRef>
+            <a:fontRef idx="minor"/>
+          </p:style>
+          <p:txBody>
+            <a:bodyPr/>
+            <a:lstStyle/>
+            <a:p>
+              <a:endParaRPr lang="en-US" sz="1200" dirty="0"/>
+            </a:p>
+          </p:txBody>
+        </p:sp>
+        <p:sp>
+          <p:nvSpPr>
+            <p:cNvPr id="8" name="Line 15">
+              <a:extLst>
+                <a:ext uri="{FF2B5EF4-FFF2-40B4-BE49-F238E27FC236}">
+                  <a16:creationId xmlns:a16="http://schemas.microsoft.com/office/drawing/2014/main" id="{8D3C4809-48CE-FF49-9EDD-77EC63BF7C88}"/>
+                </a:ext>
+              </a:extLst>
+            </p:cNvPr>
+            <p:cNvSpPr/>
+            <p:nvPr/>
+          </p:nvSpPr>
+          <p:spPr>
+            <a:xfrm flipH="1" flipV="1">
+              <a:off x="5947507" y="2844435"/>
+              <a:ext cx="276875" cy="0"/>
+            </a:xfrm>
+            <a:prstGeom prst="line">
+              <a:avLst/>
+            </a:prstGeom>
+            <a:ln w="28575">
+              <a:solidFill>
+                <a:schemeClr val="tx1"/>
+              </a:solidFill>
+              <a:round/>
+              <a:headEnd type="triangle" w="med" len="med"/>
+              <a:tailEnd type="triangle" w="med" len="med"/>
+            </a:ln>
+          </p:spPr>
+          <p:style>
+            <a:lnRef idx="1">
+              <a:schemeClr val="dk1"/>
+            </a:lnRef>
+            <a:fillRef idx="0">
+              <a:schemeClr val="dk1"/>
+            </a:fillRef>
+            <a:effectRef idx="0">
+              <a:schemeClr val="dk1"/>
+            </a:effectRef>
+            <a:fontRef idx="minor"/>
+          </p:style>
+          <p:txBody>
+            <a:bodyPr/>
+            <a:lstStyle/>
+            <a:p>
+              <a:endParaRPr lang="en-US" sz="1200" dirty="0"/>
             </a:p>
           </p:txBody>
         </p:sp>
@@ -6357,7 +6695,7 @@
     </p:spTree>
     <p:extLst>
       <p:ext uri="{BB962C8B-B14F-4D97-AF65-F5344CB8AC3E}">
-        <p14:creationId xmlns:p14="http://schemas.microsoft.com/office/powerpoint/2010/main" val="695774222"/>
+        <p14:creationId xmlns:p14="http://schemas.microsoft.com/office/powerpoint/2010/main" val="3165061937"/>
       </p:ext>
     </p:extLst>
   </p:cSld>
@@ -6386,10 +6724,10 @@
       </p:grpSpPr>
       <p:grpSp>
         <p:nvGrpSpPr>
-          <p:cNvPr id="38" name="Group 37">
+          <p:cNvPr id="13" name="Group 12">
             <a:extLst>
               <a:ext uri="{FF2B5EF4-FFF2-40B4-BE49-F238E27FC236}">
-                <a16:creationId xmlns:a16="http://schemas.microsoft.com/office/drawing/2014/main" id="{E9627A2F-5930-8A35-734E-A91ADE8800D1}"/>
+                <a16:creationId xmlns:a16="http://schemas.microsoft.com/office/drawing/2014/main" id="{32B0796D-6E9E-B584-7FF6-9E67844A122E}"/>
               </a:ext>
             </a:extLst>
           </p:cNvPr>
@@ -6398,10 +6736,10 @@
         </p:nvGrpSpPr>
         <p:grpSpPr>
           <a:xfrm>
-            <a:off x="1634811" y="2362272"/>
-            <a:ext cx="8922378" cy="2133457"/>
-            <a:chOff x="1079927" y="2316486"/>
-            <a:chExt cx="8922378" cy="2133457"/>
+            <a:off x="2258985" y="1964908"/>
+            <a:ext cx="7674030" cy="2928184"/>
+            <a:chOff x="2883159" y="2362273"/>
+            <a:chExt cx="7674030" cy="2928184"/>
           </a:xfrm>
         </p:grpSpPr>
         <p:sp>
@@ -6418,8 +6756,8 @@
           </p:nvSpPr>
           <p:spPr>
             <a:xfrm>
-              <a:off x="1079927" y="2316486"/>
-              <a:ext cx="5909958" cy="2133457"/>
+              <a:off x="2883159" y="2362273"/>
+              <a:ext cx="4661609" cy="2928184"/>
             </a:xfrm>
             <a:prstGeom prst="rect">
               <a:avLst/>
@@ -6448,7 +6786,7 @@
             <a:fontRef idx="minor"/>
           </p:style>
           <p:txBody>
-            <a:bodyPr lIns="90000" tIns="45000" rIns="90000" bIns="45000">
+            <a:bodyPr lIns="90000" tIns="45000" rIns="90000" bIns="45000" anchor="b" anchorCtr="0">
               <a:noAutofit/>
             </a:bodyPr>
             <a:lstStyle>
@@ -6547,7 +6885,7 @@
               </a:lvl9pPr>
             </a:lstStyle>
             <a:p>
-              <a:pPr>
+              <a:pPr algn="r">
                 <a:lnSpc>
                   <a:spcPct val="100000"/>
                 </a:lnSpc>
@@ -6559,1404 +6897,1574 @@
                   </a:solidFill>
                   <a:ea typeface="DejaVu Sans"/>
                 </a:rPr>
-                <a:t>TOSCA Processor</a:t>
+                <a:t>TOSCA</a:t>
+              </a:r>
+            </a:p>
+            <a:p>
+              <a:pPr algn="r">
+                <a:lnSpc>
+                  <a:spcPct val="100000"/>
+                </a:lnSpc>
+              </a:pPr>
+              <a:r>
+                <a:rPr lang="en-US" sz="1400" b="0" strike="noStrike" spc="-1" dirty="0">
+                  <a:solidFill>
+                    <a:srgbClr val="000000"/>
+                  </a:solidFill>
+                  <a:ea typeface="DejaVu Sans"/>
+                </a:rPr>
+                <a:t>Processor</a:t>
               </a:r>
               <a:endParaRPr lang="en-US" sz="1400" b="0" strike="noStrike" spc="-1" dirty="0"/>
             </a:p>
           </p:txBody>
         </p:sp>
-        <p:grpSp>
-          <p:nvGrpSpPr>
-            <p:cNvPr id="37" name="Group 36">
+        <p:sp>
+          <p:nvSpPr>
+            <p:cNvPr id="10" name="CustomShape 11">
               <a:extLst>
                 <a:ext uri="{FF2B5EF4-FFF2-40B4-BE49-F238E27FC236}">
-                  <a16:creationId xmlns:a16="http://schemas.microsoft.com/office/drawing/2014/main" id="{673E2158-2E13-A92E-493D-409E8A52987F}"/>
+                  <a16:creationId xmlns:a16="http://schemas.microsoft.com/office/drawing/2014/main" id="{DD26562F-EFEA-4CF0-88EC-A28513A0933F}"/>
                 </a:ext>
               </a:extLst>
             </p:cNvPr>
-            <p:cNvGrpSpPr/>
+            <p:cNvSpPr/>
             <p:nvPr/>
-          </p:nvGrpSpPr>
-          <p:grpSpPr>
+          </p:nvSpPr>
+          <p:spPr>
             <a:xfrm>
-              <a:off x="1643995" y="2558814"/>
-              <a:ext cx="8358310" cy="1648800"/>
-              <a:chOff x="1643995" y="2575311"/>
-              <a:chExt cx="8358310" cy="1648800"/>
+              <a:off x="6848557" y="2791800"/>
+              <a:ext cx="1150886" cy="900000"/>
             </a:xfrm>
-          </p:grpSpPr>
-          <p:sp>
-            <p:nvSpPr>
-              <p:cNvPr id="10" name="CustomShape 11">
-                <a:extLst>
-                  <a:ext uri="{FF2B5EF4-FFF2-40B4-BE49-F238E27FC236}">
-                    <a16:creationId xmlns:a16="http://schemas.microsoft.com/office/drawing/2014/main" id="{DD26562F-EFEA-4CF0-88EC-A28513A0933F}"/>
-                  </a:ext>
-                </a:extLst>
-              </p:cNvPr>
-              <p:cNvSpPr/>
-              <p:nvPr/>
-            </p:nvSpPr>
-            <p:spPr>
-              <a:xfrm>
-                <a:off x="6448943" y="2949711"/>
-                <a:ext cx="1150886" cy="900000"/>
-              </a:xfrm>
-              <a:prstGeom prst="flowChartDocument">
-                <a:avLst/>
-              </a:prstGeom>
-              <a:gradFill rotWithShape="0">
-                <a:gsLst>
-                  <a:gs pos="0">
-                    <a:srgbClr val="D0D0D0"/>
-                  </a:gs>
-                  <a:gs pos="100000">
-                    <a:srgbClr val="EDEDED"/>
-                  </a:gs>
-                </a:gsLst>
-                <a:lin ang="16200000"/>
-              </a:gradFill>
-              <a:ln>
-                <a:solidFill>
-                  <a:srgbClr val="000000"/>
-                </a:solidFill>
-                <a:round/>
-              </a:ln>
-              <a:effectLst>
-                <a:outerShdw blurRad="40000" dist="20160" dir="5400000" rotWithShape="0">
-                  <a:srgbClr val="000000">
-                    <a:alpha val="38000"/>
-                  </a:srgbClr>
-                </a:outerShdw>
-              </a:effectLst>
-            </p:spPr>
-            <p:style>
-              <a:lnRef idx="1">
-                <a:schemeClr val="dk1"/>
-              </a:lnRef>
-              <a:fillRef idx="2">
-                <a:schemeClr val="dk1"/>
-              </a:fillRef>
-              <a:effectRef idx="1">
-                <a:schemeClr val="dk1"/>
-              </a:effectRef>
-              <a:fontRef idx="minor"/>
-            </p:style>
-            <p:txBody>
-              <a:bodyPr lIns="0" tIns="0" rIns="0" bIns="0" anchor="ctr">
-                <a:noAutofit/>
-              </a:bodyPr>
-              <a:lstStyle>
-                <a:defPPr>
-                  <a:defRPr lang="en-US"/>
-                </a:defPPr>
-                <a:lvl1pPr marL="0" algn="l" defTabSz="914400" rtl="0" eaLnBrk="1" latinLnBrk="0" hangingPunct="1">
-                  <a:defRPr sz="1800" kern="1200">
-                    <a:solidFill>
-                      <a:schemeClr val="tx1"/>
-                    </a:solidFill>
-                    <a:latin typeface="+mn-lt"/>
-                    <a:ea typeface="+mn-ea"/>
-                    <a:cs typeface="+mn-cs"/>
-                  </a:defRPr>
-                </a:lvl1pPr>
-                <a:lvl2pPr marL="457200" algn="l" defTabSz="914400" rtl="0" eaLnBrk="1" latinLnBrk="0" hangingPunct="1">
-                  <a:defRPr sz="1800" kern="1200">
-                    <a:solidFill>
-                      <a:schemeClr val="tx1"/>
-                    </a:solidFill>
-                    <a:latin typeface="+mn-lt"/>
-                    <a:ea typeface="+mn-ea"/>
-                    <a:cs typeface="+mn-cs"/>
-                  </a:defRPr>
-                </a:lvl2pPr>
-                <a:lvl3pPr marL="914400" algn="l" defTabSz="914400" rtl="0" eaLnBrk="1" latinLnBrk="0" hangingPunct="1">
-                  <a:defRPr sz="1800" kern="1200">
-                    <a:solidFill>
-                      <a:schemeClr val="tx1"/>
-                    </a:solidFill>
-                    <a:latin typeface="+mn-lt"/>
-                    <a:ea typeface="+mn-ea"/>
-                    <a:cs typeface="+mn-cs"/>
-                  </a:defRPr>
-                </a:lvl3pPr>
-                <a:lvl4pPr marL="1371600" algn="l" defTabSz="914400" rtl="0" eaLnBrk="1" latinLnBrk="0" hangingPunct="1">
-                  <a:defRPr sz="1800" kern="1200">
-                    <a:solidFill>
-                      <a:schemeClr val="tx1"/>
-                    </a:solidFill>
-                    <a:latin typeface="+mn-lt"/>
-                    <a:ea typeface="+mn-ea"/>
-                    <a:cs typeface="+mn-cs"/>
-                  </a:defRPr>
-                </a:lvl4pPr>
-                <a:lvl5pPr marL="1828800" algn="l" defTabSz="914400" rtl="0" eaLnBrk="1" latinLnBrk="0" hangingPunct="1">
-                  <a:defRPr sz="1800" kern="1200">
-                    <a:solidFill>
-                      <a:schemeClr val="tx1"/>
-                    </a:solidFill>
-                    <a:latin typeface="+mn-lt"/>
-                    <a:ea typeface="+mn-ea"/>
-                    <a:cs typeface="+mn-cs"/>
-                  </a:defRPr>
-                </a:lvl5pPr>
-                <a:lvl6pPr marL="2286000" algn="l" defTabSz="914400" rtl="0" eaLnBrk="1" latinLnBrk="0" hangingPunct="1">
-                  <a:defRPr sz="1800" kern="1200">
-                    <a:solidFill>
-                      <a:schemeClr val="tx1"/>
-                    </a:solidFill>
-                    <a:latin typeface="+mn-lt"/>
-                    <a:ea typeface="+mn-ea"/>
-                    <a:cs typeface="+mn-cs"/>
-                  </a:defRPr>
-                </a:lvl6pPr>
-                <a:lvl7pPr marL="2743200" algn="l" defTabSz="914400" rtl="0" eaLnBrk="1" latinLnBrk="0" hangingPunct="1">
-                  <a:defRPr sz="1800" kern="1200">
-                    <a:solidFill>
-                      <a:schemeClr val="tx1"/>
-                    </a:solidFill>
-                    <a:latin typeface="+mn-lt"/>
-                    <a:ea typeface="+mn-ea"/>
-                    <a:cs typeface="+mn-cs"/>
-                  </a:defRPr>
-                </a:lvl7pPr>
-                <a:lvl8pPr marL="3200400" algn="l" defTabSz="914400" rtl="0" eaLnBrk="1" latinLnBrk="0" hangingPunct="1">
-                  <a:defRPr sz="1800" kern="1200">
-                    <a:solidFill>
-                      <a:schemeClr val="tx1"/>
-                    </a:solidFill>
-                    <a:latin typeface="+mn-lt"/>
-                    <a:ea typeface="+mn-ea"/>
-                    <a:cs typeface="+mn-cs"/>
-                  </a:defRPr>
-                </a:lvl8pPr>
-                <a:lvl9pPr marL="3657600" algn="l" defTabSz="914400" rtl="0" eaLnBrk="1" latinLnBrk="0" hangingPunct="1">
-                  <a:defRPr sz="1800" kern="1200">
-                    <a:solidFill>
-                      <a:schemeClr val="tx1"/>
-                    </a:solidFill>
-                    <a:latin typeface="+mn-lt"/>
-                    <a:ea typeface="+mn-ea"/>
-                    <a:cs typeface="+mn-cs"/>
-                  </a:defRPr>
-                </a:lvl9pPr>
-              </a:lstStyle>
-              <a:p>
-                <a:pPr algn="ctr">
-                  <a:lnSpc>
-                    <a:spcPct val="100000"/>
-                  </a:lnSpc>
-                </a:pPr>
-                <a:r>
-                  <a:rPr lang="en-US" sz="1200" b="0" strike="noStrike" spc="-1" dirty="0">
-                    <a:solidFill>
-                      <a:srgbClr val="000000"/>
-                    </a:solidFill>
-                    <a:ea typeface="DejaVu Sans"/>
-                  </a:rPr>
-                  <a:t>Representations</a:t>
-                </a:r>
-                <a:endParaRPr lang="en-US" sz="1200" b="0" strike="noStrike" spc="-1" dirty="0"/>
-              </a:p>
-            </p:txBody>
-          </p:sp>
-          <p:sp>
-            <p:nvSpPr>
-              <p:cNvPr id="30" name="CustomShape 11">
-                <a:extLst>
-                  <a:ext uri="{FF2B5EF4-FFF2-40B4-BE49-F238E27FC236}">
-                    <a16:creationId xmlns:a16="http://schemas.microsoft.com/office/drawing/2014/main" id="{FBA76B51-6663-4800-818C-6E5CED8DD566}"/>
-                  </a:ext>
-                </a:extLst>
-              </p:cNvPr>
-              <p:cNvSpPr/>
-              <p:nvPr/>
-            </p:nvSpPr>
-            <p:spPr>
-              <a:xfrm>
-                <a:off x="8851419" y="2949711"/>
-                <a:ext cx="1150886" cy="900000"/>
-              </a:xfrm>
-              <a:prstGeom prst="flowChartDocument">
-                <a:avLst/>
-              </a:prstGeom>
-              <a:gradFill rotWithShape="0">
-                <a:gsLst>
-                  <a:gs pos="0">
-                    <a:srgbClr val="D0D0D0"/>
-                  </a:gs>
-                  <a:gs pos="100000">
-                    <a:srgbClr val="EDEDED"/>
-                  </a:gs>
-                </a:gsLst>
-                <a:lin ang="16200000"/>
-              </a:gradFill>
-              <a:ln>
-                <a:solidFill>
-                  <a:srgbClr val="000000"/>
-                </a:solidFill>
-                <a:round/>
-              </a:ln>
-              <a:effectLst>
-                <a:outerShdw blurRad="40000" dist="20160" dir="5400000" rotWithShape="0">
-                  <a:srgbClr val="000000">
-                    <a:alpha val="38000"/>
-                  </a:srgbClr>
-                </a:outerShdw>
-              </a:effectLst>
-            </p:spPr>
-            <p:style>
-              <a:lnRef idx="1">
-                <a:schemeClr val="dk1"/>
-              </a:lnRef>
-              <a:fillRef idx="2">
-                <a:schemeClr val="dk1"/>
-              </a:fillRef>
-              <a:effectRef idx="1">
-                <a:schemeClr val="dk1"/>
-              </a:effectRef>
-              <a:fontRef idx="minor"/>
-            </p:style>
-            <p:txBody>
-              <a:bodyPr lIns="0" tIns="0" rIns="0" bIns="0" anchor="ctr">
-                <a:noAutofit/>
-              </a:bodyPr>
-              <a:lstStyle>
-                <a:defPPr>
-                  <a:defRPr lang="en-US"/>
-                </a:defPPr>
-                <a:lvl1pPr marL="0" algn="l" defTabSz="914400" rtl="0" eaLnBrk="1" latinLnBrk="0" hangingPunct="1">
-                  <a:defRPr sz="1800" kern="1200">
-                    <a:solidFill>
-                      <a:schemeClr val="tx1"/>
-                    </a:solidFill>
-                    <a:latin typeface="+mn-lt"/>
-                    <a:ea typeface="+mn-ea"/>
-                    <a:cs typeface="+mn-cs"/>
-                  </a:defRPr>
-                </a:lvl1pPr>
-                <a:lvl2pPr marL="457200" algn="l" defTabSz="914400" rtl="0" eaLnBrk="1" latinLnBrk="0" hangingPunct="1">
-                  <a:defRPr sz="1800" kern="1200">
-                    <a:solidFill>
-                      <a:schemeClr val="tx1"/>
-                    </a:solidFill>
-                    <a:latin typeface="+mn-lt"/>
-                    <a:ea typeface="+mn-ea"/>
-                    <a:cs typeface="+mn-cs"/>
-                  </a:defRPr>
-                </a:lvl2pPr>
-                <a:lvl3pPr marL="914400" algn="l" defTabSz="914400" rtl="0" eaLnBrk="1" latinLnBrk="0" hangingPunct="1">
-                  <a:defRPr sz="1800" kern="1200">
-                    <a:solidFill>
-                      <a:schemeClr val="tx1"/>
-                    </a:solidFill>
-                    <a:latin typeface="+mn-lt"/>
-                    <a:ea typeface="+mn-ea"/>
-                    <a:cs typeface="+mn-cs"/>
-                  </a:defRPr>
-                </a:lvl3pPr>
-                <a:lvl4pPr marL="1371600" algn="l" defTabSz="914400" rtl="0" eaLnBrk="1" latinLnBrk="0" hangingPunct="1">
-                  <a:defRPr sz="1800" kern="1200">
-                    <a:solidFill>
-                      <a:schemeClr val="tx1"/>
-                    </a:solidFill>
-                    <a:latin typeface="+mn-lt"/>
-                    <a:ea typeface="+mn-ea"/>
-                    <a:cs typeface="+mn-cs"/>
-                  </a:defRPr>
-                </a:lvl4pPr>
-                <a:lvl5pPr marL="1828800" algn="l" defTabSz="914400" rtl="0" eaLnBrk="1" latinLnBrk="0" hangingPunct="1">
-                  <a:defRPr sz="1800" kern="1200">
-                    <a:solidFill>
-                      <a:schemeClr val="tx1"/>
-                    </a:solidFill>
-                    <a:latin typeface="+mn-lt"/>
-                    <a:ea typeface="+mn-ea"/>
-                    <a:cs typeface="+mn-cs"/>
-                  </a:defRPr>
-                </a:lvl5pPr>
-                <a:lvl6pPr marL="2286000" algn="l" defTabSz="914400" rtl="0" eaLnBrk="1" latinLnBrk="0" hangingPunct="1">
-                  <a:defRPr sz="1800" kern="1200">
-                    <a:solidFill>
-                      <a:schemeClr val="tx1"/>
-                    </a:solidFill>
-                    <a:latin typeface="+mn-lt"/>
-                    <a:ea typeface="+mn-ea"/>
-                    <a:cs typeface="+mn-cs"/>
-                  </a:defRPr>
-                </a:lvl6pPr>
-                <a:lvl7pPr marL="2743200" algn="l" defTabSz="914400" rtl="0" eaLnBrk="1" latinLnBrk="0" hangingPunct="1">
-                  <a:defRPr sz="1800" kern="1200">
-                    <a:solidFill>
-                      <a:schemeClr val="tx1"/>
-                    </a:solidFill>
-                    <a:latin typeface="+mn-lt"/>
-                    <a:ea typeface="+mn-ea"/>
-                    <a:cs typeface="+mn-cs"/>
-                  </a:defRPr>
-                </a:lvl7pPr>
-                <a:lvl8pPr marL="3200400" algn="l" defTabSz="914400" rtl="0" eaLnBrk="1" latinLnBrk="0" hangingPunct="1">
-                  <a:defRPr sz="1800" kern="1200">
-                    <a:solidFill>
-                      <a:schemeClr val="tx1"/>
-                    </a:solidFill>
-                    <a:latin typeface="+mn-lt"/>
-                    <a:ea typeface="+mn-ea"/>
-                    <a:cs typeface="+mn-cs"/>
-                  </a:defRPr>
-                </a:lvl8pPr>
-                <a:lvl9pPr marL="3657600" algn="l" defTabSz="914400" rtl="0" eaLnBrk="1" latinLnBrk="0" hangingPunct="1">
-                  <a:defRPr sz="1800" kern="1200">
-                    <a:solidFill>
-                      <a:schemeClr val="tx1"/>
-                    </a:solidFill>
-                    <a:latin typeface="+mn-lt"/>
-                    <a:ea typeface="+mn-ea"/>
-                    <a:cs typeface="+mn-cs"/>
-                  </a:defRPr>
-                </a:lvl9pPr>
-              </a:lstStyle>
-              <a:p>
-                <a:pPr algn="ctr">
-                  <a:lnSpc>
-                    <a:spcPct val="100000"/>
-                  </a:lnSpc>
-                </a:pPr>
-                <a:r>
-                  <a:rPr lang="en-US" sz="1200" b="0" strike="noStrike" spc="-1" dirty="0">
-                    <a:solidFill>
-                      <a:srgbClr val="000000"/>
-                    </a:solidFill>
-                    <a:ea typeface="DejaVu Sans"/>
-                  </a:rPr>
-                  <a:t>External</a:t>
-                </a:r>
-                <a:endParaRPr lang="en-US" sz="1200" b="0" strike="noStrike" spc="-1" dirty="0"/>
-              </a:p>
-              <a:p>
-                <a:pPr algn="ctr">
-                  <a:lnSpc>
-                    <a:spcPct val="100000"/>
-                  </a:lnSpc>
-                </a:pPr>
-                <a:r>
-                  <a:rPr lang="en-US" sz="1200" b="0" strike="noStrike" spc="-1" dirty="0">
-                    <a:solidFill>
-                      <a:srgbClr val="000000"/>
-                    </a:solidFill>
-                    <a:ea typeface="DejaVu Sans"/>
-                  </a:rPr>
-                  <a:t>Implementations</a:t>
-                </a:r>
-                <a:endParaRPr lang="en-US" sz="1200" b="0" strike="noStrike" spc="-1" dirty="0"/>
-              </a:p>
-            </p:txBody>
-          </p:sp>
-          <p:sp>
-            <p:nvSpPr>
-              <p:cNvPr id="7" name="CustomShape 11">
-                <a:extLst>
-                  <a:ext uri="{FF2B5EF4-FFF2-40B4-BE49-F238E27FC236}">
-                    <a16:creationId xmlns:a16="http://schemas.microsoft.com/office/drawing/2014/main" id="{8E87E5F8-3B0F-93DE-850A-A345C5FF6798}"/>
-                  </a:ext>
-                </a:extLst>
-              </p:cNvPr>
-              <p:cNvSpPr/>
-              <p:nvPr/>
-            </p:nvSpPr>
-            <p:spPr>
-              <a:xfrm>
-                <a:off x="4046469" y="2949711"/>
-                <a:ext cx="1150886" cy="900000"/>
-              </a:xfrm>
-              <a:prstGeom prst="flowChartDocument">
-                <a:avLst/>
-              </a:prstGeom>
-              <a:gradFill rotWithShape="0">
-                <a:gsLst>
-                  <a:gs pos="0">
-                    <a:srgbClr val="D0D0D0"/>
-                  </a:gs>
-                  <a:gs pos="100000">
-                    <a:srgbClr val="EDEDED"/>
-                  </a:gs>
-                </a:gsLst>
-                <a:lin ang="16200000"/>
-              </a:gradFill>
-              <a:ln>
-                <a:solidFill>
-                  <a:srgbClr val="000000"/>
-                </a:solidFill>
-                <a:round/>
-              </a:ln>
-              <a:effectLst>
-                <a:outerShdw blurRad="40000" dist="20160" dir="5400000" rotWithShape="0">
-                  <a:srgbClr val="000000">
-                    <a:alpha val="38000"/>
-                  </a:srgbClr>
-                </a:outerShdw>
-              </a:effectLst>
-            </p:spPr>
-            <p:style>
-              <a:lnRef idx="1">
-                <a:schemeClr val="dk1"/>
-              </a:lnRef>
-              <a:fillRef idx="2">
-                <a:schemeClr val="dk1"/>
-              </a:fillRef>
-              <a:effectRef idx="1">
-                <a:schemeClr val="dk1"/>
-              </a:effectRef>
-              <a:fontRef idx="minor"/>
-            </p:style>
-            <p:txBody>
-              <a:bodyPr lIns="0" tIns="0" rIns="0" bIns="0" anchor="ctr">
-                <a:noAutofit/>
-              </a:bodyPr>
-              <a:lstStyle>
-                <a:defPPr>
-                  <a:defRPr lang="en-US"/>
-                </a:defPPr>
-                <a:lvl1pPr marL="0" algn="l" defTabSz="914400" rtl="0" eaLnBrk="1" latinLnBrk="0" hangingPunct="1">
-                  <a:defRPr sz="1800" kern="1200">
-                    <a:solidFill>
-                      <a:schemeClr val="tx1"/>
-                    </a:solidFill>
-                    <a:latin typeface="+mn-lt"/>
-                    <a:ea typeface="+mn-ea"/>
-                    <a:cs typeface="+mn-cs"/>
-                  </a:defRPr>
-                </a:lvl1pPr>
-                <a:lvl2pPr marL="457200" algn="l" defTabSz="914400" rtl="0" eaLnBrk="1" latinLnBrk="0" hangingPunct="1">
-                  <a:defRPr sz="1800" kern="1200">
-                    <a:solidFill>
-                      <a:schemeClr val="tx1"/>
-                    </a:solidFill>
-                    <a:latin typeface="+mn-lt"/>
-                    <a:ea typeface="+mn-ea"/>
-                    <a:cs typeface="+mn-cs"/>
-                  </a:defRPr>
-                </a:lvl2pPr>
-                <a:lvl3pPr marL="914400" algn="l" defTabSz="914400" rtl="0" eaLnBrk="1" latinLnBrk="0" hangingPunct="1">
-                  <a:defRPr sz="1800" kern="1200">
-                    <a:solidFill>
-                      <a:schemeClr val="tx1"/>
-                    </a:solidFill>
-                    <a:latin typeface="+mn-lt"/>
-                    <a:ea typeface="+mn-ea"/>
-                    <a:cs typeface="+mn-cs"/>
-                  </a:defRPr>
-                </a:lvl3pPr>
-                <a:lvl4pPr marL="1371600" algn="l" defTabSz="914400" rtl="0" eaLnBrk="1" latinLnBrk="0" hangingPunct="1">
-                  <a:defRPr sz="1800" kern="1200">
-                    <a:solidFill>
-                      <a:schemeClr val="tx1"/>
-                    </a:solidFill>
-                    <a:latin typeface="+mn-lt"/>
-                    <a:ea typeface="+mn-ea"/>
-                    <a:cs typeface="+mn-cs"/>
-                  </a:defRPr>
-                </a:lvl4pPr>
-                <a:lvl5pPr marL="1828800" algn="l" defTabSz="914400" rtl="0" eaLnBrk="1" latinLnBrk="0" hangingPunct="1">
-                  <a:defRPr sz="1800" kern="1200">
-                    <a:solidFill>
-                      <a:schemeClr val="tx1"/>
-                    </a:solidFill>
-                    <a:latin typeface="+mn-lt"/>
-                    <a:ea typeface="+mn-ea"/>
-                    <a:cs typeface="+mn-cs"/>
-                  </a:defRPr>
-                </a:lvl5pPr>
-                <a:lvl6pPr marL="2286000" algn="l" defTabSz="914400" rtl="0" eaLnBrk="1" latinLnBrk="0" hangingPunct="1">
-                  <a:defRPr sz="1800" kern="1200">
-                    <a:solidFill>
-                      <a:schemeClr val="tx1"/>
-                    </a:solidFill>
-                    <a:latin typeface="+mn-lt"/>
-                    <a:ea typeface="+mn-ea"/>
-                    <a:cs typeface="+mn-cs"/>
-                  </a:defRPr>
-                </a:lvl6pPr>
-                <a:lvl7pPr marL="2743200" algn="l" defTabSz="914400" rtl="0" eaLnBrk="1" latinLnBrk="0" hangingPunct="1">
-                  <a:defRPr sz="1800" kern="1200">
-                    <a:solidFill>
-                      <a:schemeClr val="tx1"/>
-                    </a:solidFill>
-                    <a:latin typeface="+mn-lt"/>
-                    <a:ea typeface="+mn-ea"/>
-                    <a:cs typeface="+mn-cs"/>
-                  </a:defRPr>
-                </a:lvl7pPr>
-                <a:lvl8pPr marL="3200400" algn="l" defTabSz="914400" rtl="0" eaLnBrk="1" latinLnBrk="0" hangingPunct="1">
-                  <a:defRPr sz="1800" kern="1200">
-                    <a:solidFill>
-                      <a:schemeClr val="tx1"/>
-                    </a:solidFill>
-                    <a:latin typeface="+mn-lt"/>
-                    <a:ea typeface="+mn-ea"/>
-                    <a:cs typeface="+mn-cs"/>
-                  </a:defRPr>
-                </a:lvl8pPr>
-                <a:lvl9pPr marL="3657600" algn="l" defTabSz="914400" rtl="0" eaLnBrk="1" latinLnBrk="0" hangingPunct="1">
-                  <a:defRPr sz="1800" kern="1200">
-                    <a:solidFill>
-                      <a:schemeClr val="tx1"/>
-                    </a:solidFill>
-                    <a:latin typeface="+mn-lt"/>
-                    <a:ea typeface="+mn-ea"/>
-                    <a:cs typeface="+mn-cs"/>
-                  </a:defRPr>
-                </a:lvl9pPr>
-              </a:lstStyle>
-              <a:p>
-                <a:pPr algn="ctr">
-                  <a:lnSpc>
-                    <a:spcPct val="100000"/>
-                  </a:lnSpc>
-                </a:pPr>
-                <a:r>
-                  <a:rPr lang="en-US" sz="1200" b="0" strike="noStrike" spc="-1" dirty="0">
-                    <a:solidFill>
-                      <a:srgbClr val="000000"/>
-                    </a:solidFill>
-                    <a:ea typeface="DejaVu Sans"/>
-                  </a:rPr>
-                  <a:t>TOSCA</a:t>
-                </a:r>
-              </a:p>
-              <a:p>
-                <a:pPr algn="ctr">
-                  <a:lnSpc>
-                    <a:spcPct val="100000"/>
-                  </a:lnSpc>
-                </a:pPr>
-                <a:r>
-                  <a:rPr lang="en-US" sz="1200" b="0" strike="noStrike" spc="-1" dirty="0">
-                    <a:solidFill>
-                      <a:srgbClr val="000000"/>
-                    </a:solidFill>
-                    <a:ea typeface="DejaVu Sans"/>
-                  </a:rPr>
-                  <a:t>Templates</a:t>
-                </a:r>
-                <a:endParaRPr lang="en-US" sz="1200" b="0" strike="noStrike" spc="-1" dirty="0"/>
-              </a:p>
-            </p:txBody>
-          </p:sp>
-          <p:sp>
-            <p:nvSpPr>
-              <p:cNvPr id="11" name="CustomShape 11">
-                <a:extLst>
-                  <a:ext uri="{FF2B5EF4-FFF2-40B4-BE49-F238E27FC236}">
-                    <a16:creationId xmlns:a16="http://schemas.microsoft.com/office/drawing/2014/main" id="{7EE4D578-672D-851A-AA83-8AD3B4CC418F}"/>
-                  </a:ext>
-                </a:extLst>
-              </p:cNvPr>
-              <p:cNvSpPr/>
-              <p:nvPr/>
-            </p:nvSpPr>
-            <p:spPr>
-              <a:xfrm>
-                <a:off x="1643995" y="2949711"/>
-                <a:ext cx="1150886" cy="900000"/>
-              </a:xfrm>
-              <a:prstGeom prst="flowChartDocument">
-                <a:avLst/>
-              </a:prstGeom>
-              <a:gradFill rotWithShape="0">
-                <a:gsLst>
-                  <a:gs pos="0">
-                    <a:srgbClr val="D0D0D0"/>
-                  </a:gs>
-                  <a:gs pos="100000">
-                    <a:srgbClr val="EDEDED"/>
-                  </a:gs>
-                </a:gsLst>
-                <a:lin ang="16200000"/>
-              </a:gradFill>
-              <a:ln>
-                <a:solidFill>
-                  <a:srgbClr val="000000"/>
-                </a:solidFill>
-                <a:round/>
-              </a:ln>
-              <a:effectLst>
-                <a:outerShdw blurRad="40000" dist="20160" dir="5400000" rotWithShape="0">
-                  <a:srgbClr val="000000">
-                    <a:alpha val="38000"/>
-                  </a:srgbClr>
-                </a:outerShdw>
-              </a:effectLst>
-            </p:spPr>
-            <p:style>
-              <a:lnRef idx="1">
-                <a:schemeClr val="dk1"/>
-              </a:lnRef>
-              <a:fillRef idx="2">
-                <a:schemeClr val="dk1"/>
-              </a:fillRef>
-              <a:effectRef idx="1">
-                <a:schemeClr val="dk1"/>
-              </a:effectRef>
-              <a:fontRef idx="minor"/>
-            </p:style>
-            <p:txBody>
-              <a:bodyPr lIns="0" tIns="0" rIns="0" bIns="0" anchor="ctr">
-                <a:noAutofit/>
-              </a:bodyPr>
-              <a:lstStyle>
-                <a:defPPr>
-                  <a:defRPr lang="en-US"/>
-                </a:defPPr>
-                <a:lvl1pPr marL="0" algn="l" defTabSz="914400" rtl="0" eaLnBrk="1" latinLnBrk="0" hangingPunct="1">
-                  <a:defRPr sz="1800" kern="1200">
-                    <a:solidFill>
-                      <a:schemeClr val="tx1"/>
-                    </a:solidFill>
-                    <a:latin typeface="+mn-lt"/>
-                    <a:ea typeface="+mn-ea"/>
-                    <a:cs typeface="+mn-cs"/>
-                  </a:defRPr>
-                </a:lvl1pPr>
-                <a:lvl2pPr marL="457200" algn="l" defTabSz="914400" rtl="0" eaLnBrk="1" latinLnBrk="0" hangingPunct="1">
-                  <a:defRPr sz="1800" kern="1200">
-                    <a:solidFill>
-                      <a:schemeClr val="tx1"/>
-                    </a:solidFill>
-                    <a:latin typeface="+mn-lt"/>
-                    <a:ea typeface="+mn-ea"/>
-                    <a:cs typeface="+mn-cs"/>
-                  </a:defRPr>
-                </a:lvl2pPr>
-                <a:lvl3pPr marL="914400" algn="l" defTabSz="914400" rtl="0" eaLnBrk="1" latinLnBrk="0" hangingPunct="1">
-                  <a:defRPr sz="1800" kern="1200">
-                    <a:solidFill>
-                      <a:schemeClr val="tx1"/>
-                    </a:solidFill>
-                    <a:latin typeface="+mn-lt"/>
-                    <a:ea typeface="+mn-ea"/>
-                    <a:cs typeface="+mn-cs"/>
-                  </a:defRPr>
-                </a:lvl3pPr>
-                <a:lvl4pPr marL="1371600" algn="l" defTabSz="914400" rtl="0" eaLnBrk="1" latinLnBrk="0" hangingPunct="1">
-                  <a:defRPr sz="1800" kern="1200">
-                    <a:solidFill>
-                      <a:schemeClr val="tx1"/>
-                    </a:solidFill>
-                    <a:latin typeface="+mn-lt"/>
-                    <a:ea typeface="+mn-ea"/>
-                    <a:cs typeface="+mn-cs"/>
-                  </a:defRPr>
-                </a:lvl4pPr>
-                <a:lvl5pPr marL="1828800" algn="l" defTabSz="914400" rtl="0" eaLnBrk="1" latinLnBrk="0" hangingPunct="1">
-                  <a:defRPr sz="1800" kern="1200">
-                    <a:solidFill>
-                      <a:schemeClr val="tx1"/>
-                    </a:solidFill>
-                    <a:latin typeface="+mn-lt"/>
-                    <a:ea typeface="+mn-ea"/>
-                    <a:cs typeface="+mn-cs"/>
-                  </a:defRPr>
-                </a:lvl5pPr>
-                <a:lvl6pPr marL="2286000" algn="l" defTabSz="914400" rtl="0" eaLnBrk="1" latinLnBrk="0" hangingPunct="1">
-                  <a:defRPr sz="1800" kern="1200">
-                    <a:solidFill>
-                      <a:schemeClr val="tx1"/>
-                    </a:solidFill>
-                    <a:latin typeface="+mn-lt"/>
-                    <a:ea typeface="+mn-ea"/>
-                    <a:cs typeface="+mn-cs"/>
-                  </a:defRPr>
-                </a:lvl6pPr>
-                <a:lvl7pPr marL="2743200" algn="l" defTabSz="914400" rtl="0" eaLnBrk="1" latinLnBrk="0" hangingPunct="1">
-                  <a:defRPr sz="1800" kern="1200">
-                    <a:solidFill>
-                      <a:schemeClr val="tx1"/>
-                    </a:solidFill>
-                    <a:latin typeface="+mn-lt"/>
-                    <a:ea typeface="+mn-ea"/>
-                    <a:cs typeface="+mn-cs"/>
-                  </a:defRPr>
-                </a:lvl7pPr>
-                <a:lvl8pPr marL="3200400" algn="l" defTabSz="914400" rtl="0" eaLnBrk="1" latinLnBrk="0" hangingPunct="1">
-                  <a:defRPr sz="1800" kern="1200">
-                    <a:solidFill>
-                      <a:schemeClr val="tx1"/>
-                    </a:solidFill>
-                    <a:latin typeface="+mn-lt"/>
-                    <a:ea typeface="+mn-ea"/>
-                    <a:cs typeface="+mn-cs"/>
-                  </a:defRPr>
-                </a:lvl8pPr>
-                <a:lvl9pPr marL="3657600" algn="l" defTabSz="914400" rtl="0" eaLnBrk="1" latinLnBrk="0" hangingPunct="1">
-                  <a:defRPr sz="1800" kern="1200">
-                    <a:solidFill>
-                      <a:schemeClr val="tx1"/>
-                    </a:solidFill>
-                    <a:latin typeface="+mn-lt"/>
-                    <a:ea typeface="+mn-ea"/>
-                    <a:cs typeface="+mn-cs"/>
-                  </a:defRPr>
-                </a:lvl9pPr>
-              </a:lstStyle>
-              <a:p>
-                <a:pPr algn="ctr">
-                  <a:lnSpc>
-                    <a:spcPct val="100000"/>
-                  </a:lnSpc>
-                </a:pPr>
-                <a:r>
-                  <a:rPr lang="en-US" sz="1200" spc="-1" dirty="0">
-                    <a:solidFill>
-                      <a:srgbClr val="000000"/>
-                    </a:solidFill>
-                  </a:rPr>
-                  <a:t>TOSCA Types</a:t>
-                </a:r>
-                <a:endParaRPr lang="en-US" sz="1200" b="0" strike="noStrike" spc="-1" dirty="0"/>
-              </a:p>
-            </p:txBody>
-          </p:sp>
-          <p:sp>
-            <p:nvSpPr>
-              <p:cNvPr id="15" name="Line 15">
-                <a:extLst>
-                  <a:ext uri="{FF2B5EF4-FFF2-40B4-BE49-F238E27FC236}">
-                    <a16:creationId xmlns:a16="http://schemas.microsoft.com/office/drawing/2014/main" id="{FA91B83D-BED9-E84A-7776-CFD80B42845E}"/>
-                  </a:ext>
-                </a:extLst>
-              </p:cNvPr>
-              <p:cNvSpPr/>
-              <p:nvPr/>
-            </p:nvSpPr>
-            <p:spPr>
-              <a:xfrm flipH="1" flipV="1">
-                <a:off x="2786087" y="3396954"/>
-                <a:ext cx="1269176" cy="5515"/>
-              </a:xfrm>
-              <a:prstGeom prst="line">
-                <a:avLst/>
-              </a:prstGeom>
-              <a:ln w="28575">
-                <a:solidFill>
-                  <a:schemeClr val="tx1"/>
-                </a:solidFill>
-                <a:round/>
-                <a:headEnd type="triangle" w="med" len="med"/>
-                <a:tailEnd type="none" w="med" len="med"/>
-              </a:ln>
-            </p:spPr>
-            <p:style>
-              <a:lnRef idx="1">
-                <a:schemeClr val="dk1"/>
-              </a:lnRef>
-              <a:fillRef idx="0">
-                <a:schemeClr val="dk1"/>
-              </a:fillRef>
-              <a:effectRef idx="0">
-                <a:schemeClr val="dk1"/>
-              </a:effectRef>
-              <a:fontRef idx="minor"/>
-            </p:style>
-            <p:txBody>
-              <a:bodyPr/>
-              <a:lstStyle/>
-              <a:p>
-                <a:endParaRPr lang="en-US" sz="1200" dirty="0"/>
-              </a:p>
-            </p:txBody>
-          </p:sp>
-          <p:sp>
-            <p:nvSpPr>
-              <p:cNvPr id="26" name="CustomShape 1">
-                <a:extLst>
-                  <a:ext uri="{FF2B5EF4-FFF2-40B4-BE49-F238E27FC236}">
-                    <a16:creationId xmlns:a16="http://schemas.microsoft.com/office/drawing/2014/main" id="{C5D1BDEB-0109-B916-2AB8-2F09D5F85127}"/>
-                  </a:ext>
-                </a:extLst>
-              </p:cNvPr>
-              <p:cNvSpPr/>
-              <p:nvPr/>
-            </p:nvSpPr>
-            <p:spPr>
-              <a:xfrm>
-                <a:off x="2994121" y="2575311"/>
-                <a:ext cx="853109" cy="1648800"/>
-              </a:xfrm>
-              <a:prstGeom prst="rect">
-                <a:avLst/>
-              </a:prstGeom>
+            <a:prstGeom prst="flowChartDocument">
+              <a:avLst/>
+            </a:prstGeom>
+            <a:gradFill rotWithShape="0">
+              <a:gsLst>
+                <a:gs pos="0">
+                  <a:srgbClr val="D0D0D0"/>
+                </a:gs>
+                <a:gs pos="100000">
+                  <a:srgbClr val="EDEDED"/>
+                </a:gs>
+              </a:gsLst>
+              <a:lin ang="16200000"/>
+            </a:gradFill>
+            <a:ln>
               <a:solidFill>
-                <a:schemeClr val="bg1"/>
+                <a:srgbClr val="000000"/>
               </a:solidFill>
-              <a:ln>
-                <a:solidFill>
-                  <a:schemeClr val="tx1"/>
-                </a:solidFill>
-                <a:prstDash val="sysDash"/>
-                <a:round/>
-              </a:ln>
-            </p:spPr>
-            <p:style>
-              <a:lnRef idx="2">
-                <a:schemeClr val="accent1">
-                  <a:shade val="50000"/>
-                </a:schemeClr>
-              </a:lnRef>
-              <a:fillRef idx="1">
-                <a:schemeClr val="accent1"/>
-              </a:fillRef>
-              <a:effectRef idx="0">
-                <a:schemeClr val="accent1"/>
-              </a:effectRef>
-              <a:fontRef idx="minor"/>
-            </p:style>
-            <p:txBody>
-              <a:bodyPr lIns="0" tIns="45720" rIns="0" bIns="45720">
-                <a:noAutofit/>
-              </a:bodyPr>
-              <a:lstStyle>
-                <a:defPPr>
-                  <a:defRPr lang="en-US"/>
-                </a:defPPr>
-                <a:lvl1pPr marL="0" algn="l" defTabSz="914400" rtl="0" eaLnBrk="1" latinLnBrk="0" hangingPunct="1">
-                  <a:defRPr sz="1800" kern="1200">
-                    <a:solidFill>
-                      <a:schemeClr val="tx1"/>
-                    </a:solidFill>
-                    <a:latin typeface="+mn-lt"/>
-                    <a:ea typeface="+mn-ea"/>
-                    <a:cs typeface="+mn-cs"/>
-                  </a:defRPr>
-                </a:lvl1pPr>
-                <a:lvl2pPr marL="457200" algn="l" defTabSz="914400" rtl="0" eaLnBrk="1" latinLnBrk="0" hangingPunct="1">
-                  <a:defRPr sz="1800" kern="1200">
-                    <a:solidFill>
-                      <a:schemeClr val="tx1"/>
-                    </a:solidFill>
-                    <a:latin typeface="+mn-lt"/>
-                    <a:ea typeface="+mn-ea"/>
-                    <a:cs typeface="+mn-cs"/>
-                  </a:defRPr>
-                </a:lvl2pPr>
-                <a:lvl3pPr marL="914400" algn="l" defTabSz="914400" rtl="0" eaLnBrk="1" latinLnBrk="0" hangingPunct="1">
-                  <a:defRPr sz="1800" kern="1200">
-                    <a:solidFill>
-                      <a:schemeClr val="tx1"/>
-                    </a:solidFill>
-                    <a:latin typeface="+mn-lt"/>
-                    <a:ea typeface="+mn-ea"/>
-                    <a:cs typeface="+mn-cs"/>
-                  </a:defRPr>
-                </a:lvl3pPr>
-                <a:lvl4pPr marL="1371600" algn="l" defTabSz="914400" rtl="0" eaLnBrk="1" latinLnBrk="0" hangingPunct="1">
-                  <a:defRPr sz="1800" kern="1200">
-                    <a:solidFill>
-                      <a:schemeClr val="tx1"/>
-                    </a:solidFill>
-                    <a:latin typeface="+mn-lt"/>
-                    <a:ea typeface="+mn-ea"/>
-                    <a:cs typeface="+mn-cs"/>
-                  </a:defRPr>
-                </a:lvl4pPr>
-                <a:lvl5pPr marL="1828800" algn="l" defTabSz="914400" rtl="0" eaLnBrk="1" latinLnBrk="0" hangingPunct="1">
-                  <a:defRPr sz="1800" kern="1200">
-                    <a:solidFill>
-                      <a:schemeClr val="tx1"/>
-                    </a:solidFill>
-                    <a:latin typeface="+mn-lt"/>
-                    <a:ea typeface="+mn-ea"/>
-                    <a:cs typeface="+mn-cs"/>
-                  </a:defRPr>
-                </a:lvl5pPr>
-                <a:lvl6pPr marL="2286000" algn="l" defTabSz="914400" rtl="0" eaLnBrk="1" latinLnBrk="0" hangingPunct="1">
-                  <a:defRPr sz="1800" kern="1200">
-                    <a:solidFill>
-                      <a:schemeClr val="tx1"/>
-                    </a:solidFill>
-                    <a:latin typeface="+mn-lt"/>
-                    <a:ea typeface="+mn-ea"/>
-                    <a:cs typeface="+mn-cs"/>
-                  </a:defRPr>
-                </a:lvl6pPr>
-                <a:lvl7pPr marL="2743200" algn="l" defTabSz="914400" rtl="0" eaLnBrk="1" latinLnBrk="0" hangingPunct="1">
-                  <a:defRPr sz="1800" kern="1200">
-                    <a:solidFill>
-                      <a:schemeClr val="tx1"/>
-                    </a:solidFill>
-                    <a:latin typeface="+mn-lt"/>
-                    <a:ea typeface="+mn-ea"/>
-                    <a:cs typeface="+mn-cs"/>
-                  </a:defRPr>
-                </a:lvl7pPr>
-                <a:lvl8pPr marL="3200400" algn="l" defTabSz="914400" rtl="0" eaLnBrk="1" latinLnBrk="0" hangingPunct="1">
-                  <a:defRPr sz="1800" kern="1200">
-                    <a:solidFill>
-                      <a:schemeClr val="tx1"/>
-                    </a:solidFill>
-                    <a:latin typeface="+mn-lt"/>
-                    <a:ea typeface="+mn-ea"/>
-                    <a:cs typeface="+mn-cs"/>
-                  </a:defRPr>
-                </a:lvl8pPr>
-                <a:lvl9pPr marL="3657600" algn="l" defTabSz="914400" rtl="0" eaLnBrk="1" latinLnBrk="0" hangingPunct="1">
-                  <a:defRPr sz="1800" kern="1200">
-                    <a:solidFill>
-                      <a:schemeClr val="tx1"/>
-                    </a:solidFill>
-                    <a:latin typeface="+mn-lt"/>
-                    <a:ea typeface="+mn-ea"/>
-                    <a:cs typeface="+mn-cs"/>
-                  </a:defRPr>
-                </a:lvl9pPr>
-              </a:lstStyle>
-              <a:p>
-                <a:pPr algn="ctr"/>
-                <a:r>
-                  <a:rPr lang="en-US" sz="1200" spc="-1" dirty="0">
-                    <a:solidFill>
-                      <a:srgbClr val="000000"/>
-                    </a:solidFill>
-                  </a:rPr>
-                  <a:t>Parser / Validator</a:t>
-                </a:r>
-              </a:p>
-            </p:txBody>
-          </p:sp>
-          <p:grpSp>
-            <p:nvGrpSpPr>
-              <p:cNvPr id="36" name="Group 35">
-                <a:extLst>
-                  <a:ext uri="{FF2B5EF4-FFF2-40B4-BE49-F238E27FC236}">
-                    <a16:creationId xmlns:a16="http://schemas.microsoft.com/office/drawing/2014/main" id="{F085E4D7-AA45-7DB8-B7A2-6B6A32876E87}"/>
-                  </a:ext>
-                </a:extLst>
-              </p:cNvPr>
-              <p:cNvGrpSpPr/>
-              <p:nvPr/>
-            </p:nvGrpSpPr>
-            <p:grpSpPr>
-              <a:xfrm>
-                <a:off x="7591035" y="2575311"/>
-                <a:ext cx="1269176" cy="1648800"/>
-                <a:chOff x="7425927" y="2575311"/>
-                <a:chExt cx="1269176" cy="1648800"/>
-              </a:xfrm>
-            </p:grpSpPr>
-            <p:sp>
-              <p:nvSpPr>
-                <p:cNvPr id="33" name="Line 15">
-                  <a:extLst>
-                    <a:ext uri="{FF2B5EF4-FFF2-40B4-BE49-F238E27FC236}">
-                      <a16:creationId xmlns:a16="http://schemas.microsoft.com/office/drawing/2014/main" id="{244AC52C-D4F8-BACE-AB1A-555C91BC1304}"/>
-                    </a:ext>
-                  </a:extLst>
-                </p:cNvPr>
-                <p:cNvSpPr/>
-                <p:nvPr/>
-              </p:nvSpPr>
-              <p:spPr>
-                <a:xfrm flipH="1" flipV="1">
-                  <a:off x="7425927" y="3396954"/>
-                  <a:ext cx="1269176" cy="5515"/>
-                </a:xfrm>
-                <a:prstGeom prst="line">
-                  <a:avLst/>
-                </a:prstGeom>
-                <a:ln w="28575">
-                  <a:solidFill>
-                    <a:schemeClr val="tx1"/>
-                  </a:solidFill>
-                  <a:round/>
-                  <a:headEnd type="triangle" w="med" len="med"/>
-                  <a:tailEnd type="triangle" w="med" len="med"/>
-                </a:ln>
-              </p:spPr>
-              <p:style>
-                <a:lnRef idx="1">
-                  <a:schemeClr val="dk1"/>
-                </a:lnRef>
-                <a:fillRef idx="0">
-                  <a:schemeClr val="dk1"/>
-                </a:fillRef>
-                <a:effectRef idx="0">
-                  <a:schemeClr val="dk1"/>
-                </a:effectRef>
-                <a:fontRef idx="minor"/>
-              </p:style>
-              <p:txBody>
-                <a:bodyPr/>
-                <a:lstStyle/>
-                <a:p>
-                  <a:endParaRPr lang="en-US" sz="1200" dirty="0"/>
-                </a:p>
-              </p:txBody>
-            </p:sp>
-            <p:sp>
-              <p:nvSpPr>
-                <p:cNvPr id="2" name="CustomShape 1">
-                  <a:extLst>
-                    <a:ext uri="{FF2B5EF4-FFF2-40B4-BE49-F238E27FC236}">
-                      <a16:creationId xmlns:a16="http://schemas.microsoft.com/office/drawing/2014/main" id="{818F12E8-A30F-41CC-B652-64C7D3A284D3}"/>
-                    </a:ext>
-                  </a:extLst>
-                </p:cNvPr>
-                <p:cNvSpPr/>
-                <p:nvPr/>
-              </p:nvSpPr>
-              <p:spPr>
-                <a:xfrm>
-                  <a:off x="7633961" y="2575311"/>
-                  <a:ext cx="853109" cy="1648800"/>
-                </a:xfrm>
-                <a:prstGeom prst="rect">
-                  <a:avLst/>
-                </a:prstGeom>
-                <a:solidFill>
-                  <a:schemeClr val="bg1"/>
-                </a:solidFill>
-                <a:ln>
-                  <a:solidFill>
-                    <a:schemeClr val="tx1"/>
-                  </a:solidFill>
-                  <a:prstDash val="sysDash"/>
-                  <a:round/>
-                </a:ln>
-              </p:spPr>
-              <p:style>
-                <a:lnRef idx="2">
-                  <a:schemeClr val="accent1">
-                    <a:shade val="50000"/>
-                  </a:schemeClr>
-                </a:lnRef>
-                <a:fillRef idx="1">
-                  <a:schemeClr val="accent1"/>
-                </a:fillRef>
-                <a:effectRef idx="0">
-                  <a:schemeClr val="accent1"/>
-                </a:effectRef>
-                <a:fontRef idx="minor"/>
-              </p:style>
-              <p:txBody>
-                <a:bodyPr lIns="0" tIns="45720" rIns="0" bIns="45720">
-                  <a:noAutofit/>
-                </a:bodyPr>
-                <a:lstStyle>
-                  <a:defPPr>
-                    <a:defRPr lang="en-US"/>
-                  </a:defPPr>
-                  <a:lvl1pPr marL="0" algn="l" defTabSz="914400" rtl="0" eaLnBrk="1" latinLnBrk="0" hangingPunct="1">
-                    <a:defRPr sz="1800" kern="1200">
-                      <a:solidFill>
-                        <a:schemeClr val="tx1"/>
-                      </a:solidFill>
-                      <a:latin typeface="+mn-lt"/>
-                      <a:ea typeface="+mn-ea"/>
-                      <a:cs typeface="+mn-cs"/>
-                    </a:defRPr>
-                  </a:lvl1pPr>
-                  <a:lvl2pPr marL="457200" algn="l" defTabSz="914400" rtl="0" eaLnBrk="1" latinLnBrk="0" hangingPunct="1">
-                    <a:defRPr sz="1800" kern="1200">
-                      <a:solidFill>
-                        <a:schemeClr val="tx1"/>
-                      </a:solidFill>
-                      <a:latin typeface="+mn-lt"/>
-                      <a:ea typeface="+mn-ea"/>
-                      <a:cs typeface="+mn-cs"/>
-                    </a:defRPr>
-                  </a:lvl2pPr>
-                  <a:lvl3pPr marL="914400" algn="l" defTabSz="914400" rtl="0" eaLnBrk="1" latinLnBrk="0" hangingPunct="1">
-                    <a:defRPr sz="1800" kern="1200">
-                      <a:solidFill>
-                        <a:schemeClr val="tx1"/>
-                      </a:solidFill>
-                      <a:latin typeface="+mn-lt"/>
-                      <a:ea typeface="+mn-ea"/>
-                      <a:cs typeface="+mn-cs"/>
-                    </a:defRPr>
-                  </a:lvl3pPr>
-                  <a:lvl4pPr marL="1371600" algn="l" defTabSz="914400" rtl="0" eaLnBrk="1" latinLnBrk="0" hangingPunct="1">
-                    <a:defRPr sz="1800" kern="1200">
-                      <a:solidFill>
-                        <a:schemeClr val="tx1"/>
-                      </a:solidFill>
-                      <a:latin typeface="+mn-lt"/>
-                      <a:ea typeface="+mn-ea"/>
-                      <a:cs typeface="+mn-cs"/>
-                    </a:defRPr>
-                  </a:lvl4pPr>
-                  <a:lvl5pPr marL="1828800" algn="l" defTabSz="914400" rtl="0" eaLnBrk="1" latinLnBrk="0" hangingPunct="1">
-                    <a:defRPr sz="1800" kern="1200">
-                      <a:solidFill>
-                        <a:schemeClr val="tx1"/>
-                      </a:solidFill>
-                      <a:latin typeface="+mn-lt"/>
-                      <a:ea typeface="+mn-ea"/>
-                      <a:cs typeface="+mn-cs"/>
-                    </a:defRPr>
-                  </a:lvl5pPr>
-                  <a:lvl6pPr marL="2286000" algn="l" defTabSz="914400" rtl="0" eaLnBrk="1" latinLnBrk="0" hangingPunct="1">
-                    <a:defRPr sz="1800" kern="1200">
-                      <a:solidFill>
-                        <a:schemeClr val="tx1"/>
-                      </a:solidFill>
-                      <a:latin typeface="+mn-lt"/>
-                      <a:ea typeface="+mn-ea"/>
-                      <a:cs typeface="+mn-cs"/>
-                    </a:defRPr>
-                  </a:lvl6pPr>
-                  <a:lvl7pPr marL="2743200" algn="l" defTabSz="914400" rtl="0" eaLnBrk="1" latinLnBrk="0" hangingPunct="1">
-                    <a:defRPr sz="1800" kern="1200">
-                      <a:solidFill>
-                        <a:schemeClr val="tx1"/>
-                      </a:solidFill>
-                      <a:latin typeface="+mn-lt"/>
-                      <a:ea typeface="+mn-ea"/>
-                      <a:cs typeface="+mn-cs"/>
-                    </a:defRPr>
-                  </a:lvl7pPr>
-                  <a:lvl8pPr marL="3200400" algn="l" defTabSz="914400" rtl="0" eaLnBrk="1" latinLnBrk="0" hangingPunct="1">
-                    <a:defRPr sz="1800" kern="1200">
-                      <a:solidFill>
-                        <a:schemeClr val="tx1"/>
-                      </a:solidFill>
-                      <a:latin typeface="+mn-lt"/>
-                      <a:ea typeface="+mn-ea"/>
-                      <a:cs typeface="+mn-cs"/>
-                    </a:defRPr>
-                  </a:lvl8pPr>
-                  <a:lvl9pPr marL="3657600" algn="l" defTabSz="914400" rtl="0" eaLnBrk="1" latinLnBrk="0" hangingPunct="1">
-                    <a:defRPr sz="1800" kern="1200">
-                      <a:solidFill>
-                        <a:schemeClr val="tx1"/>
-                      </a:solidFill>
-                      <a:latin typeface="+mn-lt"/>
-                      <a:ea typeface="+mn-ea"/>
-                      <a:cs typeface="+mn-cs"/>
-                    </a:defRPr>
-                  </a:lvl9pPr>
-                </a:lstStyle>
-                <a:p>
-                  <a:pPr algn="ctr"/>
-                  <a:r>
-                    <a:rPr lang="en-US" sz="1200" spc="-1" dirty="0">
-                      <a:solidFill>
-                        <a:srgbClr val="000000"/>
-                      </a:solidFill>
-                    </a:rPr>
-                    <a:t>Orchestrator</a:t>
-                  </a:r>
-                </a:p>
-              </p:txBody>
-            </p:sp>
-          </p:grpSp>
-          <p:sp>
-            <p:nvSpPr>
-              <p:cNvPr id="32" name="Line 15">
-                <a:extLst>
-                  <a:ext uri="{FF2B5EF4-FFF2-40B4-BE49-F238E27FC236}">
-                    <a16:creationId xmlns:a16="http://schemas.microsoft.com/office/drawing/2014/main" id="{B65CCC74-0AA7-3761-6199-AD188B92E2CE}"/>
-                  </a:ext>
-                </a:extLst>
-              </p:cNvPr>
-              <p:cNvSpPr/>
-              <p:nvPr/>
-            </p:nvSpPr>
-            <p:spPr>
-              <a:xfrm flipH="1" flipV="1">
-                <a:off x="5188561" y="3396954"/>
-                <a:ext cx="1269176" cy="5515"/>
-              </a:xfrm>
-              <a:prstGeom prst="line">
-                <a:avLst/>
-              </a:prstGeom>
-              <a:ln w="28575">
-                <a:solidFill>
-                  <a:schemeClr val="tx1"/>
-                </a:solidFill>
-                <a:round/>
-                <a:headEnd type="triangle" w="med" len="med"/>
-                <a:tailEnd type="none" w="med" len="med"/>
-              </a:ln>
-            </p:spPr>
-            <p:style>
-              <a:lnRef idx="1">
-                <a:schemeClr val="dk1"/>
-              </a:lnRef>
-              <a:fillRef idx="0">
-                <a:schemeClr val="dk1"/>
-              </a:fillRef>
-              <a:effectRef idx="0">
-                <a:schemeClr val="dk1"/>
-              </a:effectRef>
-              <a:fontRef idx="minor"/>
-            </p:style>
-            <p:txBody>
-              <a:bodyPr/>
-              <a:lstStyle/>
-              <a:p>
-                <a:endParaRPr lang="en-US" sz="1200" dirty="0"/>
-              </a:p>
-            </p:txBody>
-          </p:sp>
-          <p:sp>
-            <p:nvSpPr>
-              <p:cNvPr id="17" name="CustomShape 1">
-                <a:extLst>
-                  <a:ext uri="{FF2B5EF4-FFF2-40B4-BE49-F238E27FC236}">
-                    <a16:creationId xmlns:a16="http://schemas.microsoft.com/office/drawing/2014/main" id="{CED8B2F9-986B-BB84-0822-B4BC00B489A2}"/>
-                  </a:ext>
-                </a:extLst>
-              </p:cNvPr>
-              <p:cNvSpPr/>
-              <p:nvPr/>
-            </p:nvSpPr>
-            <p:spPr>
-              <a:xfrm>
-                <a:off x="5396595" y="2575311"/>
-                <a:ext cx="853109" cy="1648800"/>
-              </a:xfrm>
-              <a:prstGeom prst="rect">
-                <a:avLst/>
-              </a:prstGeom>
+              <a:round/>
+            </a:ln>
+            <a:effectLst>
+              <a:outerShdw blurRad="40000" dist="20160" dir="5400000" rotWithShape="0">
+                <a:srgbClr val="000000">
+                  <a:alpha val="38000"/>
+                </a:srgbClr>
+              </a:outerShdw>
+            </a:effectLst>
+          </p:spPr>
+          <p:style>
+            <a:lnRef idx="1">
+              <a:schemeClr val="dk1"/>
+            </a:lnRef>
+            <a:fillRef idx="2">
+              <a:schemeClr val="dk1"/>
+            </a:fillRef>
+            <a:effectRef idx="1">
+              <a:schemeClr val="dk1"/>
+            </a:effectRef>
+            <a:fontRef idx="minor"/>
+          </p:style>
+          <p:txBody>
+            <a:bodyPr lIns="0" tIns="0" rIns="0" bIns="0" anchor="ctr">
+              <a:noAutofit/>
+            </a:bodyPr>
+            <a:lstStyle>
+              <a:defPPr>
+                <a:defRPr lang="en-US"/>
+              </a:defPPr>
+              <a:lvl1pPr marL="0" algn="l" defTabSz="914400" rtl="0" eaLnBrk="1" latinLnBrk="0" hangingPunct="1">
+                <a:defRPr sz="1800" kern="1200">
+                  <a:solidFill>
+                    <a:schemeClr val="tx1"/>
+                  </a:solidFill>
+                  <a:latin typeface="+mn-lt"/>
+                  <a:ea typeface="+mn-ea"/>
+                  <a:cs typeface="+mn-cs"/>
+                </a:defRPr>
+              </a:lvl1pPr>
+              <a:lvl2pPr marL="457200" algn="l" defTabSz="914400" rtl="0" eaLnBrk="1" latinLnBrk="0" hangingPunct="1">
+                <a:defRPr sz="1800" kern="1200">
+                  <a:solidFill>
+                    <a:schemeClr val="tx1"/>
+                  </a:solidFill>
+                  <a:latin typeface="+mn-lt"/>
+                  <a:ea typeface="+mn-ea"/>
+                  <a:cs typeface="+mn-cs"/>
+                </a:defRPr>
+              </a:lvl2pPr>
+              <a:lvl3pPr marL="914400" algn="l" defTabSz="914400" rtl="0" eaLnBrk="1" latinLnBrk="0" hangingPunct="1">
+                <a:defRPr sz="1800" kern="1200">
+                  <a:solidFill>
+                    <a:schemeClr val="tx1"/>
+                  </a:solidFill>
+                  <a:latin typeface="+mn-lt"/>
+                  <a:ea typeface="+mn-ea"/>
+                  <a:cs typeface="+mn-cs"/>
+                </a:defRPr>
+              </a:lvl3pPr>
+              <a:lvl4pPr marL="1371600" algn="l" defTabSz="914400" rtl="0" eaLnBrk="1" latinLnBrk="0" hangingPunct="1">
+                <a:defRPr sz="1800" kern="1200">
+                  <a:solidFill>
+                    <a:schemeClr val="tx1"/>
+                  </a:solidFill>
+                  <a:latin typeface="+mn-lt"/>
+                  <a:ea typeface="+mn-ea"/>
+                  <a:cs typeface="+mn-cs"/>
+                </a:defRPr>
+              </a:lvl4pPr>
+              <a:lvl5pPr marL="1828800" algn="l" defTabSz="914400" rtl="0" eaLnBrk="1" latinLnBrk="0" hangingPunct="1">
+                <a:defRPr sz="1800" kern="1200">
+                  <a:solidFill>
+                    <a:schemeClr val="tx1"/>
+                  </a:solidFill>
+                  <a:latin typeface="+mn-lt"/>
+                  <a:ea typeface="+mn-ea"/>
+                  <a:cs typeface="+mn-cs"/>
+                </a:defRPr>
+              </a:lvl5pPr>
+              <a:lvl6pPr marL="2286000" algn="l" defTabSz="914400" rtl="0" eaLnBrk="1" latinLnBrk="0" hangingPunct="1">
+                <a:defRPr sz="1800" kern="1200">
+                  <a:solidFill>
+                    <a:schemeClr val="tx1"/>
+                  </a:solidFill>
+                  <a:latin typeface="+mn-lt"/>
+                  <a:ea typeface="+mn-ea"/>
+                  <a:cs typeface="+mn-cs"/>
+                </a:defRPr>
+              </a:lvl6pPr>
+              <a:lvl7pPr marL="2743200" algn="l" defTabSz="914400" rtl="0" eaLnBrk="1" latinLnBrk="0" hangingPunct="1">
+                <a:defRPr sz="1800" kern="1200">
+                  <a:solidFill>
+                    <a:schemeClr val="tx1"/>
+                  </a:solidFill>
+                  <a:latin typeface="+mn-lt"/>
+                  <a:ea typeface="+mn-ea"/>
+                  <a:cs typeface="+mn-cs"/>
+                </a:defRPr>
+              </a:lvl7pPr>
+              <a:lvl8pPr marL="3200400" algn="l" defTabSz="914400" rtl="0" eaLnBrk="1" latinLnBrk="0" hangingPunct="1">
+                <a:defRPr sz="1800" kern="1200">
+                  <a:solidFill>
+                    <a:schemeClr val="tx1"/>
+                  </a:solidFill>
+                  <a:latin typeface="+mn-lt"/>
+                  <a:ea typeface="+mn-ea"/>
+                  <a:cs typeface="+mn-cs"/>
+                </a:defRPr>
+              </a:lvl8pPr>
+              <a:lvl9pPr marL="3657600" algn="l" defTabSz="914400" rtl="0" eaLnBrk="1" latinLnBrk="0" hangingPunct="1">
+                <a:defRPr sz="1800" kern="1200">
+                  <a:solidFill>
+                    <a:schemeClr val="tx1"/>
+                  </a:solidFill>
+                  <a:latin typeface="+mn-lt"/>
+                  <a:ea typeface="+mn-ea"/>
+                  <a:cs typeface="+mn-cs"/>
+                </a:defRPr>
+              </a:lvl9pPr>
+            </a:lstStyle>
+            <a:p>
+              <a:pPr algn="ctr">
+                <a:lnSpc>
+                  <a:spcPct val="100000"/>
+                </a:lnSpc>
+              </a:pPr>
+              <a:r>
+                <a:rPr lang="en-US" sz="1200" b="0" strike="noStrike" spc="-1" dirty="0">
+                  <a:solidFill>
+                    <a:srgbClr val="000000"/>
+                  </a:solidFill>
+                  <a:ea typeface="DejaVu Sans"/>
+                </a:rPr>
+                <a:t>Representations</a:t>
+              </a:r>
+              <a:endParaRPr lang="en-US" sz="1200" b="0" strike="noStrike" spc="-1" dirty="0"/>
+            </a:p>
+          </p:txBody>
+        </p:sp>
+        <p:sp>
+          <p:nvSpPr>
+            <p:cNvPr id="30" name="CustomShape 11">
+              <a:extLst>
+                <a:ext uri="{FF2B5EF4-FFF2-40B4-BE49-F238E27FC236}">
+                  <a16:creationId xmlns:a16="http://schemas.microsoft.com/office/drawing/2014/main" id="{FBA76B51-6663-4800-818C-6E5CED8DD566}"/>
+                </a:ext>
+              </a:extLst>
+            </p:cNvPr>
+            <p:cNvSpPr/>
+            <p:nvPr/>
+          </p:nvSpPr>
+          <p:spPr>
+            <a:xfrm>
+              <a:off x="9406303" y="2791800"/>
+              <a:ext cx="1150886" cy="900000"/>
+            </a:xfrm>
+            <a:prstGeom prst="flowChartDocument">
+              <a:avLst/>
+            </a:prstGeom>
+            <a:gradFill rotWithShape="0">
+              <a:gsLst>
+                <a:gs pos="0">
+                  <a:srgbClr val="D0D0D0"/>
+                </a:gs>
+                <a:gs pos="100000">
+                  <a:srgbClr val="EDEDED"/>
+                </a:gs>
+              </a:gsLst>
+              <a:lin ang="16200000"/>
+            </a:gradFill>
+            <a:ln>
               <a:solidFill>
-                <a:schemeClr val="bg1"/>
+                <a:srgbClr val="000000"/>
               </a:solidFill>
-              <a:ln>
-                <a:solidFill>
-                  <a:schemeClr val="tx1"/>
-                </a:solidFill>
-                <a:prstDash val="sysDash"/>
-                <a:round/>
-              </a:ln>
-            </p:spPr>
-            <p:style>
-              <a:lnRef idx="2">
-                <a:schemeClr val="accent1">
-                  <a:shade val="50000"/>
-                </a:schemeClr>
-              </a:lnRef>
-              <a:fillRef idx="1">
-                <a:schemeClr val="accent1"/>
-              </a:fillRef>
-              <a:effectRef idx="0">
-                <a:schemeClr val="accent1"/>
-              </a:effectRef>
-              <a:fontRef idx="minor"/>
-            </p:style>
-            <p:txBody>
-              <a:bodyPr lIns="0" tIns="45720" rIns="0" bIns="45720">
-                <a:noAutofit/>
-              </a:bodyPr>
-              <a:lstStyle>
-                <a:defPPr>
-                  <a:defRPr lang="en-US"/>
-                </a:defPPr>
-                <a:lvl1pPr marL="0" algn="l" defTabSz="914400" rtl="0" eaLnBrk="1" latinLnBrk="0" hangingPunct="1">
-                  <a:defRPr sz="1800" kern="1200">
-                    <a:solidFill>
-                      <a:schemeClr val="tx1"/>
-                    </a:solidFill>
-                    <a:latin typeface="+mn-lt"/>
-                    <a:ea typeface="+mn-ea"/>
-                    <a:cs typeface="+mn-cs"/>
-                  </a:defRPr>
-                </a:lvl1pPr>
-                <a:lvl2pPr marL="457200" algn="l" defTabSz="914400" rtl="0" eaLnBrk="1" latinLnBrk="0" hangingPunct="1">
-                  <a:defRPr sz="1800" kern="1200">
-                    <a:solidFill>
-                      <a:schemeClr val="tx1"/>
-                    </a:solidFill>
-                    <a:latin typeface="+mn-lt"/>
-                    <a:ea typeface="+mn-ea"/>
-                    <a:cs typeface="+mn-cs"/>
-                  </a:defRPr>
-                </a:lvl2pPr>
-                <a:lvl3pPr marL="914400" algn="l" defTabSz="914400" rtl="0" eaLnBrk="1" latinLnBrk="0" hangingPunct="1">
-                  <a:defRPr sz="1800" kern="1200">
-                    <a:solidFill>
-                      <a:schemeClr val="tx1"/>
-                    </a:solidFill>
-                    <a:latin typeface="+mn-lt"/>
-                    <a:ea typeface="+mn-ea"/>
-                    <a:cs typeface="+mn-cs"/>
-                  </a:defRPr>
-                </a:lvl3pPr>
-                <a:lvl4pPr marL="1371600" algn="l" defTabSz="914400" rtl="0" eaLnBrk="1" latinLnBrk="0" hangingPunct="1">
-                  <a:defRPr sz="1800" kern="1200">
-                    <a:solidFill>
-                      <a:schemeClr val="tx1"/>
-                    </a:solidFill>
-                    <a:latin typeface="+mn-lt"/>
-                    <a:ea typeface="+mn-ea"/>
-                    <a:cs typeface="+mn-cs"/>
-                  </a:defRPr>
-                </a:lvl4pPr>
-                <a:lvl5pPr marL="1828800" algn="l" defTabSz="914400" rtl="0" eaLnBrk="1" latinLnBrk="0" hangingPunct="1">
-                  <a:defRPr sz="1800" kern="1200">
-                    <a:solidFill>
-                      <a:schemeClr val="tx1"/>
-                    </a:solidFill>
-                    <a:latin typeface="+mn-lt"/>
-                    <a:ea typeface="+mn-ea"/>
-                    <a:cs typeface="+mn-cs"/>
-                  </a:defRPr>
-                </a:lvl5pPr>
-                <a:lvl6pPr marL="2286000" algn="l" defTabSz="914400" rtl="0" eaLnBrk="1" latinLnBrk="0" hangingPunct="1">
-                  <a:defRPr sz="1800" kern="1200">
-                    <a:solidFill>
-                      <a:schemeClr val="tx1"/>
-                    </a:solidFill>
-                    <a:latin typeface="+mn-lt"/>
-                    <a:ea typeface="+mn-ea"/>
-                    <a:cs typeface="+mn-cs"/>
-                  </a:defRPr>
-                </a:lvl6pPr>
-                <a:lvl7pPr marL="2743200" algn="l" defTabSz="914400" rtl="0" eaLnBrk="1" latinLnBrk="0" hangingPunct="1">
-                  <a:defRPr sz="1800" kern="1200">
-                    <a:solidFill>
-                      <a:schemeClr val="tx1"/>
-                    </a:solidFill>
-                    <a:latin typeface="+mn-lt"/>
-                    <a:ea typeface="+mn-ea"/>
-                    <a:cs typeface="+mn-cs"/>
-                  </a:defRPr>
-                </a:lvl7pPr>
-                <a:lvl8pPr marL="3200400" algn="l" defTabSz="914400" rtl="0" eaLnBrk="1" latinLnBrk="0" hangingPunct="1">
-                  <a:defRPr sz="1800" kern="1200">
-                    <a:solidFill>
-                      <a:schemeClr val="tx1"/>
-                    </a:solidFill>
-                    <a:latin typeface="+mn-lt"/>
-                    <a:ea typeface="+mn-ea"/>
-                    <a:cs typeface="+mn-cs"/>
-                  </a:defRPr>
-                </a:lvl8pPr>
-                <a:lvl9pPr marL="3657600" algn="l" defTabSz="914400" rtl="0" eaLnBrk="1" latinLnBrk="0" hangingPunct="1">
-                  <a:defRPr sz="1800" kern="1200">
-                    <a:solidFill>
-                      <a:schemeClr val="tx1"/>
-                    </a:solidFill>
-                    <a:latin typeface="+mn-lt"/>
-                    <a:ea typeface="+mn-ea"/>
-                    <a:cs typeface="+mn-cs"/>
-                  </a:defRPr>
-                </a:lvl9pPr>
-              </a:lstStyle>
-              <a:p>
-                <a:pPr algn="ctr"/>
-                <a:r>
-                  <a:rPr lang="en-US" sz="1200" spc="-1" dirty="0">
-                    <a:solidFill>
-                      <a:srgbClr val="000000"/>
-                    </a:solidFill>
-                  </a:rPr>
-                  <a:t>Resolver</a:t>
-                </a:r>
-              </a:p>
-            </p:txBody>
-          </p:sp>
-        </p:grpSp>
+              <a:round/>
+            </a:ln>
+            <a:effectLst>
+              <a:outerShdw blurRad="40000" dist="20160" dir="5400000" rotWithShape="0">
+                <a:srgbClr val="000000">
+                  <a:alpha val="38000"/>
+                </a:srgbClr>
+              </a:outerShdw>
+            </a:effectLst>
+          </p:spPr>
+          <p:style>
+            <a:lnRef idx="1">
+              <a:schemeClr val="dk1"/>
+            </a:lnRef>
+            <a:fillRef idx="2">
+              <a:schemeClr val="dk1"/>
+            </a:fillRef>
+            <a:effectRef idx="1">
+              <a:schemeClr val="dk1"/>
+            </a:effectRef>
+            <a:fontRef idx="minor"/>
+          </p:style>
+          <p:txBody>
+            <a:bodyPr lIns="0" tIns="0" rIns="0" bIns="0" anchor="ctr">
+              <a:noAutofit/>
+            </a:bodyPr>
+            <a:lstStyle>
+              <a:defPPr>
+                <a:defRPr lang="en-US"/>
+              </a:defPPr>
+              <a:lvl1pPr marL="0" algn="l" defTabSz="914400" rtl="0" eaLnBrk="1" latinLnBrk="0" hangingPunct="1">
+                <a:defRPr sz="1800" kern="1200">
+                  <a:solidFill>
+                    <a:schemeClr val="tx1"/>
+                  </a:solidFill>
+                  <a:latin typeface="+mn-lt"/>
+                  <a:ea typeface="+mn-ea"/>
+                  <a:cs typeface="+mn-cs"/>
+                </a:defRPr>
+              </a:lvl1pPr>
+              <a:lvl2pPr marL="457200" algn="l" defTabSz="914400" rtl="0" eaLnBrk="1" latinLnBrk="0" hangingPunct="1">
+                <a:defRPr sz="1800" kern="1200">
+                  <a:solidFill>
+                    <a:schemeClr val="tx1"/>
+                  </a:solidFill>
+                  <a:latin typeface="+mn-lt"/>
+                  <a:ea typeface="+mn-ea"/>
+                  <a:cs typeface="+mn-cs"/>
+                </a:defRPr>
+              </a:lvl2pPr>
+              <a:lvl3pPr marL="914400" algn="l" defTabSz="914400" rtl="0" eaLnBrk="1" latinLnBrk="0" hangingPunct="1">
+                <a:defRPr sz="1800" kern="1200">
+                  <a:solidFill>
+                    <a:schemeClr val="tx1"/>
+                  </a:solidFill>
+                  <a:latin typeface="+mn-lt"/>
+                  <a:ea typeface="+mn-ea"/>
+                  <a:cs typeface="+mn-cs"/>
+                </a:defRPr>
+              </a:lvl3pPr>
+              <a:lvl4pPr marL="1371600" algn="l" defTabSz="914400" rtl="0" eaLnBrk="1" latinLnBrk="0" hangingPunct="1">
+                <a:defRPr sz="1800" kern="1200">
+                  <a:solidFill>
+                    <a:schemeClr val="tx1"/>
+                  </a:solidFill>
+                  <a:latin typeface="+mn-lt"/>
+                  <a:ea typeface="+mn-ea"/>
+                  <a:cs typeface="+mn-cs"/>
+                </a:defRPr>
+              </a:lvl4pPr>
+              <a:lvl5pPr marL="1828800" algn="l" defTabSz="914400" rtl="0" eaLnBrk="1" latinLnBrk="0" hangingPunct="1">
+                <a:defRPr sz="1800" kern="1200">
+                  <a:solidFill>
+                    <a:schemeClr val="tx1"/>
+                  </a:solidFill>
+                  <a:latin typeface="+mn-lt"/>
+                  <a:ea typeface="+mn-ea"/>
+                  <a:cs typeface="+mn-cs"/>
+                </a:defRPr>
+              </a:lvl5pPr>
+              <a:lvl6pPr marL="2286000" algn="l" defTabSz="914400" rtl="0" eaLnBrk="1" latinLnBrk="0" hangingPunct="1">
+                <a:defRPr sz="1800" kern="1200">
+                  <a:solidFill>
+                    <a:schemeClr val="tx1"/>
+                  </a:solidFill>
+                  <a:latin typeface="+mn-lt"/>
+                  <a:ea typeface="+mn-ea"/>
+                  <a:cs typeface="+mn-cs"/>
+                </a:defRPr>
+              </a:lvl6pPr>
+              <a:lvl7pPr marL="2743200" algn="l" defTabSz="914400" rtl="0" eaLnBrk="1" latinLnBrk="0" hangingPunct="1">
+                <a:defRPr sz="1800" kern="1200">
+                  <a:solidFill>
+                    <a:schemeClr val="tx1"/>
+                  </a:solidFill>
+                  <a:latin typeface="+mn-lt"/>
+                  <a:ea typeface="+mn-ea"/>
+                  <a:cs typeface="+mn-cs"/>
+                </a:defRPr>
+              </a:lvl7pPr>
+              <a:lvl8pPr marL="3200400" algn="l" defTabSz="914400" rtl="0" eaLnBrk="1" latinLnBrk="0" hangingPunct="1">
+                <a:defRPr sz="1800" kern="1200">
+                  <a:solidFill>
+                    <a:schemeClr val="tx1"/>
+                  </a:solidFill>
+                  <a:latin typeface="+mn-lt"/>
+                  <a:ea typeface="+mn-ea"/>
+                  <a:cs typeface="+mn-cs"/>
+                </a:defRPr>
+              </a:lvl8pPr>
+              <a:lvl9pPr marL="3657600" algn="l" defTabSz="914400" rtl="0" eaLnBrk="1" latinLnBrk="0" hangingPunct="1">
+                <a:defRPr sz="1800" kern="1200">
+                  <a:solidFill>
+                    <a:schemeClr val="tx1"/>
+                  </a:solidFill>
+                  <a:latin typeface="+mn-lt"/>
+                  <a:ea typeface="+mn-ea"/>
+                  <a:cs typeface="+mn-cs"/>
+                </a:defRPr>
+              </a:lvl9pPr>
+            </a:lstStyle>
+            <a:p>
+              <a:pPr algn="ctr">
+                <a:lnSpc>
+                  <a:spcPct val="100000"/>
+                </a:lnSpc>
+              </a:pPr>
+              <a:r>
+                <a:rPr lang="en-US" sz="1200" b="0" strike="noStrike" spc="-1" dirty="0">
+                  <a:solidFill>
+                    <a:srgbClr val="000000"/>
+                  </a:solidFill>
+                  <a:ea typeface="DejaVu Sans"/>
+                </a:rPr>
+                <a:t>External</a:t>
+              </a:r>
+              <a:endParaRPr lang="en-US" sz="1200" b="0" strike="noStrike" spc="-1" dirty="0"/>
+            </a:p>
+            <a:p>
+              <a:pPr algn="ctr">
+                <a:lnSpc>
+                  <a:spcPct val="100000"/>
+                </a:lnSpc>
+              </a:pPr>
+              <a:r>
+                <a:rPr lang="en-US" sz="1200" b="0" strike="noStrike" spc="-1" dirty="0">
+                  <a:solidFill>
+                    <a:srgbClr val="000000"/>
+                  </a:solidFill>
+                  <a:ea typeface="DejaVu Sans"/>
+                </a:rPr>
+                <a:t>Implementations</a:t>
+              </a:r>
+              <a:endParaRPr lang="en-US" sz="1200" b="0" strike="noStrike" spc="-1" dirty="0"/>
+            </a:p>
+          </p:txBody>
+        </p:sp>
+        <p:sp>
+          <p:nvSpPr>
+            <p:cNvPr id="7" name="CustomShape 11">
+              <a:extLst>
+                <a:ext uri="{FF2B5EF4-FFF2-40B4-BE49-F238E27FC236}">
+                  <a16:creationId xmlns:a16="http://schemas.microsoft.com/office/drawing/2014/main" id="{8E87E5F8-3B0F-93DE-850A-A345C5FF6798}"/>
+                </a:ext>
+              </a:extLst>
+            </p:cNvPr>
+            <p:cNvSpPr/>
+            <p:nvPr/>
+          </p:nvSpPr>
+          <p:spPr>
+            <a:xfrm>
+              <a:off x="4290810" y="2791800"/>
+              <a:ext cx="1150886" cy="900000"/>
+            </a:xfrm>
+            <a:prstGeom prst="flowChartDocument">
+              <a:avLst/>
+            </a:prstGeom>
+            <a:gradFill rotWithShape="0">
+              <a:gsLst>
+                <a:gs pos="0">
+                  <a:srgbClr val="D0D0D0"/>
+                </a:gs>
+                <a:gs pos="100000">
+                  <a:srgbClr val="EDEDED"/>
+                </a:gs>
+              </a:gsLst>
+              <a:lin ang="16200000"/>
+            </a:gradFill>
+            <a:ln>
+              <a:solidFill>
+                <a:srgbClr val="000000"/>
+              </a:solidFill>
+              <a:round/>
+            </a:ln>
+            <a:effectLst>
+              <a:outerShdw blurRad="40000" dist="20160" dir="5400000" rotWithShape="0">
+                <a:srgbClr val="000000">
+                  <a:alpha val="38000"/>
+                </a:srgbClr>
+              </a:outerShdw>
+            </a:effectLst>
+          </p:spPr>
+          <p:style>
+            <a:lnRef idx="1">
+              <a:schemeClr val="dk1"/>
+            </a:lnRef>
+            <a:fillRef idx="2">
+              <a:schemeClr val="dk1"/>
+            </a:fillRef>
+            <a:effectRef idx="1">
+              <a:schemeClr val="dk1"/>
+            </a:effectRef>
+            <a:fontRef idx="minor"/>
+          </p:style>
+          <p:txBody>
+            <a:bodyPr lIns="0" tIns="0" rIns="0" bIns="0" anchor="ctr">
+              <a:noAutofit/>
+            </a:bodyPr>
+            <a:lstStyle>
+              <a:defPPr>
+                <a:defRPr lang="en-US"/>
+              </a:defPPr>
+              <a:lvl1pPr marL="0" algn="l" defTabSz="914400" rtl="0" eaLnBrk="1" latinLnBrk="0" hangingPunct="1">
+                <a:defRPr sz="1800" kern="1200">
+                  <a:solidFill>
+                    <a:schemeClr val="tx1"/>
+                  </a:solidFill>
+                  <a:latin typeface="+mn-lt"/>
+                  <a:ea typeface="+mn-ea"/>
+                  <a:cs typeface="+mn-cs"/>
+                </a:defRPr>
+              </a:lvl1pPr>
+              <a:lvl2pPr marL="457200" algn="l" defTabSz="914400" rtl="0" eaLnBrk="1" latinLnBrk="0" hangingPunct="1">
+                <a:defRPr sz="1800" kern="1200">
+                  <a:solidFill>
+                    <a:schemeClr val="tx1"/>
+                  </a:solidFill>
+                  <a:latin typeface="+mn-lt"/>
+                  <a:ea typeface="+mn-ea"/>
+                  <a:cs typeface="+mn-cs"/>
+                </a:defRPr>
+              </a:lvl2pPr>
+              <a:lvl3pPr marL="914400" algn="l" defTabSz="914400" rtl="0" eaLnBrk="1" latinLnBrk="0" hangingPunct="1">
+                <a:defRPr sz="1800" kern="1200">
+                  <a:solidFill>
+                    <a:schemeClr val="tx1"/>
+                  </a:solidFill>
+                  <a:latin typeface="+mn-lt"/>
+                  <a:ea typeface="+mn-ea"/>
+                  <a:cs typeface="+mn-cs"/>
+                </a:defRPr>
+              </a:lvl3pPr>
+              <a:lvl4pPr marL="1371600" algn="l" defTabSz="914400" rtl="0" eaLnBrk="1" latinLnBrk="0" hangingPunct="1">
+                <a:defRPr sz="1800" kern="1200">
+                  <a:solidFill>
+                    <a:schemeClr val="tx1"/>
+                  </a:solidFill>
+                  <a:latin typeface="+mn-lt"/>
+                  <a:ea typeface="+mn-ea"/>
+                  <a:cs typeface="+mn-cs"/>
+                </a:defRPr>
+              </a:lvl4pPr>
+              <a:lvl5pPr marL="1828800" algn="l" defTabSz="914400" rtl="0" eaLnBrk="1" latinLnBrk="0" hangingPunct="1">
+                <a:defRPr sz="1800" kern="1200">
+                  <a:solidFill>
+                    <a:schemeClr val="tx1"/>
+                  </a:solidFill>
+                  <a:latin typeface="+mn-lt"/>
+                  <a:ea typeface="+mn-ea"/>
+                  <a:cs typeface="+mn-cs"/>
+                </a:defRPr>
+              </a:lvl5pPr>
+              <a:lvl6pPr marL="2286000" algn="l" defTabSz="914400" rtl="0" eaLnBrk="1" latinLnBrk="0" hangingPunct="1">
+                <a:defRPr sz="1800" kern="1200">
+                  <a:solidFill>
+                    <a:schemeClr val="tx1"/>
+                  </a:solidFill>
+                  <a:latin typeface="+mn-lt"/>
+                  <a:ea typeface="+mn-ea"/>
+                  <a:cs typeface="+mn-cs"/>
+                </a:defRPr>
+              </a:lvl6pPr>
+              <a:lvl7pPr marL="2743200" algn="l" defTabSz="914400" rtl="0" eaLnBrk="1" latinLnBrk="0" hangingPunct="1">
+                <a:defRPr sz="1800" kern="1200">
+                  <a:solidFill>
+                    <a:schemeClr val="tx1"/>
+                  </a:solidFill>
+                  <a:latin typeface="+mn-lt"/>
+                  <a:ea typeface="+mn-ea"/>
+                  <a:cs typeface="+mn-cs"/>
+                </a:defRPr>
+              </a:lvl7pPr>
+              <a:lvl8pPr marL="3200400" algn="l" defTabSz="914400" rtl="0" eaLnBrk="1" latinLnBrk="0" hangingPunct="1">
+                <a:defRPr sz="1800" kern="1200">
+                  <a:solidFill>
+                    <a:schemeClr val="tx1"/>
+                  </a:solidFill>
+                  <a:latin typeface="+mn-lt"/>
+                  <a:ea typeface="+mn-ea"/>
+                  <a:cs typeface="+mn-cs"/>
+                </a:defRPr>
+              </a:lvl8pPr>
+              <a:lvl9pPr marL="3657600" algn="l" defTabSz="914400" rtl="0" eaLnBrk="1" latinLnBrk="0" hangingPunct="1">
+                <a:defRPr sz="1800" kern="1200">
+                  <a:solidFill>
+                    <a:schemeClr val="tx1"/>
+                  </a:solidFill>
+                  <a:latin typeface="+mn-lt"/>
+                  <a:ea typeface="+mn-ea"/>
+                  <a:cs typeface="+mn-cs"/>
+                </a:defRPr>
+              </a:lvl9pPr>
+            </a:lstStyle>
+            <a:p>
+              <a:pPr algn="ctr">
+                <a:lnSpc>
+                  <a:spcPct val="100000"/>
+                </a:lnSpc>
+              </a:pPr>
+              <a:r>
+                <a:rPr lang="en-US" sz="1200" b="0" strike="noStrike" spc="-1" dirty="0">
+                  <a:solidFill>
+                    <a:srgbClr val="000000"/>
+                  </a:solidFill>
+                  <a:ea typeface="DejaVu Sans"/>
+                </a:rPr>
+                <a:t>TOSCA</a:t>
+              </a:r>
+            </a:p>
+            <a:p>
+              <a:pPr algn="ctr">
+                <a:lnSpc>
+                  <a:spcPct val="100000"/>
+                </a:lnSpc>
+              </a:pPr>
+              <a:r>
+                <a:rPr lang="en-US" sz="1200" b="0" strike="noStrike" spc="-1" dirty="0">
+                  <a:solidFill>
+                    <a:srgbClr val="000000"/>
+                  </a:solidFill>
+                  <a:ea typeface="DejaVu Sans"/>
+                </a:rPr>
+                <a:t>Templates</a:t>
+              </a:r>
+              <a:endParaRPr lang="en-US" sz="1200" b="0" strike="noStrike" spc="-1" dirty="0"/>
+            </a:p>
+          </p:txBody>
+        </p:sp>
+        <p:sp>
+          <p:nvSpPr>
+            <p:cNvPr id="11" name="CustomShape 11">
+              <a:extLst>
+                <a:ext uri="{FF2B5EF4-FFF2-40B4-BE49-F238E27FC236}">
+                  <a16:creationId xmlns:a16="http://schemas.microsoft.com/office/drawing/2014/main" id="{7EE4D578-672D-851A-AA83-8AD3B4CC418F}"/>
+                </a:ext>
+              </a:extLst>
+            </p:cNvPr>
+            <p:cNvSpPr/>
+            <p:nvPr/>
+          </p:nvSpPr>
+          <p:spPr>
+            <a:xfrm>
+              <a:off x="4290808" y="4052538"/>
+              <a:ext cx="1150886" cy="900000"/>
+            </a:xfrm>
+            <a:prstGeom prst="flowChartDocument">
+              <a:avLst/>
+            </a:prstGeom>
+            <a:gradFill rotWithShape="0">
+              <a:gsLst>
+                <a:gs pos="0">
+                  <a:srgbClr val="D0D0D0"/>
+                </a:gs>
+                <a:gs pos="100000">
+                  <a:srgbClr val="EDEDED"/>
+                </a:gs>
+              </a:gsLst>
+              <a:lin ang="16200000"/>
+            </a:gradFill>
+            <a:ln>
+              <a:solidFill>
+                <a:srgbClr val="000000"/>
+              </a:solidFill>
+              <a:round/>
+            </a:ln>
+            <a:effectLst>
+              <a:outerShdw blurRad="40000" dist="20160" dir="5400000" rotWithShape="0">
+                <a:srgbClr val="000000">
+                  <a:alpha val="38000"/>
+                </a:srgbClr>
+              </a:outerShdw>
+            </a:effectLst>
+          </p:spPr>
+          <p:style>
+            <a:lnRef idx="1">
+              <a:schemeClr val="dk1"/>
+            </a:lnRef>
+            <a:fillRef idx="2">
+              <a:schemeClr val="dk1"/>
+            </a:fillRef>
+            <a:effectRef idx="1">
+              <a:schemeClr val="dk1"/>
+            </a:effectRef>
+            <a:fontRef idx="minor"/>
+          </p:style>
+          <p:txBody>
+            <a:bodyPr lIns="0" tIns="0" rIns="0" bIns="0" anchor="ctr">
+              <a:noAutofit/>
+            </a:bodyPr>
+            <a:lstStyle>
+              <a:defPPr>
+                <a:defRPr lang="en-US"/>
+              </a:defPPr>
+              <a:lvl1pPr marL="0" algn="l" defTabSz="914400" rtl="0" eaLnBrk="1" latinLnBrk="0" hangingPunct="1">
+                <a:defRPr sz="1800" kern="1200">
+                  <a:solidFill>
+                    <a:schemeClr val="tx1"/>
+                  </a:solidFill>
+                  <a:latin typeface="+mn-lt"/>
+                  <a:ea typeface="+mn-ea"/>
+                  <a:cs typeface="+mn-cs"/>
+                </a:defRPr>
+              </a:lvl1pPr>
+              <a:lvl2pPr marL="457200" algn="l" defTabSz="914400" rtl="0" eaLnBrk="1" latinLnBrk="0" hangingPunct="1">
+                <a:defRPr sz="1800" kern="1200">
+                  <a:solidFill>
+                    <a:schemeClr val="tx1"/>
+                  </a:solidFill>
+                  <a:latin typeface="+mn-lt"/>
+                  <a:ea typeface="+mn-ea"/>
+                  <a:cs typeface="+mn-cs"/>
+                </a:defRPr>
+              </a:lvl2pPr>
+              <a:lvl3pPr marL="914400" algn="l" defTabSz="914400" rtl="0" eaLnBrk="1" latinLnBrk="0" hangingPunct="1">
+                <a:defRPr sz="1800" kern="1200">
+                  <a:solidFill>
+                    <a:schemeClr val="tx1"/>
+                  </a:solidFill>
+                  <a:latin typeface="+mn-lt"/>
+                  <a:ea typeface="+mn-ea"/>
+                  <a:cs typeface="+mn-cs"/>
+                </a:defRPr>
+              </a:lvl3pPr>
+              <a:lvl4pPr marL="1371600" algn="l" defTabSz="914400" rtl="0" eaLnBrk="1" latinLnBrk="0" hangingPunct="1">
+                <a:defRPr sz="1800" kern="1200">
+                  <a:solidFill>
+                    <a:schemeClr val="tx1"/>
+                  </a:solidFill>
+                  <a:latin typeface="+mn-lt"/>
+                  <a:ea typeface="+mn-ea"/>
+                  <a:cs typeface="+mn-cs"/>
+                </a:defRPr>
+              </a:lvl4pPr>
+              <a:lvl5pPr marL="1828800" algn="l" defTabSz="914400" rtl="0" eaLnBrk="1" latinLnBrk="0" hangingPunct="1">
+                <a:defRPr sz="1800" kern="1200">
+                  <a:solidFill>
+                    <a:schemeClr val="tx1"/>
+                  </a:solidFill>
+                  <a:latin typeface="+mn-lt"/>
+                  <a:ea typeface="+mn-ea"/>
+                  <a:cs typeface="+mn-cs"/>
+                </a:defRPr>
+              </a:lvl5pPr>
+              <a:lvl6pPr marL="2286000" algn="l" defTabSz="914400" rtl="0" eaLnBrk="1" latinLnBrk="0" hangingPunct="1">
+                <a:defRPr sz="1800" kern="1200">
+                  <a:solidFill>
+                    <a:schemeClr val="tx1"/>
+                  </a:solidFill>
+                  <a:latin typeface="+mn-lt"/>
+                  <a:ea typeface="+mn-ea"/>
+                  <a:cs typeface="+mn-cs"/>
+                </a:defRPr>
+              </a:lvl6pPr>
+              <a:lvl7pPr marL="2743200" algn="l" defTabSz="914400" rtl="0" eaLnBrk="1" latinLnBrk="0" hangingPunct="1">
+                <a:defRPr sz="1800" kern="1200">
+                  <a:solidFill>
+                    <a:schemeClr val="tx1"/>
+                  </a:solidFill>
+                  <a:latin typeface="+mn-lt"/>
+                  <a:ea typeface="+mn-ea"/>
+                  <a:cs typeface="+mn-cs"/>
+                </a:defRPr>
+              </a:lvl7pPr>
+              <a:lvl8pPr marL="3200400" algn="l" defTabSz="914400" rtl="0" eaLnBrk="1" latinLnBrk="0" hangingPunct="1">
+                <a:defRPr sz="1800" kern="1200">
+                  <a:solidFill>
+                    <a:schemeClr val="tx1"/>
+                  </a:solidFill>
+                  <a:latin typeface="+mn-lt"/>
+                  <a:ea typeface="+mn-ea"/>
+                  <a:cs typeface="+mn-cs"/>
+                </a:defRPr>
+              </a:lvl8pPr>
+              <a:lvl9pPr marL="3657600" algn="l" defTabSz="914400" rtl="0" eaLnBrk="1" latinLnBrk="0" hangingPunct="1">
+                <a:defRPr sz="1800" kern="1200">
+                  <a:solidFill>
+                    <a:schemeClr val="tx1"/>
+                  </a:solidFill>
+                  <a:latin typeface="+mn-lt"/>
+                  <a:ea typeface="+mn-ea"/>
+                  <a:cs typeface="+mn-cs"/>
+                </a:defRPr>
+              </a:lvl9pPr>
+            </a:lstStyle>
+            <a:p>
+              <a:pPr algn="ctr">
+                <a:lnSpc>
+                  <a:spcPct val="100000"/>
+                </a:lnSpc>
+              </a:pPr>
+              <a:r>
+                <a:rPr lang="en-US" sz="1200" spc="-1" dirty="0">
+                  <a:solidFill>
+                    <a:srgbClr val="000000"/>
+                  </a:solidFill>
+                </a:rPr>
+                <a:t>TOSCA Types</a:t>
+              </a:r>
+              <a:endParaRPr lang="en-US" sz="1200" b="0" strike="noStrike" spc="-1" dirty="0"/>
+            </a:p>
+          </p:txBody>
+        </p:sp>
+        <p:sp>
+          <p:nvSpPr>
+            <p:cNvPr id="26" name="CustomShape 1">
+              <a:extLst>
+                <a:ext uri="{FF2B5EF4-FFF2-40B4-BE49-F238E27FC236}">
+                  <a16:creationId xmlns:a16="http://schemas.microsoft.com/office/drawing/2014/main" id="{C5D1BDEB-0109-B916-2AB8-2F09D5F85127}"/>
+                </a:ext>
+              </a:extLst>
+            </p:cNvPr>
+            <p:cNvSpPr/>
+            <p:nvPr/>
+          </p:nvSpPr>
+          <p:spPr>
+            <a:xfrm>
+              <a:off x="3160825" y="2604600"/>
+              <a:ext cx="853109" cy="2450478"/>
+            </a:xfrm>
+            <a:prstGeom prst="rect">
+              <a:avLst/>
+            </a:prstGeom>
+            <a:solidFill>
+              <a:schemeClr val="bg1"/>
+            </a:solidFill>
+            <a:ln>
+              <a:solidFill>
+                <a:schemeClr val="tx1"/>
+              </a:solidFill>
+              <a:prstDash val="sysDash"/>
+              <a:round/>
+            </a:ln>
+          </p:spPr>
+          <p:style>
+            <a:lnRef idx="2">
+              <a:schemeClr val="accent1">
+                <a:shade val="50000"/>
+              </a:schemeClr>
+            </a:lnRef>
+            <a:fillRef idx="1">
+              <a:schemeClr val="accent1"/>
+            </a:fillRef>
+            <a:effectRef idx="0">
+              <a:schemeClr val="accent1"/>
+            </a:effectRef>
+            <a:fontRef idx="minor"/>
+          </p:style>
+          <p:txBody>
+            <a:bodyPr lIns="0" tIns="45720" rIns="0" bIns="45720">
+              <a:noAutofit/>
+            </a:bodyPr>
+            <a:lstStyle>
+              <a:defPPr>
+                <a:defRPr lang="en-US"/>
+              </a:defPPr>
+              <a:lvl1pPr marL="0" algn="l" defTabSz="914400" rtl="0" eaLnBrk="1" latinLnBrk="0" hangingPunct="1">
+                <a:defRPr sz="1800" kern="1200">
+                  <a:solidFill>
+                    <a:schemeClr val="tx1"/>
+                  </a:solidFill>
+                  <a:latin typeface="+mn-lt"/>
+                  <a:ea typeface="+mn-ea"/>
+                  <a:cs typeface="+mn-cs"/>
+                </a:defRPr>
+              </a:lvl1pPr>
+              <a:lvl2pPr marL="457200" algn="l" defTabSz="914400" rtl="0" eaLnBrk="1" latinLnBrk="0" hangingPunct="1">
+                <a:defRPr sz="1800" kern="1200">
+                  <a:solidFill>
+                    <a:schemeClr val="tx1"/>
+                  </a:solidFill>
+                  <a:latin typeface="+mn-lt"/>
+                  <a:ea typeface="+mn-ea"/>
+                  <a:cs typeface="+mn-cs"/>
+                </a:defRPr>
+              </a:lvl2pPr>
+              <a:lvl3pPr marL="914400" algn="l" defTabSz="914400" rtl="0" eaLnBrk="1" latinLnBrk="0" hangingPunct="1">
+                <a:defRPr sz="1800" kern="1200">
+                  <a:solidFill>
+                    <a:schemeClr val="tx1"/>
+                  </a:solidFill>
+                  <a:latin typeface="+mn-lt"/>
+                  <a:ea typeface="+mn-ea"/>
+                  <a:cs typeface="+mn-cs"/>
+                </a:defRPr>
+              </a:lvl3pPr>
+              <a:lvl4pPr marL="1371600" algn="l" defTabSz="914400" rtl="0" eaLnBrk="1" latinLnBrk="0" hangingPunct="1">
+                <a:defRPr sz="1800" kern="1200">
+                  <a:solidFill>
+                    <a:schemeClr val="tx1"/>
+                  </a:solidFill>
+                  <a:latin typeface="+mn-lt"/>
+                  <a:ea typeface="+mn-ea"/>
+                  <a:cs typeface="+mn-cs"/>
+                </a:defRPr>
+              </a:lvl4pPr>
+              <a:lvl5pPr marL="1828800" algn="l" defTabSz="914400" rtl="0" eaLnBrk="1" latinLnBrk="0" hangingPunct="1">
+                <a:defRPr sz="1800" kern="1200">
+                  <a:solidFill>
+                    <a:schemeClr val="tx1"/>
+                  </a:solidFill>
+                  <a:latin typeface="+mn-lt"/>
+                  <a:ea typeface="+mn-ea"/>
+                  <a:cs typeface="+mn-cs"/>
+                </a:defRPr>
+              </a:lvl5pPr>
+              <a:lvl6pPr marL="2286000" algn="l" defTabSz="914400" rtl="0" eaLnBrk="1" latinLnBrk="0" hangingPunct="1">
+                <a:defRPr sz="1800" kern="1200">
+                  <a:solidFill>
+                    <a:schemeClr val="tx1"/>
+                  </a:solidFill>
+                  <a:latin typeface="+mn-lt"/>
+                  <a:ea typeface="+mn-ea"/>
+                  <a:cs typeface="+mn-cs"/>
+                </a:defRPr>
+              </a:lvl6pPr>
+              <a:lvl7pPr marL="2743200" algn="l" defTabSz="914400" rtl="0" eaLnBrk="1" latinLnBrk="0" hangingPunct="1">
+                <a:defRPr sz="1800" kern="1200">
+                  <a:solidFill>
+                    <a:schemeClr val="tx1"/>
+                  </a:solidFill>
+                  <a:latin typeface="+mn-lt"/>
+                  <a:ea typeface="+mn-ea"/>
+                  <a:cs typeface="+mn-cs"/>
+                </a:defRPr>
+              </a:lvl7pPr>
+              <a:lvl8pPr marL="3200400" algn="l" defTabSz="914400" rtl="0" eaLnBrk="1" latinLnBrk="0" hangingPunct="1">
+                <a:defRPr sz="1800" kern="1200">
+                  <a:solidFill>
+                    <a:schemeClr val="tx1"/>
+                  </a:solidFill>
+                  <a:latin typeface="+mn-lt"/>
+                  <a:ea typeface="+mn-ea"/>
+                  <a:cs typeface="+mn-cs"/>
+                </a:defRPr>
+              </a:lvl8pPr>
+              <a:lvl9pPr marL="3657600" algn="l" defTabSz="914400" rtl="0" eaLnBrk="1" latinLnBrk="0" hangingPunct="1">
+                <a:defRPr sz="1800" kern="1200">
+                  <a:solidFill>
+                    <a:schemeClr val="tx1"/>
+                  </a:solidFill>
+                  <a:latin typeface="+mn-lt"/>
+                  <a:ea typeface="+mn-ea"/>
+                  <a:cs typeface="+mn-cs"/>
+                </a:defRPr>
+              </a:lvl9pPr>
+            </a:lstStyle>
+            <a:p>
+              <a:pPr algn="ctr"/>
+              <a:r>
+                <a:rPr lang="en-US" sz="1200" spc="-1" dirty="0">
+                  <a:solidFill>
+                    <a:srgbClr val="000000"/>
+                  </a:solidFill>
+                </a:rPr>
+                <a:t>Parser / Validator</a:t>
+              </a:r>
+            </a:p>
+          </p:txBody>
+        </p:sp>
+        <p:sp>
+          <p:nvSpPr>
+            <p:cNvPr id="33" name="Line 15">
+              <a:extLst>
+                <a:ext uri="{FF2B5EF4-FFF2-40B4-BE49-F238E27FC236}">
+                  <a16:creationId xmlns:a16="http://schemas.microsoft.com/office/drawing/2014/main" id="{244AC52C-D4F8-BACE-AB1A-555C91BC1304}"/>
+                </a:ext>
+              </a:extLst>
+            </p:cNvPr>
+            <p:cNvSpPr/>
+            <p:nvPr/>
+          </p:nvSpPr>
+          <p:spPr>
+            <a:xfrm flipH="1" flipV="1">
+              <a:off x="4013933" y="3241800"/>
+              <a:ext cx="276875" cy="0"/>
+            </a:xfrm>
+            <a:prstGeom prst="line">
+              <a:avLst/>
+            </a:prstGeom>
+            <a:ln w="28575">
+              <a:solidFill>
+                <a:schemeClr val="tx1"/>
+              </a:solidFill>
+              <a:round/>
+              <a:headEnd type="triangle" w="med" len="med"/>
+              <a:tailEnd type="triangle" w="med" len="med"/>
+            </a:ln>
+          </p:spPr>
+          <p:style>
+            <a:lnRef idx="1">
+              <a:schemeClr val="dk1"/>
+            </a:lnRef>
+            <a:fillRef idx="0">
+              <a:schemeClr val="dk1"/>
+            </a:fillRef>
+            <a:effectRef idx="0">
+              <a:schemeClr val="dk1"/>
+            </a:effectRef>
+            <a:fontRef idx="minor"/>
+          </p:style>
+          <p:txBody>
+            <a:bodyPr/>
+            <a:lstStyle/>
+            <a:p>
+              <a:endParaRPr lang="en-US" sz="1200" dirty="0"/>
+            </a:p>
+          </p:txBody>
+        </p:sp>
+        <p:sp>
+          <p:nvSpPr>
+            <p:cNvPr id="2" name="CustomShape 1">
+              <a:extLst>
+                <a:ext uri="{FF2B5EF4-FFF2-40B4-BE49-F238E27FC236}">
+                  <a16:creationId xmlns:a16="http://schemas.microsoft.com/office/drawing/2014/main" id="{818F12E8-A30F-41CC-B652-64C7D3A284D3}"/>
+                </a:ext>
+              </a:extLst>
+            </p:cNvPr>
+            <p:cNvSpPr/>
+            <p:nvPr/>
+          </p:nvSpPr>
+          <p:spPr>
+            <a:xfrm>
+              <a:off x="8276319" y="2604600"/>
+              <a:ext cx="853109" cy="1274400"/>
+            </a:xfrm>
+            <a:prstGeom prst="rect">
+              <a:avLst/>
+            </a:prstGeom>
+            <a:solidFill>
+              <a:schemeClr val="bg1"/>
+            </a:solidFill>
+            <a:ln>
+              <a:solidFill>
+                <a:schemeClr val="tx1"/>
+              </a:solidFill>
+              <a:prstDash val="sysDash"/>
+              <a:round/>
+            </a:ln>
+          </p:spPr>
+          <p:style>
+            <a:lnRef idx="2">
+              <a:schemeClr val="accent1">
+                <a:shade val="50000"/>
+              </a:schemeClr>
+            </a:lnRef>
+            <a:fillRef idx="1">
+              <a:schemeClr val="accent1"/>
+            </a:fillRef>
+            <a:effectRef idx="0">
+              <a:schemeClr val="accent1"/>
+            </a:effectRef>
+            <a:fontRef idx="minor"/>
+          </p:style>
+          <p:txBody>
+            <a:bodyPr lIns="0" tIns="45720" rIns="0" bIns="45720">
+              <a:noAutofit/>
+            </a:bodyPr>
+            <a:lstStyle>
+              <a:defPPr>
+                <a:defRPr lang="en-US"/>
+              </a:defPPr>
+              <a:lvl1pPr marL="0" algn="l" defTabSz="914400" rtl="0" eaLnBrk="1" latinLnBrk="0" hangingPunct="1">
+                <a:defRPr sz="1800" kern="1200">
+                  <a:solidFill>
+                    <a:schemeClr val="tx1"/>
+                  </a:solidFill>
+                  <a:latin typeface="+mn-lt"/>
+                  <a:ea typeface="+mn-ea"/>
+                  <a:cs typeface="+mn-cs"/>
+                </a:defRPr>
+              </a:lvl1pPr>
+              <a:lvl2pPr marL="457200" algn="l" defTabSz="914400" rtl="0" eaLnBrk="1" latinLnBrk="0" hangingPunct="1">
+                <a:defRPr sz="1800" kern="1200">
+                  <a:solidFill>
+                    <a:schemeClr val="tx1"/>
+                  </a:solidFill>
+                  <a:latin typeface="+mn-lt"/>
+                  <a:ea typeface="+mn-ea"/>
+                  <a:cs typeface="+mn-cs"/>
+                </a:defRPr>
+              </a:lvl2pPr>
+              <a:lvl3pPr marL="914400" algn="l" defTabSz="914400" rtl="0" eaLnBrk="1" latinLnBrk="0" hangingPunct="1">
+                <a:defRPr sz="1800" kern="1200">
+                  <a:solidFill>
+                    <a:schemeClr val="tx1"/>
+                  </a:solidFill>
+                  <a:latin typeface="+mn-lt"/>
+                  <a:ea typeface="+mn-ea"/>
+                  <a:cs typeface="+mn-cs"/>
+                </a:defRPr>
+              </a:lvl3pPr>
+              <a:lvl4pPr marL="1371600" algn="l" defTabSz="914400" rtl="0" eaLnBrk="1" latinLnBrk="0" hangingPunct="1">
+                <a:defRPr sz="1800" kern="1200">
+                  <a:solidFill>
+                    <a:schemeClr val="tx1"/>
+                  </a:solidFill>
+                  <a:latin typeface="+mn-lt"/>
+                  <a:ea typeface="+mn-ea"/>
+                  <a:cs typeface="+mn-cs"/>
+                </a:defRPr>
+              </a:lvl4pPr>
+              <a:lvl5pPr marL="1828800" algn="l" defTabSz="914400" rtl="0" eaLnBrk="1" latinLnBrk="0" hangingPunct="1">
+                <a:defRPr sz="1800" kern="1200">
+                  <a:solidFill>
+                    <a:schemeClr val="tx1"/>
+                  </a:solidFill>
+                  <a:latin typeface="+mn-lt"/>
+                  <a:ea typeface="+mn-ea"/>
+                  <a:cs typeface="+mn-cs"/>
+                </a:defRPr>
+              </a:lvl5pPr>
+              <a:lvl6pPr marL="2286000" algn="l" defTabSz="914400" rtl="0" eaLnBrk="1" latinLnBrk="0" hangingPunct="1">
+                <a:defRPr sz="1800" kern="1200">
+                  <a:solidFill>
+                    <a:schemeClr val="tx1"/>
+                  </a:solidFill>
+                  <a:latin typeface="+mn-lt"/>
+                  <a:ea typeface="+mn-ea"/>
+                  <a:cs typeface="+mn-cs"/>
+                </a:defRPr>
+              </a:lvl6pPr>
+              <a:lvl7pPr marL="2743200" algn="l" defTabSz="914400" rtl="0" eaLnBrk="1" latinLnBrk="0" hangingPunct="1">
+                <a:defRPr sz="1800" kern="1200">
+                  <a:solidFill>
+                    <a:schemeClr val="tx1"/>
+                  </a:solidFill>
+                  <a:latin typeface="+mn-lt"/>
+                  <a:ea typeface="+mn-ea"/>
+                  <a:cs typeface="+mn-cs"/>
+                </a:defRPr>
+              </a:lvl7pPr>
+              <a:lvl8pPr marL="3200400" algn="l" defTabSz="914400" rtl="0" eaLnBrk="1" latinLnBrk="0" hangingPunct="1">
+                <a:defRPr sz="1800" kern="1200">
+                  <a:solidFill>
+                    <a:schemeClr val="tx1"/>
+                  </a:solidFill>
+                  <a:latin typeface="+mn-lt"/>
+                  <a:ea typeface="+mn-ea"/>
+                  <a:cs typeface="+mn-cs"/>
+                </a:defRPr>
+              </a:lvl8pPr>
+              <a:lvl9pPr marL="3657600" algn="l" defTabSz="914400" rtl="0" eaLnBrk="1" latinLnBrk="0" hangingPunct="1">
+                <a:defRPr sz="1800" kern="1200">
+                  <a:solidFill>
+                    <a:schemeClr val="tx1"/>
+                  </a:solidFill>
+                  <a:latin typeface="+mn-lt"/>
+                  <a:ea typeface="+mn-ea"/>
+                  <a:cs typeface="+mn-cs"/>
+                </a:defRPr>
+              </a:lvl9pPr>
+            </a:lstStyle>
+            <a:p>
+              <a:pPr algn="ctr"/>
+              <a:r>
+                <a:rPr lang="en-US" sz="1200" spc="-1" dirty="0">
+                  <a:solidFill>
+                    <a:srgbClr val="000000"/>
+                  </a:solidFill>
+                </a:rPr>
+                <a:t>Orchestrator</a:t>
+              </a:r>
+            </a:p>
+          </p:txBody>
+        </p:sp>
+        <p:sp>
+          <p:nvSpPr>
+            <p:cNvPr id="17" name="CustomShape 1">
+              <a:extLst>
+                <a:ext uri="{FF2B5EF4-FFF2-40B4-BE49-F238E27FC236}">
+                  <a16:creationId xmlns:a16="http://schemas.microsoft.com/office/drawing/2014/main" id="{CED8B2F9-986B-BB84-0822-B4BC00B489A2}"/>
+                </a:ext>
+              </a:extLst>
+            </p:cNvPr>
+            <p:cNvSpPr/>
+            <p:nvPr/>
+          </p:nvSpPr>
+          <p:spPr>
+            <a:xfrm>
+              <a:off x="5718572" y="2604600"/>
+              <a:ext cx="853109" cy="1274400"/>
+            </a:xfrm>
+            <a:prstGeom prst="rect">
+              <a:avLst/>
+            </a:prstGeom>
+            <a:solidFill>
+              <a:schemeClr val="bg1"/>
+            </a:solidFill>
+            <a:ln>
+              <a:solidFill>
+                <a:schemeClr val="tx1"/>
+              </a:solidFill>
+              <a:prstDash val="sysDash"/>
+              <a:round/>
+            </a:ln>
+          </p:spPr>
+          <p:style>
+            <a:lnRef idx="2">
+              <a:schemeClr val="accent1">
+                <a:shade val="50000"/>
+              </a:schemeClr>
+            </a:lnRef>
+            <a:fillRef idx="1">
+              <a:schemeClr val="accent1"/>
+            </a:fillRef>
+            <a:effectRef idx="0">
+              <a:schemeClr val="accent1"/>
+            </a:effectRef>
+            <a:fontRef idx="minor"/>
+          </p:style>
+          <p:txBody>
+            <a:bodyPr lIns="0" tIns="45720" rIns="0" bIns="45720">
+              <a:noAutofit/>
+            </a:bodyPr>
+            <a:lstStyle>
+              <a:defPPr>
+                <a:defRPr lang="en-US"/>
+              </a:defPPr>
+              <a:lvl1pPr marL="0" algn="l" defTabSz="914400" rtl="0" eaLnBrk="1" latinLnBrk="0" hangingPunct="1">
+                <a:defRPr sz="1800" kern="1200">
+                  <a:solidFill>
+                    <a:schemeClr val="tx1"/>
+                  </a:solidFill>
+                  <a:latin typeface="+mn-lt"/>
+                  <a:ea typeface="+mn-ea"/>
+                  <a:cs typeface="+mn-cs"/>
+                </a:defRPr>
+              </a:lvl1pPr>
+              <a:lvl2pPr marL="457200" algn="l" defTabSz="914400" rtl="0" eaLnBrk="1" latinLnBrk="0" hangingPunct="1">
+                <a:defRPr sz="1800" kern="1200">
+                  <a:solidFill>
+                    <a:schemeClr val="tx1"/>
+                  </a:solidFill>
+                  <a:latin typeface="+mn-lt"/>
+                  <a:ea typeface="+mn-ea"/>
+                  <a:cs typeface="+mn-cs"/>
+                </a:defRPr>
+              </a:lvl2pPr>
+              <a:lvl3pPr marL="914400" algn="l" defTabSz="914400" rtl="0" eaLnBrk="1" latinLnBrk="0" hangingPunct="1">
+                <a:defRPr sz="1800" kern="1200">
+                  <a:solidFill>
+                    <a:schemeClr val="tx1"/>
+                  </a:solidFill>
+                  <a:latin typeface="+mn-lt"/>
+                  <a:ea typeface="+mn-ea"/>
+                  <a:cs typeface="+mn-cs"/>
+                </a:defRPr>
+              </a:lvl3pPr>
+              <a:lvl4pPr marL="1371600" algn="l" defTabSz="914400" rtl="0" eaLnBrk="1" latinLnBrk="0" hangingPunct="1">
+                <a:defRPr sz="1800" kern="1200">
+                  <a:solidFill>
+                    <a:schemeClr val="tx1"/>
+                  </a:solidFill>
+                  <a:latin typeface="+mn-lt"/>
+                  <a:ea typeface="+mn-ea"/>
+                  <a:cs typeface="+mn-cs"/>
+                </a:defRPr>
+              </a:lvl4pPr>
+              <a:lvl5pPr marL="1828800" algn="l" defTabSz="914400" rtl="0" eaLnBrk="1" latinLnBrk="0" hangingPunct="1">
+                <a:defRPr sz="1800" kern="1200">
+                  <a:solidFill>
+                    <a:schemeClr val="tx1"/>
+                  </a:solidFill>
+                  <a:latin typeface="+mn-lt"/>
+                  <a:ea typeface="+mn-ea"/>
+                  <a:cs typeface="+mn-cs"/>
+                </a:defRPr>
+              </a:lvl5pPr>
+              <a:lvl6pPr marL="2286000" algn="l" defTabSz="914400" rtl="0" eaLnBrk="1" latinLnBrk="0" hangingPunct="1">
+                <a:defRPr sz="1800" kern="1200">
+                  <a:solidFill>
+                    <a:schemeClr val="tx1"/>
+                  </a:solidFill>
+                  <a:latin typeface="+mn-lt"/>
+                  <a:ea typeface="+mn-ea"/>
+                  <a:cs typeface="+mn-cs"/>
+                </a:defRPr>
+              </a:lvl6pPr>
+              <a:lvl7pPr marL="2743200" algn="l" defTabSz="914400" rtl="0" eaLnBrk="1" latinLnBrk="0" hangingPunct="1">
+                <a:defRPr sz="1800" kern="1200">
+                  <a:solidFill>
+                    <a:schemeClr val="tx1"/>
+                  </a:solidFill>
+                  <a:latin typeface="+mn-lt"/>
+                  <a:ea typeface="+mn-ea"/>
+                  <a:cs typeface="+mn-cs"/>
+                </a:defRPr>
+              </a:lvl7pPr>
+              <a:lvl8pPr marL="3200400" algn="l" defTabSz="914400" rtl="0" eaLnBrk="1" latinLnBrk="0" hangingPunct="1">
+                <a:defRPr sz="1800" kern="1200">
+                  <a:solidFill>
+                    <a:schemeClr val="tx1"/>
+                  </a:solidFill>
+                  <a:latin typeface="+mn-lt"/>
+                  <a:ea typeface="+mn-ea"/>
+                  <a:cs typeface="+mn-cs"/>
+                </a:defRPr>
+              </a:lvl8pPr>
+              <a:lvl9pPr marL="3657600" algn="l" defTabSz="914400" rtl="0" eaLnBrk="1" latinLnBrk="0" hangingPunct="1">
+                <a:defRPr sz="1800" kern="1200">
+                  <a:solidFill>
+                    <a:schemeClr val="tx1"/>
+                  </a:solidFill>
+                  <a:latin typeface="+mn-lt"/>
+                  <a:ea typeface="+mn-ea"/>
+                  <a:cs typeface="+mn-cs"/>
+                </a:defRPr>
+              </a:lvl9pPr>
+            </a:lstStyle>
+            <a:p>
+              <a:pPr algn="ctr"/>
+              <a:r>
+                <a:rPr lang="en-US" sz="1200" spc="-1" dirty="0">
+                  <a:solidFill>
+                    <a:srgbClr val="000000"/>
+                  </a:solidFill>
+                </a:rPr>
+                <a:t>Resolver</a:t>
+              </a:r>
+            </a:p>
+          </p:txBody>
+        </p:sp>
+        <p:sp>
+          <p:nvSpPr>
+            <p:cNvPr id="4" name="Line 15">
+              <a:extLst>
+                <a:ext uri="{FF2B5EF4-FFF2-40B4-BE49-F238E27FC236}">
+                  <a16:creationId xmlns:a16="http://schemas.microsoft.com/office/drawing/2014/main" id="{3C6FE04C-D3E7-4078-F4A9-8F6D7875909A}"/>
+                </a:ext>
+              </a:extLst>
+            </p:cNvPr>
+            <p:cNvSpPr/>
+            <p:nvPr/>
+          </p:nvSpPr>
+          <p:spPr>
+            <a:xfrm flipH="1">
+              <a:off x="4858834" y="3661205"/>
+              <a:ext cx="0" cy="391332"/>
+            </a:xfrm>
+            <a:prstGeom prst="line">
+              <a:avLst/>
+            </a:prstGeom>
+            <a:ln w="28575">
+              <a:solidFill>
+                <a:schemeClr val="tx1"/>
+              </a:solidFill>
+              <a:round/>
+              <a:headEnd type="triangle" w="med" len="med"/>
+              <a:tailEnd type="none" w="med" len="med"/>
+            </a:ln>
+          </p:spPr>
+          <p:style>
+            <a:lnRef idx="1">
+              <a:schemeClr val="dk1"/>
+            </a:lnRef>
+            <a:fillRef idx="0">
+              <a:schemeClr val="dk1"/>
+            </a:fillRef>
+            <a:effectRef idx="0">
+              <a:schemeClr val="dk1"/>
+            </a:effectRef>
+            <a:fontRef idx="minor"/>
+          </p:style>
+          <p:txBody>
+            <a:bodyPr/>
+            <a:lstStyle/>
+            <a:p>
+              <a:endParaRPr lang="en-US" sz="1200" dirty="0"/>
+            </a:p>
+          </p:txBody>
+        </p:sp>
+        <p:sp>
+          <p:nvSpPr>
+            <p:cNvPr id="5" name="Line 15">
+              <a:extLst>
+                <a:ext uri="{FF2B5EF4-FFF2-40B4-BE49-F238E27FC236}">
+                  <a16:creationId xmlns:a16="http://schemas.microsoft.com/office/drawing/2014/main" id="{51068BD1-0894-8D82-7117-E303FCADFC48}"/>
+                </a:ext>
+              </a:extLst>
+            </p:cNvPr>
+            <p:cNvSpPr/>
+            <p:nvPr/>
+          </p:nvSpPr>
+          <p:spPr>
+            <a:xfrm flipH="1" flipV="1">
+              <a:off x="4013933" y="4492630"/>
+              <a:ext cx="276875" cy="0"/>
+            </a:xfrm>
+            <a:prstGeom prst="line">
+              <a:avLst/>
+            </a:prstGeom>
+            <a:ln w="28575">
+              <a:solidFill>
+                <a:schemeClr val="tx1"/>
+              </a:solidFill>
+              <a:round/>
+              <a:headEnd type="triangle" w="med" len="med"/>
+              <a:tailEnd type="triangle" w="med" len="med"/>
+            </a:ln>
+          </p:spPr>
+          <p:style>
+            <a:lnRef idx="1">
+              <a:schemeClr val="dk1"/>
+            </a:lnRef>
+            <a:fillRef idx="0">
+              <a:schemeClr val="dk1"/>
+            </a:fillRef>
+            <a:effectRef idx="0">
+              <a:schemeClr val="dk1"/>
+            </a:effectRef>
+            <a:fontRef idx="minor"/>
+          </p:style>
+          <p:txBody>
+            <a:bodyPr/>
+            <a:lstStyle/>
+            <a:p>
+              <a:endParaRPr lang="en-US" sz="1200" dirty="0"/>
+            </a:p>
+          </p:txBody>
+        </p:sp>
+        <p:sp>
+          <p:nvSpPr>
+            <p:cNvPr id="6" name="Line 15">
+              <a:extLst>
+                <a:ext uri="{FF2B5EF4-FFF2-40B4-BE49-F238E27FC236}">
+                  <a16:creationId xmlns:a16="http://schemas.microsoft.com/office/drawing/2014/main" id="{DFF7597E-4A5C-2D07-BB1F-446292419C3B}"/>
+                </a:ext>
+              </a:extLst>
+            </p:cNvPr>
+            <p:cNvSpPr/>
+            <p:nvPr/>
+          </p:nvSpPr>
+          <p:spPr>
+            <a:xfrm flipH="1" flipV="1">
+              <a:off x="5441697" y="3241800"/>
+              <a:ext cx="276875" cy="0"/>
+            </a:xfrm>
+            <a:prstGeom prst="line">
+              <a:avLst/>
+            </a:prstGeom>
+            <a:ln w="28575">
+              <a:solidFill>
+                <a:schemeClr val="tx1"/>
+              </a:solidFill>
+              <a:round/>
+              <a:headEnd type="triangle" w="med" len="med"/>
+              <a:tailEnd type="triangle" w="med" len="med"/>
+            </a:ln>
+          </p:spPr>
+          <p:style>
+            <a:lnRef idx="1">
+              <a:schemeClr val="dk1"/>
+            </a:lnRef>
+            <a:fillRef idx="0">
+              <a:schemeClr val="dk1"/>
+            </a:fillRef>
+            <a:effectRef idx="0">
+              <a:schemeClr val="dk1"/>
+            </a:effectRef>
+            <a:fontRef idx="minor"/>
+          </p:style>
+          <p:txBody>
+            <a:bodyPr/>
+            <a:lstStyle/>
+            <a:p>
+              <a:endParaRPr lang="en-US" sz="1200" dirty="0"/>
+            </a:p>
+          </p:txBody>
+        </p:sp>
+        <p:sp>
+          <p:nvSpPr>
+            <p:cNvPr id="8" name="Line 15">
+              <a:extLst>
+                <a:ext uri="{FF2B5EF4-FFF2-40B4-BE49-F238E27FC236}">
+                  <a16:creationId xmlns:a16="http://schemas.microsoft.com/office/drawing/2014/main" id="{8D3C4809-48CE-FF49-9EDD-77EC63BF7C88}"/>
+                </a:ext>
+              </a:extLst>
+            </p:cNvPr>
+            <p:cNvSpPr/>
+            <p:nvPr/>
+          </p:nvSpPr>
+          <p:spPr>
+            <a:xfrm flipH="1" flipV="1">
+              <a:off x="6571681" y="3241800"/>
+              <a:ext cx="276875" cy="0"/>
+            </a:xfrm>
+            <a:prstGeom prst="line">
+              <a:avLst/>
+            </a:prstGeom>
+            <a:ln w="28575">
+              <a:solidFill>
+                <a:schemeClr val="tx1"/>
+              </a:solidFill>
+              <a:round/>
+              <a:headEnd type="triangle" w="med" len="med"/>
+              <a:tailEnd type="triangle" w="med" len="med"/>
+            </a:ln>
+          </p:spPr>
+          <p:style>
+            <a:lnRef idx="1">
+              <a:schemeClr val="dk1"/>
+            </a:lnRef>
+            <a:fillRef idx="0">
+              <a:schemeClr val="dk1"/>
+            </a:fillRef>
+            <a:effectRef idx="0">
+              <a:schemeClr val="dk1"/>
+            </a:effectRef>
+            <a:fontRef idx="minor"/>
+          </p:style>
+          <p:txBody>
+            <a:bodyPr/>
+            <a:lstStyle/>
+            <a:p>
+              <a:endParaRPr lang="en-US" sz="1200" dirty="0"/>
+            </a:p>
+          </p:txBody>
+        </p:sp>
+        <p:sp>
+          <p:nvSpPr>
+            <p:cNvPr id="9" name="Line 15">
+              <a:extLst>
+                <a:ext uri="{FF2B5EF4-FFF2-40B4-BE49-F238E27FC236}">
+                  <a16:creationId xmlns:a16="http://schemas.microsoft.com/office/drawing/2014/main" id="{987D7DF3-FA66-4EC3-3E87-EC2A63CDC71C}"/>
+                </a:ext>
+              </a:extLst>
+            </p:cNvPr>
+            <p:cNvSpPr/>
+            <p:nvPr/>
+          </p:nvSpPr>
+          <p:spPr>
+            <a:xfrm flipH="1" flipV="1">
+              <a:off x="7999444" y="3241800"/>
+              <a:ext cx="276875" cy="0"/>
+            </a:xfrm>
+            <a:prstGeom prst="line">
+              <a:avLst/>
+            </a:prstGeom>
+            <a:ln w="28575">
+              <a:solidFill>
+                <a:schemeClr val="tx1"/>
+              </a:solidFill>
+              <a:round/>
+              <a:headEnd type="triangle" w="med" len="med"/>
+              <a:tailEnd type="triangle" w="med" len="med"/>
+            </a:ln>
+          </p:spPr>
+          <p:style>
+            <a:lnRef idx="1">
+              <a:schemeClr val="dk1"/>
+            </a:lnRef>
+            <a:fillRef idx="0">
+              <a:schemeClr val="dk1"/>
+            </a:fillRef>
+            <a:effectRef idx="0">
+              <a:schemeClr val="dk1"/>
+            </a:effectRef>
+            <a:fontRef idx="minor"/>
+          </p:style>
+          <p:txBody>
+            <a:bodyPr/>
+            <a:lstStyle/>
+            <a:p>
+              <a:endParaRPr lang="en-US" sz="1200" dirty="0"/>
+            </a:p>
+          </p:txBody>
+        </p:sp>
+        <p:sp>
+          <p:nvSpPr>
+            <p:cNvPr id="12" name="Line 15">
+              <a:extLst>
+                <a:ext uri="{FF2B5EF4-FFF2-40B4-BE49-F238E27FC236}">
+                  <a16:creationId xmlns:a16="http://schemas.microsoft.com/office/drawing/2014/main" id="{BE811C2C-0578-BD94-32BC-74FBAA4C3932}"/>
+                </a:ext>
+              </a:extLst>
+            </p:cNvPr>
+            <p:cNvSpPr/>
+            <p:nvPr/>
+          </p:nvSpPr>
+          <p:spPr>
+            <a:xfrm flipH="1" flipV="1">
+              <a:off x="9129428" y="3241800"/>
+              <a:ext cx="276875" cy="0"/>
+            </a:xfrm>
+            <a:prstGeom prst="line">
+              <a:avLst/>
+            </a:prstGeom>
+            <a:ln w="28575">
+              <a:solidFill>
+                <a:schemeClr val="tx1"/>
+              </a:solidFill>
+              <a:round/>
+              <a:headEnd type="triangle" w="med" len="med"/>
+              <a:tailEnd type="triangle" w="med" len="med"/>
+            </a:ln>
+          </p:spPr>
+          <p:style>
+            <a:lnRef idx="1">
+              <a:schemeClr val="dk1"/>
+            </a:lnRef>
+            <a:fillRef idx="0">
+              <a:schemeClr val="dk1"/>
+            </a:fillRef>
+            <a:effectRef idx="0">
+              <a:schemeClr val="dk1"/>
+            </a:effectRef>
+            <a:fontRef idx="minor"/>
+          </p:style>
+          <p:txBody>
+            <a:bodyPr/>
+            <a:lstStyle/>
+            <a:p>
+              <a:endParaRPr lang="en-US" sz="1200" dirty="0"/>
+            </a:p>
+          </p:txBody>
+        </p:sp>
       </p:grpSp>
     </p:spTree>
     <p:extLst>
